--- a/Oscar Night.pptx
+++ b/Oscar Night.pptx
@@ -6,17 +6,16 @@
   </p:sldMasterIdLst>
   <p:sldIdLst>
     <p:sldId id="256" r:id="rId2"/>
-    <p:sldId id="257" r:id="rId3"/>
-    <p:sldId id="258" r:id="rId4"/>
-    <p:sldId id="259" r:id="rId5"/>
-    <p:sldId id="260" r:id="rId6"/>
-    <p:sldId id="261" r:id="rId7"/>
-    <p:sldId id="262" r:id="rId8"/>
-    <p:sldId id="263" r:id="rId9"/>
-    <p:sldId id="264" r:id="rId10"/>
-    <p:sldId id="265" r:id="rId11"/>
-    <p:sldId id="266" r:id="rId12"/>
-    <p:sldId id="267" r:id="rId13"/>
+    <p:sldId id="258" r:id="rId3"/>
+    <p:sldId id="259" r:id="rId4"/>
+    <p:sldId id="260" r:id="rId5"/>
+    <p:sldId id="261" r:id="rId6"/>
+    <p:sldId id="262" r:id="rId7"/>
+    <p:sldId id="263" r:id="rId8"/>
+    <p:sldId id="264" r:id="rId9"/>
+    <p:sldId id="265" r:id="rId10"/>
+    <p:sldId id="266" r:id="rId11"/>
+    <p:sldId id="267" r:id="rId12"/>
   </p:sldIdLst>
   <p:sldSz cx="12192000" cy="6858000"/>
   <p:notesSz cx="6858000" cy="9144000"/>
@@ -115,6 +114,11 @@
       </a:defRPr>
     </a:lvl9pPr>
   </p:defaultTextStyle>
+  <p:extLst>
+    <p:ext uri="{EFAFB233-063F-42B5-8137-9DF3F51BA10A}">
+      <p15:sldGuideLst xmlns:p15="http://schemas.microsoft.com/office/powerpoint/2012/main"/>
+    </p:ext>
+  </p:extLst>
 </p:presentation>
 </file>
 
@@ -265,7 +269,7 @@
           <a:p>
             <a:fld id="{6E5BED98-3B5E-4B9B-A895-4B552719D125}" type="datetimeFigureOut">
               <a:rPr lang="it-IT" smtClean="0"/>
-              <a:t>18/05/2021</a:t>
+              <a:t>25/05/2021</a:t>
             </a:fld>
             <a:endParaRPr lang="it-IT"/>
           </a:p>
@@ -463,7 +467,7 @@
           <a:p>
             <a:fld id="{6E5BED98-3B5E-4B9B-A895-4B552719D125}" type="datetimeFigureOut">
               <a:rPr lang="it-IT" smtClean="0"/>
-              <a:t>18/05/2021</a:t>
+              <a:t>25/05/2021</a:t>
             </a:fld>
             <a:endParaRPr lang="it-IT"/>
           </a:p>
@@ -671,7 +675,7 @@
           <a:p>
             <a:fld id="{6E5BED98-3B5E-4B9B-A895-4B552719D125}" type="datetimeFigureOut">
               <a:rPr lang="it-IT" smtClean="0"/>
-              <a:t>18/05/2021</a:t>
+              <a:t>25/05/2021</a:t>
             </a:fld>
             <a:endParaRPr lang="it-IT"/>
           </a:p>
@@ -869,7 +873,7 @@
           <a:p>
             <a:fld id="{6E5BED98-3B5E-4B9B-A895-4B552719D125}" type="datetimeFigureOut">
               <a:rPr lang="it-IT" smtClean="0"/>
-              <a:t>18/05/2021</a:t>
+              <a:t>25/05/2021</a:t>
             </a:fld>
             <a:endParaRPr lang="it-IT"/>
           </a:p>
@@ -1144,7 +1148,7 @@
           <a:p>
             <a:fld id="{6E5BED98-3B5E-4B9B-A895-4B552719D125}" type="datetimeFigureOut">
               <a:rPr lang="it-IT" smtClean="0"/>
-              <a:t>18/05/2021</a:t>
+              <a:t>25/05/2021</a:t>
             </a:fld>
             <a:endParaRPr lang="it-IT"/>
           </a:p>
@@ -1409,7 +1413,7 @@
           <a:p>
             <a:fld id="{6E5BED98-3B5E-4B9B-A895-4B552719D125}" type="datetimeFigureOut">
               <a:rPr lang="it-IT" smtClean="0"/>
-              <a:t>18/05/2021</a:t>
+              <a:t>25/05/2021</a:t>
             </a:fld>
             <a:endParaRPr lang="it-IT"/>
           </a:p>
@@ -1821,7 +1825,7 @@
           <a:p>
             <a:fld id="{6E5BED98-3B5E-4B9B-A895-4B552719D125}" type="datetimeFigureOut">
               <a:rPr lang="it-IT" smtClean="0"/>
-              <a:t>18/05/2021</a:t>
+              <a:t>25/05/2021</a:t>
             </a:fld>
             <a:endParaRPr lang="it-IT"/>
           </a:p>
@@ -1962,7 +1966,7 @@
           <a:p>
             <a:fld id="{6E5BED98-3B5E-4B9B-A895-4B552719D125}" type="datetimeFigureOut">
               <a:rPr lang="it-IT" smtClean="0"/>
-              <a:t>18/05/2021</a:t>
+              <a:t>25/05/2021</a:t>
             </a:fld>
             <a:endParaRPr lang="it-IT"/>
           </a:p>
@@ -2075,7 +2079,7 @@
           <a:p>
             <a:fld id="{6E5BED98-3B5E-4B9B-A895-4B552719D125}" type="datetimeFigureOut">
               <a:rPr lang="it-IT" smtClean="0"/>
-              <a:t>18/05/2021</a:t>
+              <a:t>25/05/2021</a:t>
             </a:fld>
             <a:endParaRPr lang="it-IT"/>
           </a:p>
@@ -2386,7 +2390,7 @@
           <a:p>
             <a:fld id="{6E5BED98-3B5E-4B9B-A895-4B552719D125}" type="datetimeFigureOut">
               <a:rPr lang="it-IT" smtClean="0"/>
-              <a:t>18/05/2021</a:t>
+              <a:t>25/05/2021</a:t>
             </a:fld>
             <a:endParaRPr lang="it-IT"/>
           </a:p>
@@ -2674,7 +2678,7 @@
           <a:p>
             <a:fld id="{6E5BED98-3B5E-4B9B-A895-4B552719D125}" type="datetimeFigureOut">
               <a:rPr lang="it-IT" smtClean="0"/>
-              <a:t>18/05/2021</a:t>
+              <a:t>25/05/2021</a:t>
             </a:fld>
             <a:endParaRPr lang="it-IT"/>
           </a:p>
@@ -2915,7 +2919,7 @@
           <a:p>
             <a:fld id="{6E5BED98-3B5E-4B9B-A895-4B552719D125}" type="datetimeFigureOut">
               <a:rPr lang="it-IT" smtClean="0"/>
-              <a:t>18/05/2021</a:t>
+              <a:t>25/05/2021</a:t>
             </a:fld>
             <a:endParaRPr lang="it-IT"/>
           </a:p>
@@ -3318,6 +3322,2642 @@
 <file path=ppt/slides/slide1.xml><?xml version="1.0" encoding="utf-8"?>
 <p:sld xmlns:a="http://schemas.openxmlformats.org/drawingml/2006/main" xmlns:r="http://schemas.openxmlformats.org/officeDocument/2006/relationships" xmlns:p="http://schemas.openxmlformats.org/presentationml/2006/main">
   <p:cSld>
+    <p:bg>
+      <p:bgPr>
+        <a:solidFill>
+          <a:schemeClr val="bg1"/>
+        </a:solidFill>
+        <a:effectLst/>
+      </p:bgPr>
+    </p:bg>
+    <p:spTree>
+      <p:nvGrpSpPr>
+        <p:cNvPr id="1" name=""/>
+        <p:cNvGrpSpPr/>
+        <p:nvPr/>
+      </p:nvGrpSpPr>
+      <p:grpSpPr>
+        <a:xfrm>
+          <a:off x="0" y="0"/>
+          <a:ext cx="0" cy="0"/>
+          <a:chOff x="0" y="0"/>
+          <a:chExt cx="0" cy="0"/>
+        </a:xfrm>
+      </p:grpSpPr>
+      <p:sp useBgFill="1">
+        <p:nvSpPr>
+          <p:cNvPr id="92" name="Rectangle 91">
+            <a:extLst>
+              <a:ext uri="{FF2B5EF4-FFF2-40B4-BE49-F238E27FC236}">
+                <a16:creationId xmlns:a16="http://schemas.microsoft.com/office/drawing/2014/main" id="{FA69AAE0-49D5-4C8B-8BA2-55898C00E05E}"/>
+              </a:ext>
+              <a:ext uri="{C183D7F6-B498-43B3-948B-1728B52AA6E4}">
+                <adec:decorative xmlns:adec="http://schemas.microsoft.com/office/drawing/2017/decorative" val="1"/>
+              </a:ext>
+            </a:extLst>
+          </p:cNvPr>
+          <p:cNvSpPr>
+            <a:spLocks noGrp="1" noRot="1" noChangeAspect="1" noMove="1" noResize="1" noEditPoints="1" noAdjustHandles="1" noChangeArrowheads="1" noChangeShapeType="1" noTextEdit="1"/>
+          </p:cNvSpPr>
+          <p:nvPr>
+            <p:extLst>
+              <p:ext uri="{386F3935-93C4-4BCD-93E2-E3B085C9AB24}">
+                <p16:designElem xmlns:p16="http://schemas.microsoft.com/office/powerpoint/2015/main" val="1"/>
+              </p:ext>
+            </p:extLst>
+          </p:nvPr>
+        </p:nvSpPr>
+        <p:spPr>
+          <a:xfrm>
+            <a:off x="0" y="0"/>
+            <a:ext cx="12188952" cy="6858000"/>
+          </a:xfrm>
+          <a:prstGeom prst="rect">
+            <a:avLst/>
+          </a:prstGeom>
+          <a:ln>
+            <a:noFill/>
+          </a:ln>
+        </p:spPr>
+        <p:style>
+          <a:lnRef idx="2">
+            <a:schemeClr val="accent1">
+              <a:shade val="50000"/>
+            </a:schemeClr>
+          </a:lnRef>
+          <a:fillRef idx="1">
+            <a:schemeClr val="accent1"/>
+          </a:fillRef>
+          <a:effectRef idx="0">
+            <a:schemeClr val="accent1"/>
+          </a:effectRef>
+          <a:fontRef idx="minor">
+            <a:schemeClr val="lt1"/>
+          </a:fontRef>
+        </p:style>
+        <p:txBody>
+          <a:bodyPr rtlCol="0" anchor="ctr"/>
+          <a:lstStyle/>
+          <a:p>
+            <a:pPr algn="ctr"/>
+            <a:endParaRPr lang="en-US"/>
+          </a:p>
+        </p:txBody>
+      </p:sp>
+      <p:pic>
+        <p:nvPicPr>
+          <p:cNvPr id="5" name="Picture 4" descr="Dettaglio di mani che applaudono">
+            <a:extLst>
+              <a:ext uri="{FF2B5EF4-FFF2-40B4-BE49-F238E27FC236}">
+                <a16:creationId xmlns:a16="http://schemas.microsoft.com/office/drawing/2014/main" id="{1D5F8A4E-511E-4C08-9E3F-5AFA704FC3F8}"/>
+              </a:ext>
+            </a:extLst>
+          </p:cNvPr>
+          <p:cNvPicPr>
+            <a:picLocks noChangeAspect="1"/>
+          </p:cNvPicPr>
+          <p:nvPr/>
+        </p:nvPicPr>
+        <p:blipFill rotWithShape="1">
+          <a:blip r:embed="rId2"/>
+          <a:srcRect l="20113" r="6550" b="-1"/>
+          <a:stretch/>
+        </p:blipFill>
+        <p:spPr>
+          <a:xfrm>
+            <a:off x="-4" y="-4"/>
+            <a:ext cx="7534640" cy="6857984"/>
+          </a:xfrm>
+          <a:custGeom>
+            <a:avLst/>
+            <a:gdLst/>
+            <a:ahLst/>
+            <a:cxnLst/>
+            <a:rect l="l" t="t" r="r" b="b"/>
+            <a:pathLst>
+              <a:path w="7534640" h="6857984">
+                <a:moveTo>
+                  <a:pt x="0" y="0"/>
+                </a:moveTo>
+                <a:lnTo>
+                  <a:pt x="7534640" y="0"/>
+                </a:lnTo>
+                <a:lnTo>
+                  <a:pt x="7534640" y="3832811"/>
+                </a:lnTo>
+                <a:lnTo>
+                  <a:pt x="7344853" y="3826712"/>
+                </a:lnTo>
+                <a:cubicBezTo>
+                  <a:pt x="7344853" y="3826712"/>
+                  <a:pt x="7341511" y="3826712"/>
+                  <a:pt x="7341511" y="3826712"/>
+                </a:cubicBezTo>
+                <a:cubicBezTo>
+                  <a:pt x="7274667" y="3823370"/>
+                  <a:pt x="7211169" y="3823370"/>
+                  <a:pt x="7144324" y="3820027"/>
+                </a:cubicBezTo>
+                <a:cubicBezTo>
+                  <a:pt x="6913719" y="3820027"/>
+                  <a:pt x="6683113" y="3820027"/>
+                  <a:pt x="6455848" y="3820027"/>
+                </a:cubicBezTo>
+                <a:cubicBezTo>
+                  <a:pt x="6231926" y="3910265"/>
+                  <a:pt x="5987951" y="3833396"/>
+                  <a:pt x="5767372" y="3903581"/>
+                </a:cubicBezTo>
+                <a:cubicBezTo>
+                  <a:pt x="5533423" y="3900239"/>
+                  <a:pt x="5312845" y="3970423"/>
+                  <a:pt x="5082238" y="4000503"/>
+                </a:cubicBezTo>
+                <a:cubicBezTo>
+                  <a:pt x="4908446" y="4013871"/>
+                  <a:pt x="4731314" y="3997160"/>
+                  <a:pt x="4570892" y="4067345"/>
+                </a:cubicBezTo>
+                <a:cubicBezTo>
+                  <a:pt x="4447233" y="4124161"/>
+                  <a:pt x="4350312" y="4197688"/>
+                  <a:pt x="4483996" y="4348083"/>
+                </a:cubicBezTo>
+                <a:cubicBezTo>
+                  <a:pt x="4644419" y="4344742"/>
+                  <a:pt x="4627708" y="4598742"/>
+                  <a:pt x="4788129" y="4561979"/>
+                </a:cubicBezTo>
+                <a:cubicBezTo>
+                  <a:pt x="4754709" y="4678954"/>
+                  <a:pt x="4641076" y="4618795"/>
+                  <a:pt x="4600971" y="4705690"/>
+                </a:cubicBezTo>
+                <a:cubicBezTo>
+                  <a:pt x="4684524" y="4779217"/>
+                  <a:pt x="4844945" y="4725744"/>
+                  <a:pt x="4871683" y="4879480"/>
+                </a:cubicBezTo>
+                <a:cubicBezTo>
+                  <a:pt x="4838262" y="5039902"/>
+                  <a:pt x="4945210" y="5019849"/>
+                  <a:pt x="5032105" y="5029876"/>
+                </a:cubicBezTo>
+                <a:cubicBezTo>
+                  <a:pt x="5239317" y="5049930"/>
+                  <a:pt x="5439843" y="5063297"/>
+                  <a:pt x="5643713" y="5096719"/>
+                </a:cubicBezTo>
+                <a:cubicBezTo>
+                  <a:pt x="5693844" y="5106745"/>
+                  <a:pt x="5810819" y="5083350"/>
+                  <a:pt x="5800794" y="5186956"/>
+                </a:cubicBezTo>
+                <a:cubicBezTo>
+                  <a:pt x="5790767" y="5270508"/>
+                  <a:pt x="5700529" y="5240431"/>
+                  <a:pt x="5643713" y="5243772"/>
+                </a:cubicBezTo>
+                <a:cubicBezTo>
+                  <a:pt x="5329553" y="5283879"/>
+                  <a:pt x="5012052" y="5220378"/>
+                  <a:pt x="4701235" y="5223719"/>
+                </a:cubicBezTo>
+                <a:cubicBezTo>
+                  <a:pt x="4664472" y="5223719"/>
+                  <a:pt x="4657787" y="5334009"/>
+                  <a:pt x="4577576" y="5297246"/>
+                </a:cubicBezTo>
+                <a:cubicBezTo>
+                  <a:pt x="4788129" y="5397510"/>
+                  <a:pt x="5767372" y="5424248"/>
+                  <a:pt x="6094900" y="5477721"/>
+                </a:cubicBezTo>
+                <a:cubicBezTo>
+                  <a:pt x="5754004" y="5858724"/>
+                  <a:pt x="5429817" y="5628117"/>
+                  <a:pt x="5159105" y="5842012"/>
+                </a:cubicBezTo>
+                <a:cubicBezTo>
+                  <a:pt x="5159105" y="5842012"/>
+                  <a:pt x="5212580" y="5842012"/>
+                  <a:pt x="5443187" y="5912197"/>
+                </a:cubicBezTo>
+                <a:cubicBezTo>
+                  <a:pt x="5627002" y="5969012"/>
+                  <a:pt x="5536765" y="6049223"/>
+                  <a:pt x="6001321" y="6202962"/>
+                </a:cubicBezTo>
+                <a:cubicBezTo>
+                  <a:pt x="5824188" y="6253093"/>
+                  <a:pt x="5593581" y="6156172"/>
+                  <a:pt x="5506685" y="6416857"/>
+                </a:cubicBezTo>
+                <a:cubicBezTo>
+                  <a:pt x="5643713" y="6463648"/>
+                  <a:pt x="5807477" y="6420200"/>
+                  <a:pt x="5904398" y="6543858"/>
+                </a:cubicBezTo>
+                <a:cubicBezTo>
+                  <a:pt x="5934478" y="6580622"/>
+                  <a:pt x="5964557" y="6604017"/>
+                  <a:pt x="6001321" y="6624068"/>
+                </a:cubicBezTo>
+                <a:cubicBezTo>
+                  <a:pt x="5984612" y="6630754"/>
+                  <a:pt x="5964557" y="6637437"/>
+                  <a:pt x="5951188" y="6644121"/>
+                </a:cubicBezTo>
+                <a:cubicBezTo>
+                  <a:pt x="5977925" y="6667518"/>
+                  <a:pt x="6663060" y="6794517"/>
+                  <a:pt x="6836850" y="6797860"/>
+                </a:cubicBezTo>
+                <a:cubicBezTo>
+                  <a:pt x="6761652" y="6822926"/>
+                  <a:pt x="6636845" y="6844075"/>
+                  <a:pt x="6553814" y="6856412"/>
+                </a:cubicBezTo>
+                <a:lnTo>
+                  <a:pt x="6542822" y="6857984"/>
+                </a:lnTo>
+                <a:lnTo>
+                  <a:pt x="0" y="6857984"/>
+                </a:lnTo>
+                <a:close/>
+              </a:path>
+            </a:pathLst>
+          </a:custGeom>
+        </p:spPr>
+      </p:pic>
+      <p:sp>
+        <p:nvSpPr>
+          <p:cNvPr id="2" name="Titolo 1">
+            <a:extLst>
+              <a:ext uri="{FF2B5EF4-FFF2-40B4-BE49-F238E27FC236}">
+                <a16:creationId xmlns:a16="http://schemas.microsoft.com/office/drawing/2014/main" id="{EE30E8A9-1CFF-41A0-918B-688FAF57FADE}"/>
+              </a:ext>
+            </a:extLst>
+          </p:cNvPr>
+          <p:cNvSpPr>
+            <a:spLocks noGrp="1"/>
+          </p:cNvSpPr>
+          <p:nvPr>
+            <p:ph type="ctrTitle"/>
+          </p:nvPr>
+        </p:nvSpPr>
+        <p:spPr>
+          <a:xfrm>
+            <a:off x="6599682" y="4786382"/>
+            <a:ext cx="5505814" cy="843065"/>
+          </a:xfrm>
+        </p:spPr>
+        <p:txBody>
+          <a:bodyPr vert="horz" lIns="91440" tIns="45720" rIns="91440" bIns="45720" rtlCol="0" anchor="b">
+            <a:normAutofit/>
+          </a:bodyPr>
+          <a:lstStyle/>
+          <a:p>
+            <a:pPr algn="l"/>
+            <a:r>
+              <a:rPr lang="en-US" sz="4400" kern="1200" dirty="0" err="1">
+                <a:ln w="22225">
+                  <a:solidFill>
+                    <a:schemeClr val="tx1"/>
+                  </a:solidFill>
+                  <a:miter lim="800000"/>
+                </a:ln>
+                <a:solidFill>
+                  <a:schemeClr val="tx1"/>
+                </a:solidFill>
+                <a:latin typeface="+mj-lt"/>
+                <a:ea typeface="+mj-ea"/>
+                <a:cs typeface="+mj-cs"/>
+              </a:rPr>
+              <a:t>Compito</a:t>
+            </a:r>
+            <a:r>
+              <a:rPr lang="en-US" sz="4400" kern="1200" dirty="0">
+                <a:ln w="22225">
+                  <a:solidFill>
+                    <a:schemeClr val="tx1"/>
+                  </a:solidFill>
+                  <a:miter lim="800000"/>
+                </a:ln>
+                <a:solidFill>
+                  <a:schemeClr val="tx1"/>
+                </a:solidFill>
+                <a:latin typeface="+mj-lt"/>
+                <a:ea typeface="+mj-ea"/>
+                <a:cs typeface="+mj-cs"/>
+              </a:rPr>
+              <a:t> di </a:t>
+            </a:r>
+            <a:r>
+              <a:rPr lang="en-US" sz="4400" kern="1200" dirty="0" err="1">
+                <a:ln w="22225">
+                  <a:solidFill>
+                    <a:schemeClr val="tx1"/>
+                  </a:solidFill>
+                  <a:miter lim="800000"/>
+                </a:ln>
+                <a:solidFill>
+                  <a:schemeClr val="tx1"/>
+                </a:solidFill>
+                <a:latin typeface="+mj-lt"/>
+                <a:ea typeface="+mj-ea"/>
+                <a:cs typeface="+mj-cs"/>
+              </a:rPr>
+              <a:t>Alternativa</a:t>
+            </a:r>
+            <a:endParaRPr lang="en-US" sz="4400" kern="1200" dirty="0">
+              <a:ln w="22225">
+                <a:solidFill>
+                  <a:schemeClr val="tx1"/>
+                </a:solidFill>
+                <a:miter lim="800000"/>
+              </a:ln>
+              <a:solidFill>
+                <a:schemeClr val="tx1"/>
+              </a:solidFill>
+              <a:latin typeface="+mj-lt"/>
+              <a:ea typeface="+mj-ea"/>
+              <a:cs typeface="+mj-cs"/>
+            </a:endParaRPr>
+          </a:p>
+        </p:txBody>
+      </p:sp>
+      <p:sp>
+        <p:nvSpPr>
+          <p:cNvPr id="3" name="Sottotitolo 2">
+            <a:extLst>
+              <a:ext uri="{FF2B5EF4-FFF2-40B4-BE49-F238E27FC236}">
+                <a16:creationId xmlns:a16="http://schemas.microsoft.com/office/drawing/2014/main" id="{7A965BF5-404D-4E53-9F01-D16697CB0426}"/>
+              </a:ext>
+            </a:extLst>
+          </p:cNvPr>
+          <p:cNvSpPr>
+            <a:spLocks noGrp="1"/>
+          </p:cNvSpPr>
+          <p:nvPr>
+            <p:ph type="subTitle" idx="1"/>
+          </p:nvPr>
+        </p:nvSpPr>
+        <p:spPr>
+          <a:xfrm>
+            <a:off x="6654601" y="5801005"/>
+            <a:ext cx="5395975" cy="646785"/>
+          </a:xfrm>
+        </p:spPr>
+        <p:txBody>
+          <a:bodyPr vert="horz" lIns="91440" tIns="45720" rIns="91440" bIns="45720" rtlCol="0">
+            <a:normAutofit/>
+          </a:bodyPr>
+          <a:lstStyle/>
+          <a:p>
+            <a:pPr algn="l"/>
+            <a:r>
+              <a:rPr lang="en-US" dirty="0"/>
+              <a:t>d</a:t>
+            </a:r>
+            <a:r>
+              <a:rPr lang="en-US" kern="1200" dirty="0">
+                <a:solidFill>
+                  <a:schemeClr val="tx1"/>
+                </a:solidFill>
+                <a:latin typeface="+mn-lt"/>
+                <a:ea typeface="+mn-ea"/>
+                <a:cs typeface="+mn-cs"/>
+              </a:rPr>
+              <a:t>i Giorgio Loggia – 2E</a:t>
+            </a:r>
+          </a:p>
+        </p:txBody>
+      </p:sp>
+      <p:pic>
+        <p:nvPicPr>
+          <p:cNvPr id="28" name="Segnaposto contenuto 4" descr="Immagine che contiene testo&#10;&#10;Descrizione generata automaticamente">
+            <a:extLst>
+              <a:ext uri="{FF2B5EF4-FFF2-40B4-BE49-F238E27FC236}">
+                <a16:creationId xmlns:a16="http://schemas.microsoft.com/office/drawing/2014/main" id="{3BD0DA14-E39A-4474-963F-1C06055D7AC1}"/>
+              </a:ext>
+            </a:extLst>
+          </p:cNvPr>
+          <p:cNvPicPr>
+            <a:picLocks noChangeAspect="1"/>
+          </p:cNvPicPr>
+          <p:nvPr/>
+        </p:nvPicPr>
+        <p:blipFill rotWithShape="1">
+          <a:blip r:embed="rId3">
+            <a:extLst>
+              <a:ext uri="{28A0092B-C50C-407E-A947-70E740481C1C}">
+                <a14:useLocalDpi xmlns:a14="http://schemas.microsoft.com/office/drawing/2010/main" val="0"/>
+              </a:ext>
+            </a:extLst>
+          </a:blip>
+          <a:srcRect l="18037" r="16119" b="-1"/>
+          <a:stretch/>
+        </p:blipFill>
+        <p:spPr>
+          <a:xfrm>
+            <a:off x="7653541" y="6"/>
+            <a:ext cx="4538463" cy="3877247"/>
+          </a:xfrm>
+          <a:custGeom>
+            <a:avLst/>
+            <a:gdLst/>
+            <a:ahLst/>
+            <a:cxnLst/>
+            <a:rect l="l" t="t" r="r" b="b"/>
+            <a:pathLst>
+              <a:path w="4538463" h="3877247">
+                <a:moveTo>
+                  <a:pt x="0" y="0"/>
+                </a:moveTo>
+                <a:lnTo>
+                  <a:pt x="4538463" y="0"/>
+                </a:lnTo>
+                <a:lnTo>
+                  <a:pt x="4538463" y="3437173"/>
+                </a:lnTo>
+                <a:lnTo>
+                  <a:pt x="4530710" y="3429000"/>
+                </a:lnTo>
+                <a:cubicBezTo>
+                  <a:pt x="4370289" y="3495842"/>
+                  <a:pt x="4239946" y="3686344"/>
+                  <a:pt x="4056129" y="3636211"/>
+                </a:cubicBezTo>
+                <a:cubicBezTo>
+                  <a:pt x="3872313" y="3589422"/>
+                  <a:pt x="3788760" y="3830055"/>
+                  <a:pt x="3618310" y="3756528"/>
+                </a:cubicBezTo>
+                <a:cubicBezTo>
+                  <a:pt x="3394389" y="3823371"/>
+                  <a:pt x="3163783" y="3823371"/>
+                  <a:pt x="2933176" y="3810002"/>
+                </a:cubicBezTo>
+                <a:cubicBezTo>
+                  <a:pt x="2702570" y="3840081"/>
+                  <a:pt x="2471962" y="3873503"/>
+                  <a:pt x="2238015" y="3850107"/>
+                </a:cubicBezTo>
+                <a:cubicBezTo>
+                  <a:pt x="2007408" y="3870161"/>
+                  <a:pt x="1783486" y="3883529"/>
+                  <a:pt x="1552880" y="3863476"/>
+                </a:cubicBezTo>
+                <a:cubicBezTo>
+                  <a:pt x="1322274" y="3886870"/>
+                  <a:pt x="1091667" y="3876844"/>
+                  <a:pt x="864402" y="3860134"/>
+                </a:cubicBezTo>
+                <a:cubicBezTo>
+                  <a:pt x="757455" y="3860134"/>
+                  <a:pt x="653849" y="3856792"/>
+                  <a:pt x="546902" y="3856792"/>
+                </a:cubicBezTo>
+                <a:cubicBezTo>
+                  <a:pt x="404861" y="3850108"/>
+                  <a:pt x="262821" y="3845095"/>
+                  <a:pt x="120363" y="3840499"/>
+                </a:cubicBezTo>
+                <a:lnTo>
+                  <a:pt x="0" y="3836632"/>
+                </a:lnTo>
+                <a:close/>
+              </a:path>
+            </a:pathLst>
+          </a:custGeom>
+        </p:spPr>
+      </p:pic>
+    </p:spTree>
+    <p:extLst>
+      <p:ext uri="{BB962C8B-B14F-4D97-AF65-F5344CB8AC3E}">
+        <p14:creationId xmlns:p14="http://schemas.microsoft.com/office/powerpoint/2010/main" val="3830472375"/>
+      </p:ext>
+    </p:extLst>
+  </p:cSld>
+  <p:clrMapOvr>
+    <a:masterClrMapping/>
+  </p:clrMapOvr>
+  <p:timing>
+    <p:tnLst>
+      <p:par>
+        <p:cTn id="1" dur="indefinite" restart="never" nodeType="tmRoot">
+          <p:childTnLst>
+            <p:seq concurrent="1" nextAc="seek">
+              <p:cTn id="2" dur="indefinite" nodeType="mainSeq">
+                <p:childTnLst>
+                  <p:par>
+                    <p:cTn id="3" fill="hold">
+                      <p:stCondLst>
+                        <p:cond delay="indefinite"/>
+                        <p:cond evt="onBegin" delay="0">
+                          <p:tn val="2"/>
+                        </p:cond>
+                      </p:stCondLst>
+                      <p:childTnLst>
+                        <p:par>
+                          <p:cTn id="4" fill="hold">
+                            <p:stCondLst>
+                              <p:cond delay="0"/>
+                            </p:stCondLst>
+                            <p:childTnLst>
+                              <p:par>
+                                <p:cTn id="5" presetID="10" presetClass="entr" presetSubtype="0" fill="hold" nodeType="withEffect">
+                                  <p:stCondLst>
+                                    <p:cond delay="0"/>
+                                  </p:stCondLst>
+                                  <p:iterate>
+                                    <p:tmPct val="10000"/>
+                                  </p:iterate>
+                                  <p:childTnLst>
+                                    <p:set>
+                                      <p:cBhvr>
+                                        <p:cTn id="6" dur="1" fill="hold">
+                                          <p:stCondLst>
+                                            <p:cond delay="0"/>
+                                          </p:stCondLst>
+                                        </p:cTn>
+                                        <p:tgtEl>
+                                          <p:spTgt spid="5"/>
+                                        </p:tgtEl>
+                                        <p:attrNameLst>
+                                          <p:attrName>style.visibility</p:attrName>
+                                        </p:attrNameLst>
+                                      </p:cBhvr>
+                                      <p:to>
+                                        <p:strVal val="visible"/>
+                                      </p:to>
+                                    </p:set>
+                                    <p:animEffect transition="in" filter="fade">
+                                      <p:cBhvr>
+                                        <p:cTn id="7" dur="700"/>
+                                        <p:tgtEl>
+                                          <p:spTgt spid="5"/>
+                                        </p:tgtEl>
+                                      </p:cBhvr>
+                                    </p:animEffect>
+                                  </p:childTnLst>
+                                </p:cTn>
+                              </p:par>
+                            </p:childTnLst>
+                          </p:cTn>
+                        </p:par>
+                      </p:childTnLst>
+                    </p:cTn>
+                  </p:par>
+                </p:childTnLst>
+              </p:cTn>
+              <p:prevCondLst>
+                <p:cond evt="onPrev" delay="0">
+                  <p:tgtEl>
+                    <p:sldTgt/>
+                  </p:tgtEl>
+                </p:cond>
+              </p:prevCondLst>
+              <p:nextCondLst>
+                <p:cond evt="onNext" delay="0">
+                  <p:tgtEl>
+                    <p:sldTgt/>
+                  </p:tgtEl>
+                </p:cond>
+              </p:nextCondLst>
+            </p:seq>
+          </p:childTnLst>
+        </p:cTn>
+      </p:par>
+    </p:tnLst>
+  </p:timing>
+</p:sld>
+</file>
+
+<file path=ppt/slides/slide10.xml><?xml version="1.0" encoding="utf-8"?>
+<p:sld xmlns:a="http://schemas.openxmlformats.org/drawingml/2006/main" xmlns:r="http://schemas.openxmlformats.org/officeDocument/2006/relationships" xmlns:p="http://schemas.openxmlformats.org/presentationml/2006/main">
+  <p:cSld>
+    <p:bg>
+      <p:bgPr>
+        <a:solidFill>
+          <a:schemeClr val="bg1"/>
+        </a:solidFill>
+        <a:effectLst/>
+      </p:bgPr>
+    </p:bg>
+    <p:spTree>
+      <p:nvGrpSpPr>
+        <p:cNvPr id="1" name=""/>
+        <p:cNvGrpSpPr/>
+        <p:nvPr/>
+      </p:nvGrpSpPr>
+      <p:grpSpPr>
+        <a:xfrm>
+          <a:off x="0" y="0"/>
+          <a:ext cx="0" cy="0"/>
+          <a:chOff x="0" y="0"/>
+          <a:chExt cx="0" cy="0"/>
+        </a:xfrm>
+      </p:grpSpPr>
+      <p:sp useBgFill="1">
+        <p:nvSpPr>
+          <p:cNvPr id="17" name="Rectangle 16">
+            <a:extLst>
+              <a:ext uri="{FF2B5EF4-FFF2-40B4-BE49-F238E27FC236}">
+                <a16:creationId xmlns:a16="http://schemas.microsoft.com/office/drawing/2014/main" id="{F94AA2BD-2E3F-4B1D-8127-5744B8115311}"/>
+              </a:ext>
+              <a:ext uri="{C183D7F6-B498-43B3-948B-1728B52AA6E4}">
+                <adec:decorative xmlns:adec="http://schemas.microsoft.com/office/drawing/2017/decorative" val="1"/>
+              </a:ext>
+            </a:extLst>
+          </p:cNvPr>
+          <p:cNvSpPr>
+            <a:spLocks noGrp="1" noRot="1" noChangeAspect="1" noMove="1" noResize="1" noEditPoints="1" noAdjustHandles="1" noChangeArrowheads="1" noChangeShapeType="1" noTextEdit="1"/>
+          </p:cNvSpPr>
+          <p:nvPr>
+            <p:extLst>
+              <p:ext uri="{386F3935-93C4-4BCD-93E2-E3B085C9AB24}">
+                <p16:designElem xmlns:p16="http://schemas.microsoft.com/office/powerpoint/2015/main" val="1"/>
+              </p:ext>
+            </p:extLst>
+          </p:nvPr>
+        </p:nvSpPr>
+        <p:spPr>
+          <a:xfrm>
+            <a:off x="0" y="0"/>
+            <a:ext cx="12192000" cy="6858000"/>
+          </a:xfrm>
+          <a:prstGeom prst="rect">
+            <a:avLst/>
+          </a:prstGeom>
+          <a:ln>
+            <a:noFill/>
+          </a:ln>
+        </p:spPr>
+        <p:style>
+          <a:lnRef idx="2">
+            <a:schemeClr val="accent1">
+              <a:shade val="50000"/>
+            </a:schemeClr>
+          </a:lnRef>
+          <a:fillRef idx="1">
+            <a:schemeClr val="accent1"/>
+          </a:fillRef>
+          <a:effectRef idx="0">
+            <a:schemeClr val="accent1"/>
+          </a:effectRef>
+          <a:fontRef idx="minor">
+            <a:schemeClr val="lt1"/>
+          </a:fontRef>
+        </p:style>
+        <p:txBody>
+          <a:bodyPr rtlCol="0" anchor="ctr"/>
+          <a:lstStyle/>
+          <a:p>
+            <a:pPr algn="ctr"/>
+            <a:endParaRPr lang="en-US"/>
+          </a:p>
+        </p:txBody>
+      </p:sp>
+      <p:sp>
+        <p:nvSpPr>
+          <p:cNvPr id="2" name="Titolo 1">
+            <a:extLst>
+              <a:ext uri="{FF2B5EF4-FFF2-40B4-BE49-F238E27FC236}">
+                <a16:creationId xmlns:a16="http://schemas.microsoft.com/office/drawing/2014/main" id="{DDE5A545-5ACA-459A-9482-286E8AC29552}"/>
+              </a:ext>
+            </a:extLst>
+          </p:cNvPr>
+          <p:cNvSpPr>
+            <a:spLocks noGrp="1"/>
+          </p:cNvSpPr>
+          <p:nvPr>
+            <p:ph type="title"/>
+          </p:nvPr>
+        </p:nvSpPr>
+        <p:spPr>
+          <a:xfrm>
+            <a:off x="301752" y="1220724"/>
+            <a:ext cx="5427694" cy="1088136"/>
+          </a:xfrm>
+        </p:spPr>
+        <p:txBody>
+          <a:bodyPr anchor="b">
+            <a:noAutofit/>
+          </a:bodyPr>
+          <a:lstStyle/>
+          <a:p>
+            <a:r>
+              <a:rPr lang="it-IT" sz="3800" dirty="0"/>
+              <a:t>Il 2° oscar va a: </a:t>
+            </a:r>
+            <a:r>
+              <a:rPr lang="it-IT" sz="3800" b="1" dirty="0">
+                <a:solidFill>
+                  <a:schemeClr val="accent2">
+                    <a:lumMod val="75000"/>
+                  </a:schemeClr>
+                </a:solidFill>
+                <a:effectLst>
+                  <a:outerShdw blurRad="38100" dist="38100" dir="2700000" algn="tl">
+                    <a:srgbClr val="000000">
+                      <a:alpha val="43137"/>
+                    </a:srgbClr>
+                  </a:outerShdw>
+                </a:effectLst>
+              </a:rPr>
+              <a:t>Katherine </a:t>
+            </a:r>
+            <a:br>
+              <a:rPr lang="it-IT" sz="3800" b="1" dirty="0">
+                <a:effectLst>
+                  <a:outerShdw blurRad="38100" dist="38100" dir="2700000" algn="tl">
+                    <a:srgbClr val="000000">
+                      <a:alpha val="43137"/>
+                    </a:srgbClr>
+                  </a:outerShdw>
+                </a:effectLst>
+              </a:rPr>
+            </a:br>
+            <a:r>
+              <a:rPr lang="it-IT" sz="3800" dirty="0"/>
+              <a:t>co-protagonista del film</a:t>
+            </a:r>
+            <a:br>
+              <a:rPr lang="it-IT" sz="3800" dirty="0"/>
+            </a:br>
+            <a:r>
+              <a:rPr lang="it-IT" sz="3800" b="1" dirty="0"/>
+              <a:t>IL DIRITTO DI CONTARE</a:t>
+            </a:r>
+          </a:p>
+        </p:txBody>
+      </p:sp>
+      <p:sp>
+        <p:nvSpPr>
+          <p:cNvPr id="19" name="Rectangle 18">
+            <a:extLst>
+              <a:ext uri="{FF2B5EF4-FFF2-40B4-BE49-F238E27FC236}">
+                <a16:creationId xmlns:a16="http://schemas.microsoft.com/office/drawing/2014/main" id="{4BD02261-2DC8-4AA8-9E16-7751AE892445}"/>
+              </a:ext>
+              <a:ext uri="{C183D7F6-B498-43B3-948B-1728B52AA6E4}">
+                <adec:decorative xmlns:adec="http://schemas.microsoft.com/office/drawing/2017/decorative" val="1"/>
+              </a:ext>
+            </a:extLst>
+          </p:cNvPr>
+          <p:cNvSpPr>
+            <a:spLocks noGrp="1" noRot="1" noChangeAspect="1" noMove="1" noResize="1" noEditPoints="1" noAdjustHandles="1" noChangeArrowheads="1" noChangeShapeType="1" noTextEdit="1"/>
+          </p:cNvSpPr>
+          <p:nvPr>
+            <p:extLst>
+              <p:ext uri="{386F3935-93C4-4BCD-93E2-E3B085C9AB24}">
+                <p16:designElem xmlns:p16="http://schemas.microsoft.com/office/powerpoint/2015/main" val="1"/>
+              </p:ext>
+            </p:extLst>
+          </p:nvPr>
+        </p:nvSpPr>
+        <p:spPr>
+          <a:xfrm rot="5400000">
+            <a:off x="649223" y="387939"/>
+            <a:ext cx="73152" cy="548640"/>
+          </a:xfrm>
+          <a:prstGeom prst="rect">
+            <a:avLst/>
+          </a:prstGeom>
+          <a:solidFill>
+            <a:schemeClr val="accent2"/>
+          </a:solidFill>
+          <a:ln>
+            <a:noFill/>
+          </a:ln>
+        </p:spPr>
+        <p:style>
+          <a:lnRef idx="2">
+            <a:schemeClr val="accent1">
+              <a:shade val="50000"/>
+            </a:schemeClr>
+          </a:lnRef>
+          <a:fillRef idx="1">
+            <a:schemeClr val="accent1"/>
+          </a:fillRef>
+          <a:effectRef idx="0">
+            <a:schemeClr val="accent1"/>
+          </a:effectRef>
+          <a:fontRef idx="minor">
+            <a:schemeClr val="lt1"/>
+          </a:fontRef>
+        </p:style>
+        <p:txBody>
+          <a:bodyPr rtlCol="0" anchor="ctr"/>
+          <a:lstStyle/>
+          <a:p>
+            <a:pPr algn="ctr"/>
+            <a:endParaRPr lang="en-US">
+              <a:solidFill>
+                <a:prstClr val="white"/>
+              </a:solidFill>
+              <a:latin typeface="Calibri" panose="020F0502020204030204"/>
+            </a:endParaRPr>
+          </a:p>
+        </p:txBody>
+      </p:sp>
+      <p:sp>
+        <p:nvSpPr>
+          <p:cNvPr id="21" name="Rectangle 20">
+            <a:extLst>
+              <a:ext uri="{FF2B5EF4-FFF2-40B4-BE49-F238E27FC236}">
+                <a16:creationId xmlns:a16="http://schemas.microsoft.com/office/drawing/2014/main" id="{3D752CF2-2291-40B5-B462-C17B174C10BC}"/>
+              </a:ext>
+              <a:ext uri="{C183D7F6-B498-43B3-948B-1728B52AA6E4}">
+                <adec:decorative xmlns:adec="http://schemas.microsoft.com/office/drawing/2017/decorative" val="1"/>
+              </a:ext>
+            </a:extLst>
+          </p:cNvPr>
+          <p:cNvSpPr>
+            <a:spLocks noGrp="1" noRot="1" noChangeAspect="1" noMove="1" noResize="1" noEditPoints="1" noAdjustHandles="1" noChangeArrowheads="1" noChangeShapeType="1" noTextEdit="1"/>
+          </p:cNvSpPr>
+          <p:nvPr>
+            <p:extLst>
+              <p:ext uri="{386F3935-93C4-4BCD-93E2-E3B085C9AB24}">
+                <p16:designElem xmlns:p16="http://schemas.microsoft.com/office/powerpoint/2015/main" val="1"/>
+              </p:ext>
+            </p:extLst>
+          </p:nvPr>
+        </p:nvSpPr>
+        <p:spPr>
+          <a:xfrm>
+            <a:off x="411480" y="2286000"/>
+            <a:ext cx="4389120" cy="18288"/>
+          </a:xfrm>
+          <a:prstGeom prst="rect">
+            <a:avLst/>
+          </a:prstGeom>
+          <a:solidFill>
+            <a:srgbClr val="D5D5D5"/>
+          </a:solidFill>
+          <a:ln w="3175">
+            <a:noFill/>
+          </a:ln>
+          <a:effectLst/>
+        </p:spPr>
+        <p:style>
+          <a:lnRef idx="2">
+            <a:schemeClr val="accent1">
+              <a:shade val="50000"/>
+            </a:schemeClr>
+          </a:lnRef>
+          <a:fillRef idx="1">
+            <a:schemeClr val="accent1"/>
+          </a:fillRef>
+          <a:effectRef idx="0">
+            <a:schemeClr val="accent1"/>
+          </a:effectRef>
+          <a:fontRef idx="minor">
+            <a:schemeClr val="lt1"/>
+          </a:fontRef>
+        </p:style>
+        <p:txBody>
+          <a:bodyPr rtlCol="0" anchor="ctr"/>
+          <a:lstStyle/>
+          <a:p>
+            <a:pPr algn="ctr"/>
+            <a:endParaRPr lang="en-US">
+              <a:solidFill>
+                <a:prstClr val="white"/>
+              </a:solidFill>
+              <a:latin typeface="Calibri" panose="020F0502020204030204"/>
+            </a:endParaRPr>
+          </a:p>
+        </p:txBody>
+      </p:sp>
+      <p:sp>
+        <p:nvSpPr>
+          <p:cNvPr id="3" name="Segnaposto contenuto 2">
+            <a:extLst>
+              <a:ext uri="{FF2B5EF4-FFF2-40B4-BE49-F238E27FC236}">
+                <a16:creationId xmlns:a16="http://schemas.microsoft.com/office/drawing/2014/main" id="{61964F42-BCC5-4D5D-99CE-187E3442385F}"/>
+              </a:ext>
+            </a:extLst>
+          </p:cNvPr>
+          <p:cNvSpPr>
+            <a:spLocks noGrp="1"/>
+          </p:cNvSpPr>
+          <p:nvPr>
+            <p:ph idx="1"/>
+          </p:nvPr>
+        </p:nvSpPr>
+        <p:spPr>
+          <a:xfrm>
+            <a:off x="301752" y="2791206"/>
+            <a:ext cx="4498848" cy="3584448"/>
+          </a:xfrm>
+        </p:spPr>
+        <p:txBody>
+          <a:bodyPr anchor="t">
+            <a:normAutofit/>
+          </a:bodyPr>
+          <a:lstStyle/>
+          <a:p>
+            <a:r>
+              <a:rPr lang="it-IT" dirty="0"/>
+              <a:t>Per averci insegnato che, anche se le persone potrebbero discriminarci, bisogna continuare imperterriti a fare ciò che si desidera e si considera giusto per se stessi.</a:t>
+            </a:r>
+          </a:p>
+        </p:txBody>
+      </p:sp>
+      <p:pic>
+        <p:nvPicPr>
+          <p:cNvPr id="5" name="Immagine 4" descr="Immagine che contiene persona, interni, abbigliamento, uomo&#10;&#10;Descrizione generata automaticamente">
+            <a:extLst>
+              <a:ext uri="{FF2B5EF4-FFF2-40B4-BE49-F238E27FC236}">
+                <a16:creationId xmlns:a16="http://schemas.microsoft.com/office/drawing/2014/main" id="{B1C5ED78-D9B9-4BF9-8CB9-E998909748CB}"/>
+              </a:ext>
+            </a:extLst>
+          </p:cNvPr>
+          <p:cNvPicPr>
+            <a:picLocks noChangeAspect="1"/>
+          </p:cNvPicPr>
+          <p:nvPr/>
+        </p:nvPicPr>
+        <p:blipFill rotWithShape="1">
+          <a:blip r:embed="rId2">
+            <a:extLst>
+              <a:ext uri="{28A0092B-C50C-407E-A947-70E740481C1C}">
+                <a14:useLocalDpi xmlns:a14="http://schemas.microsoft.com/office/drawing/2010/main" val="0"/>
+              </a:ext>
+            </a:extLst>
+          </a:blip>
+          <a:srcRect r="1" b="378"/>
+          <a:stretch/>
+        </p:blipFill>
+        <p:spPr>
+          <a:xfrm>
+            <a:off x="5308052" y="10"/>
+            <a:ext cx="6883948" cy="6857990"/>
+          </a:xfrm>
+          <a:custGeom>
+            <a:avLst/>
+            <a:gdLst/>
+            <a:ahLst/>
+            <a:cxnLst/>
+            <a:rect l="l" t="t" r="r" b="b"/>
+            <a:pathLst>
+              <a:path w="6883948" h="6858000">
+                <a:moveTo>
+                  <a:pt x="365648" y="0"/>
+                </a:moveTo>
+                <a:lnTo>
+                  <a:pt x="6883948" y="0"/>
+                </a:lnTo>
+                <a:lnTo>
+                  <a:pt x="6883948" y="6858000"/>
+                </a:lnTo>
+                <a:lnTo>
+                  <a:pt x="365648" y="6858000"/>
+                </a:lnTo>
+                <a:lnTo>
+                  <a:pt x="360213" y="6835050"/>
+                </a:lnTo>
+                <a:cubicBezTo>
+                  <a:pt x="128263" y="5788167"/>
+                  <a:pt x="0" y="4637179"/>
+                  <a:pt x="0" y="3429001"/>
+                </a:cubicBezTo>
+                <a:cubicBezTo>
+                  <a:pt x="0" y="2220824"/>
+                  <a:pt x="128263" y="1069835"/>
+                  <a:pt x="360213" y="22952"/>
+                </a:cubicBezTo>
+                <a:close/>
+              </a:path>
+            </a:pathLst>
+          </a:custGeom>
+          <a:effectLst>
+            <a:outerShdw blurRad="50800" dist="38100" dir="10800000" algn="r" rotWithShape="0">
+              <a:schemeClr val="bg1">
+                <a:lumMod val="85000"/>
+                <a:alpha val="30000"/>
+              </a:schemeClr>
+            </a:outerShdw>
+          </a:effectLst>
+        </p:spPr>
+      </p:pic>
+    </p:spTree>
+    <p:extLst>
+      <p:ext uri="{BB962C8B-B14F-4D97-AF65-F5344CB8AC3E}">
+        <p14:creationId xmlns:p14="http://schemas.microsoft.com/office/powerpoint/2010/main" val="955518040"/>
+      </p:ext>
+    </p:extLst>
+  </p:cSld>
+  <p:clrMapOvr>
+    <a:masterClrMapping/>
+  </p:clrMapOvr>
+</p:sld>
+</file>
+
+<file path=ppt/slides/slide11.xml><?xml version="1.0" encoding="utf-8"?>
+<p:sld xmlns:a="http://schemas.openxmlformats.org/drawingml/2006/main" xmlns:r="http://schemas.openxmlformats.org/officeDocument/2006/relationships" xmlns:p="http://schemas.openxmlformats.org/presentationml/2006/main">
+  <p:cSld>
+    <p:bg>
+      <p:bgPr>
+        <a:solidFill>
+          <a:schemeClr val="bg1"/>
+        </a:solidFill>
+        <a:effectLst/>
+      </p:bgPr>
+    </p:bg>
+    <p:spTree>
+      <p:nvGrpSpPr>
+        <p:cNvPr id="1" name=""/>
+        <p:cNvGrpSpPr/>
+        <p:nvPr/>
+      </p:nvGrpSpPr>
+      <p:grpSpPr>
+        <a:xfrm>
+          <a:off x="0" y="0"/>
+          <a:ext cx="0" cy="0"/>
+          <a:chOff x="0" y="0"/>
+          <a:chExt cx="0" cy="0"/>
+        </a:xfrm>
+      </p:grpSpPr>
+      <p:pic>
+        <p:nvPicPr>
+          <p:cNvPr id="5" name="Immagine 4" descr="Immagine che contiene uomo, copricapo, cappello&#10;&#10;Descrizione generata automaticamente">
+            <a:extLst>
+              <a:ext uri="{FF2B5EF4-FFF2-40B4-BE49-F238E27FC236}">
+                <a16:creationId xmlns:a16="http://schemas.microsoft.com/office/drawing/2014/main" id="{19E084EE-D17D-485F-B157-A24FDD47D98F}"/>
+              </a:ext>
+            </a:extLst>
+          </p:cNvPr>
+          <p:cNvPicPr>
+            <a:picLocks noChangeAspect="1"/>
+          </p:cNvPicPr>
+          <p:nvPr/>
+        </p:nvPicPr>
+        <p:blipFill rotWithShape="1">
+          <a:blip r:embed="rId2">
+            <a:extLst>
+              <a:ext uri="{28A0092B-C50C-407E-A947-70E740481C1C}">
+                <a14:useLocalDpi xmlns:a14="http://schemas.microsoft.com/office/drawing/2010/main" val="0"/>
+              </a:ext>
+            </a:extLst>
+          </a:blip>
+          <a:srcRect r="5915" b="-1"/>
+          <a:stretch/>
+        </p:blipFill>
+        <p:spPr>
+          <a:xfrm>
+            <a:off x="6015107" y="-1"/>
+            <a:ext cx="6176895" cy="2937954"/>
+          </a:xfrm>
+          <a:prstGeom prst="rect">
+            <a:avLst/>
+          </a:prstGeom>
+        </p:spPr>
+      </p:pic>
+      <p:pic>
+        <p:nvPicPr>
+          <p:cNvPr id="7" name="Immagine 6" descr="Immagine che contiene persona, uomo&#10;&#10;Descrizione generata automaticamente">
+            <a:extLst>
+              <a:ext uri="{FF2B5EF4-FFF2-40B4-BE49-F238E27FC236}">
+                <a16:creationId xmlns:a16="http://schemas.microsoft.com/office/drawing/2014/main" id="{0EE43D93-2D86-450C-9E31-58661839259C}"/>
+              </a:ext>
+            </a:extLst>
+          </p:cNvPr>
+          <p:cNvPicPr>
+            <a:picLocks noChangeAspect="1"/>
+          </p:cNvPicPr>
+          <p:nvPr/>
+        </p:nvPicPr>
+        <p:blipFill rotWithShape="1">
+          <a:blip r:embed="rId3">
+            <a:extLst>
+              <a:ext uri="{28A0092B-C50C-407E-A947-70E740481C1C}">
+                <a14:useLocalDpi xmlns:a14="http://schemas.microsoft.com/office/drawing/2010/main" val="0"/>
+              </a:ext>
+            </a:extLst>
+          </a:blip>
+          <a:srcRect l="3027" r="14442" b="1"/>
+          <a:stretch/>
+        </p:blipFill>
+        <p:spPr>
+          <a:xfrm>
+            <a:off x="4203638" y="2937953"/>
+            <a:ext cx="7988360" cy="3920047"/>
+          </a:xfrm>
+          <a:prstGeom prst="rect">
+            <a:avLst/>
+          </a:prstGeom>
+        </p:spPr>
+      </p:pic>
+      <p:sp>
+        <p:nvSpPr>
+          <p:cNvPr id="71" name="Freeform: Shape 59">
+            <a:extLst>
+              <a:ext uri="{FF2B5EF4-FFF2-40B4-BE49-F238E27FC236}">
+                <a16:creationId xmlns:a16="http://schemas.microsoft.com/office/drawing/2014/main" id="{8F23F8A3-8FD7-4779-8323-FDC26BE99889}"/>
+              </a:ext>
+              <a:ext uri="{C183D7F6-B498-43B3-948B-1728B52AA6E4}">
+                <adec:decorative xmlns:adec="http://schemas.microsoft.com/office/drawing/2017/decorative" val="1"/>
+              </a:ext>
+            </a:extLst>
+          </p:cNvPr>
+          <p:cNvSpPr>
+            <a:spLocks noGrp="1" noRot="1" noChangeAspect="1" noMove="1" noResize="1" noEditPoints="1" noAdjustHandles="1" noChangeArrowheads="1" noChangeShapeType="1" noTextEdit="1"/>
+          </p:cNvSpPr>
+          <p:nvPr>
+            <p:extLst>
+              <p:ext uri="{386F3935-93C4-4BCD-93E2-E3B085C9AB24}">
+                <p16:designElem xmlns:p16="http://schemas.microsoft.com/office/powerpoint/2015/main" val="1"/>
+              </p:ext>
+            </p:extLst>
+          </p:nvPr>
+        </p:nvSpPr>
+        <p:spPr>
+          <a:xfrm flipV="1">
+            <a:off x="0" y="-478"/>
+            <a:ext cx="7859800" cy="6858478"/>
+          </a:xfrm>
+          <a:custGeom>
+            <a:avLst/>
+            <a:gdLst>
+              <a:gd name="connsiteX0" fmla="*/ 7859800 w 7859800"/>
+              <a:gd name="connsiteY0" fmla="*/ 6858478 h 6858478"/>
+              <a:gd name="connsiteX1" fmla="*/ 435245 w 7859800"/>
+              <a:gd name="connsiteY1" fmla="*/ 6858478 h 6858478"/>
+              <a:gd name="connsiteX2" fmla="*/ 435505 w 7859800"/>
+              <a:gd name="connsiteY2" fmla="*/ 6857916 h 6858478"/>
+              <a:gd name="connsiteX3" fmla="*/ 0 w 7859800"/>
+              <a:gd name="connsiteY3" fmla="*/ 6857916 h 6858478"/>
+              <a:gd name="connsiteX4" fmla="*/ 0 w 7859800"/>
+              <a:gd name="connsiteY4" fmla="*/ 0 h 6858478"/>
+              <a:gd name="connsiteX5" fmla="*/ 3611620 w 7859800"/>
+              <a:gd name="connsiteY5" fmla="*/ 0 h 6858478"/>
+              <a:gd name="connsiteX6" fmla="*/ 4677848 w 7859800"/>
+              <a:gd name="connsiteY6" fmla="*/ 0 h 6858478"/>
+              <a:gd name="connsiteX7" fmla="*/ 4683425 w 7859800"/>
+              <a:gd name="connsiteY7" fmla="*/ 0 h 6858478"/>
+            </a:gdLst>
+            <a:ahLst/>
+            <a:cxnLst>
+              <a:cxn ang="0">
+                <a:pos x="connsiteX0" y="connsiteY0"/>
+              </a:cxn>
+              <a:cxn ang="0">
+                <a:pos x="connsiteX1" y="connsiteY1"/>
+              </a:cxn>
+              <a:cxn ang="0">
+                <a:pos x="connsiteX2" y="connsiteY2"/>
+              </a:cxn>
+              <a:cxn ang="0">
+                <a:pos x="connsiteX3" y="connsiteY3"/>
+              </a:cxn>
+              <a:cxn ang="0">
+                <a:pos x="connsiteX4" y="connsiteY4"/>
+              </a:cxn>
+              <a:cxn ang="0">
+                <a:pos x="connsiteX5" y="connsiteY5"/>
+              </a:cxn>
+              <a:cxn ang="0">
+                <a:pos x="connsiteX6" y="connsiteY6"/>
+              </a:cxn>
+              <a:cxn ang="0">
+                <a:pos x="connsiteX7" y="connsiteY7"/>
+              </a:cxn>
+            </a:cxnLst>
+            <a:rect l="l" t="t" r="r" b="b"/>
+            <a:pathLst>
+              <a:path w="7859800" h="6858478">
+                <a:moveTo>
+                  <a:pt x="7859800" y="6858478"/>
+                </a:moveTo>
+                <a:lnTo>
+                  <a:pt x="435245" y="6858478"/>
+                </a:lnTo>
+                <a:lnTo>
+                  <a:pt x="435505" y="6857916"/>
+                </a:lnTo>
+                <a:lnTo>
+                  <a:pt x="0" y="6857916"/>
+                </a:lnTo>
+                <a:lnTo>
+                  <a:pt x="0" y="0"/>
+                </a:lnTo>
+                <a:lnTo>
+                  <a:pt x="3611620" y="0"/>
+                </a:lnTo>
+                <a:lnTo>
+                  <a:pt x="4677848" y="0"/>
+                </a:lnTo>
+                <a:lnTo>
+                  <a:pt x="4683425" y="0"/>
+                </a:lnTo>
+                <a:close/>
+              </a:path>
+            </a:pathLst>
+          </a:custGeom>
+          <a:solidFill>
+            <a:schemeClr val="bg1">
+              <a:lumMod val="85000"/>
+              <a:lumOff val="15000"/>
+              <a:alpha val="70000"/>
+            </a:schemeClr>
+          </a:solidFill>
+          <a:ln>
+            <a:noFill/>
+          </a:ln>
+        </p:spPr>
+        <p:style>
+          <a:lnRef idx="2">
+            <a:schemeClr val="accent1">
+              <a:shade val="50000"/>
+            </a:schemeClr>
+          </a:lnRef>
+          <a:fillRef idx="1">
+            <a:schemeClr val="accent1"/>
+          </a:fillRef>
+          <a:effectRef idx="0">
+            <a:schemeClr val="accent1"/>
+          </a:effectRef>
+          <a:fontRef idx="minor">
+            <a:schemeClr val="lt1"/>
+          </a:fontRef>
+        </p:style>
+        <p:txBody>
+          <a:bodyPr wrap="square" rtlCol="0" anchor="ctr">
+            <a:noAutofit/>
+          </a:bodyPr>
+          <a:lstStyle/>
+          <a:p>
+            <a:pPr algn="ctr"/>
+            <a:endParaRPr lang="en-US"/>
+          </a:p>
+        </p:txBody>
+      </p:sp>
+      <p:sp>
+        <p:nvSpPr>
+          <p:cNvPr id="72" name="Freeform: Shape 61">
+            <a:extLst>
+              <a:ext uri="{FF2B5EF4-FFF2-40B4-BE49-F238E27FC236}">
+                <a16:creationId xmlns:a16="http://schemas.microsoft.com/office/drawing/2014/main" id="{F605C4CC-A25C-416F-8333-7CB7DC97D870}"/>
+              </a:ext>
+              <a:ext uri="{C183D7F6-B498-43B3-948B-1728B52AA6E4}">
+                <adec:decorative xmlns:adec="http://schemas.microsoft.com/office/drawing/2017/decorative" val="1"/>
+              </a:ext>
+            </a:extLst>
+          </p:cNvPr>
+          <p:cNvSpPr>
+            <a:spLocks noGrp="1" noRot="1" noChangeAspect="1" noMove="1" noResize="1" noEditPoints="1" noAdjustHandles="1" noChangeArrowheads="1" noChangeShapeType="1" noTextEdit="1"/>
+          </p:cNvSpPr>
+          <p:nvPr>
+            <p:extLst>
+              <p:ext uri="{386F3935-93C4-4BCD-93E2-E3B085C9AB24}">
+                <p16:designElem xmlns:p16="http://schemas.microsoft.com/office/powerpoint/2015/main" val="1"/>
+              </p:ext>
+            </p:extLst>
+          </p:nvPr>
+        </p:nvSpPr>
+        <p:spPr>
+          <a:xfrm flipV="1">
+            <a:off x="0" y="-478"/>
+            <a:ext cx="7431174" cy="6858478"/>
+          </a:xfrm>
+          <a:custGeom>
+            <a:avLst/>
+            <a:gdLst>
+              <a:gd name="connsiteX0" fmla="*/ 7431174 w 7431174"/>
+              <a:gd name="connsiteY0" fmla="*/ 6858478 h 6858478"/>
+              <a:gd name="connsiteX1" fmla="*/ 6619 w 7431174"/>
+              <a:gd name="connsiteY1" fmla="*/ 6858478 h 6858478"/>
+              <a:gd name="connsiteX2" fmla="*/ 6879 w 7431174"/>
+              <a:gd name="connsiteY2" fmla="*/ 6857916 h 6858478"/>
+              <a:gd name="connsiteX3" fmla="*/ 0 w 7431174"/>
+              <a:gd name="connsiteY3" fmla="*/ 6857916 h 6858478"/>
+              <a:gd name="connsiteX4" fmla="*/ 0 w 7431174"/>
+              <a:gd name="connsiteY4" fmla="*/ 0 h 6858478"/>
+              <a:gd name="connsiteX5" fmla="*/ 3182994 w 7431174"/>
+              <a:gd name="connsiteY5" fmla="*/ 0 h 6858478"/>
+              <a:gd name="connsiteX6" fmla="*/ 4249222 w 7431174"/>
+              <a:gd name="connsiteY6" fmla="*/ 0 h 6858478"/>
+              <a:gd name="connsiteX7" fmla="*/ 4254799 w 7431174"/>
+              <a:gd name="connsiteY7" fmla="*/ 0 h 6858478"/>
+            </a:gdLst>
+            <a:ahLst/>
+            <a:cxnLst>
+              <a:cxn ang="0">
+                <a:pos x="connsiteX0" y="connsiteY0"/>
+              </a:cxn>
+              <a:cxn ang="0">
+                <a:pos x="connsiteX1" y="connsiteY1"/>
+              </a:cxn>
+              <a:cxn ang="0">
+                <a:pos x="connsiteX2" y="connsiteY2"/>
+              </a:cxn>
+              <a:cxn ang="0">
+                <a:pos x="connsiteX3" y="connsiteY3"/>
+              </a:cxn>
+              <a:cxn ang="0">
+                <a:pos x="connsiteX4" y="connsiteY4"/>
+              </a:cxn>
+              <a:cxn ang="0">
+                <a:pos x="connsiteX5" y="connsiteY5"/>
+              </a:cxn>
+              <a:cxn ang="0">
+                <a:pos x="connsiteX6" y="connsiteY6"/>
+              </a:cxn>
+              <a:cxn ang="0">
+                <a:pos x="connsiteX7" y="connsiteY7"/>
+              </a:cxn>
+            </a:cxnLst>
+            <a:rect l="l" t="t" r="r" b="b"/>
+            <a:pathLst>
+              <a:path w="7431174" h="6858478">
+                <a:moveTo>
+                  <a:pt x="7431174" y="6858478"/>
+                </a:moveTo>
+                <a:lnTo>
+                  <a:pt x="6619" y="6858478"/>
+                </a:lnTo>
+                <a:lnTo>
+                  <a:pt x="6879" y="6857916"/>
+                </a:lnTo>
+                <a:lnTo>
+                  <a:pt x="0" y="6857916"/>
+                </a:lnTo>
+                <a:lnTo>
+                  <a:pt x="0" y="0"/>
+                </a:lnTo>
+                <a:lnTo>
+                  <a:pt x="3182994" y="0"/>
+                </a:lnTo>
+                <a:lnTo>
+                  <a:pt x="4249222" y="0"/>
+                </a:lnTo>
+                <a:lnTo>
+                  <a:pt x="4254799" y="0"/>
+                </a:lnTo>
+                <a:close/>
+              </a:path>
+            </a:pathLst>
+          </a:custGeom>
+          <a:solidFill>
+            <a:schemeClr val="bg1">
+              <a:lumMod val="85000"/>
+              <a:lumOff val="15000"/>
+            </a:schemeClr>
+          </a:solidFill>
+          <a:ln>
+            <a:noFill/>
+          </a:ln>
+        </p:spPr>
+        <p:style>
+          <a:lnRef idx="2">
+            <a:schemeClr val="accent1">
+              <a:shade val="50000"/>
+            </a:schemeClr>
+          </a:lnRef>
+          <a:fillRef idx="1">
+            <a:schemeClr val="accent1"/>
+          </a:fillRef>
+          <a:effectRef idx="0">
+            <a:schemeClr val="accent1"/>
+          </a:effectRef>
+          <a:fontRef idx="minor">
+            <a:schemeClr val="lt1"/>
+          </a:fontRef>
+        </p:style>
+        <p:txBody>
+          <a:bodyPr wrap="square" rtlCol="0" anchor="ctr">
+            <a:noAutofit/>
+          </a:bodyPr>
+          <a:lstStyle/>
+          <a:p>
+            <a:pPr algn="ctr"/>
+            <a:endParaRPr lang="en-US"/>
+          </a:p>
+        </p:txBody>
+      </p:sp>
+      <p:sp>
+        <p:nvSpPr>
+          <p:cNvPr id="2" name="Titolo 1">
+            <a:extLst>
+              <a:ext uri="{FF2B5EF4-FFF2-40B4-BE49-F238E27FC236}">
+                <a16:creationId xmlns:a16="http://schemas.microsoft.com/office/drawing/2014/main" id="{5B9D6BD6-A6B9-4B8E-AC6B-34C7A76DF9D2}"/>
+              </a:ext>
+            </a:extLst>
+          </p:cNvPr>
+          <p:cNvSpPr>
+            <a:spLocks noGrp="1"/>
+          </p:cNvSpPr>
+          <p:nvPr>
+            <p:ph type="title"/>
+          </p:nvPr>
+        </p:nvSpPr>
+        <p:spPr>
+          <a:xfrm>
+            <a:off x="748952" y="1154714"/>
+            <a:ext cx="5266155" cy="1325563"/>
+          </a:xfrm>
+        </p:spPr>
+        <p:txBody>
+          <a:bodyPr vert="horz" lIns="91440" tIns="45720" rIns="91440" bIns="45720" rtlCol="0">
+            <a:noAutofit/>
+          </a:bodyPr>
+          <a:lstStyle/>
+          <a:p>
+            <a:r>
+              <a:rPr lang="en-US" sz="3800" kern="1200" dirty="0" err="1">
+                <a:latin typeface="+mj-lt"/>
+                <a:ea typeface="+mj-ea"/>
+                <a:cs typeface="+mj-cs"/>
+              </a:rPr>
+              <a:t>L’oscar</a:t>
+            </a:r>
+            <a:r>
+              <a:rPr lang="en-US" sz="3800" kern="1200" dirty="0">
+                <a:latin typeface="+mj-lt"/>
+                <a:ea typeface="+mj-ea"/>
+                <a:cs typeface="+mj-cs"/>
+              </a:rPr>
+              <a:t> </a:t>
+            </a:r>
+            <a:r>
+              <a:rPr lang="en-US" sz="3800" kern="1200" dirty="0" err="1">
+                <a:latin typeface="+mj-lt"/>
+                <a:ea typeface="+mj-ea"/>
+                <a:cs typeface="+mj-cs"/>
+              </a:rPr>
+              <a:t>numero</a:t>
+            </a:r>
+            <a:r>
+              <a:rPr lang="en-US" sz="3800" kern="1200" dirty="0">
+                <a:latin typeface="+mj-lt"/>
+                <a:ea typeface="+mj-ea"/>
+                <a:cs typeface="+mj-cs"/>
+              </a:rPr>
+              <a:t> 1° </a:t>
+            </a:r>
+            <a:r>
+              <a:rPr lang="en-US" sz="3800" kern="1200" dirty="0" err="1">
+                <a:latin typeface="+mj-lt"/>
+                <a:ea typeface="+mj-ea"/>
+                <a:cs typeface="+mj-cs"/>
+              </a:rPr>
+              <a:t>va</a:t>
+            </a:r>
+            <a:r>
+              <a:rPr lang="en-US" sz="3800" kern="1200" dirty="0">
+                <a:latin typeface="+mj-lt"/>
+                <a:ea typeface="+mj-ea"/>
+                <a:cs typeface="+mj-cs"/>
+              </a:rPr>
+              <a:t> a: </a:t>
+            </a:r>
+            <a:br>
+              <a:rPr lang="en-US" sz="3800" kern="1200" dirty="0">
+                <a:latin typeface="+mj-lt"/>
+                <a:ea typeface="+mj-ea"/>
+                <a:cs typeface="+mj-cs"/>
+              </a:rPr>
+            </a:br>
+            <a:r>
+              <a:rPr lang="en-US" sz="3800" b="1" kern="1200" dirty="0">
+                <a:solidFill>
+                  <a:schemeClr val="accent2">
+                    <a:lumMod val="75000"/>
+                  </a:schemeClr>
+                </a:solidFill>
+                <a:effectLst>
+                  <a:outerShdw blurRad="38100" dist="38100" dir="2700000" algn="tl">
+                    <a:srgbClr val="000000">
+                      <a:alpha val="43137"/>
+                    </a:srgbClr>
+                  </a:outerShdw>
+                </a:effectLst>
+                <a:latin typeface="+mj-lt"/>
+                <a:ea typeface="+mj-ea"/>
+                <a:cs typeface="+mj-cs"/>
+              </a:rPr>
+              <a:t>Mr. Mendez</a:t>
+            </a:r>
+            <a:br>
+              <a:rPr lang="en-US" sz="3800" kern="1200" dirty="0">
+                <a:latin typeface="+mj-lt"/>
+                <a:ea typeface="+mj-ea"/>
+                <a:cs typeface="+mj-cs"/>
+              </a:rPr>
+            </a:br>
+            <a:r>
+              <a:rPr lang="en-US" sz="3800" kern="1200" dirty="0">
+                <a:latin typeface="+mj-lt"/>
+                <a:ea typeface="+mj-ea"/>
+                <a:cs typeface="+mj-cs"/>
+              </a:rPr>
+              <a:t>del film </a:t>
+            </a:r>
+            <a:br>
+              <a:rPr lang="en-US" sz="3800" kern="1200" dirty="0">
+                <a:latin typeface="+mj-lt"/>
+                <a:ea typeface="+mj-ea"/>
+                <a:cs typeface="+mj-cs"/>
+              </a:rPr>
+            </a:br>
+            <a:r>
+              <a:rPr lang="en-US" sz="3800" kern="1200" dirty="0">
+                <a:latin typeface="+mj-lt"/>
+                <a:ea typeface="+mj-ea"/>
+                <a:cs typeface="+mj-cs"/>
+              </a:rPr>
+              <a:t>Il CIRCO DELLA FARFALLA</a:t>
+            </a:r>
+          </a:p>
+        </p:txBody>
+      </p:sp>
+      <p:sp>
+        <p:nvSpPr>
+          <p:cNvPr id="3" name="Segnaposto contenuto 2">
+            <a:extLst>
+              <a:ext uri="{FF2B5EF4-FFF2-40B4-BE49-F238E27FC236}">
+                <a16:creationId xmlns:a16="http://schemas.microsoft.com/office/drawing/2014/main" id="{66F57C09-7D55-401D-88F5-53639CE36EEA}"/>
+              </a:ext>
+            </a:extLst>
+          </p:cNvPr>
+          <p:cNvSpPr>
+            <a:spLocks noGrp="1"/>
+          </p:cNvSpPr>
+          <p:nvPr>
+            <p:ph idx="1"/>
+          </p:nvPr>
+        </p:nvSpPr>
+        <p:spPr>
+          <a:xfrm>
+            <a:off x="877824" y="3634992"/>
+            <a:ext cx="4443984" cy="4154361"/>
+          </a:xfrm>
+        </p:spPr>
+        <p:txBody>
+          <a:bodyPr vert="horz" lIns="91440" tIns="45720" rIns="91440" bIns="45720" rtlCol="0">
+            <a:normAutofit/>
+          </a:bodyPr>
+          <a:lstStyle/>
+          <a:p>
+            <a:pPr marL="0" indent="0">
+              <a:buNone/>
+            </a:pPr>
+            <a:r>
+              <a:rPr lang="en-US" kern="1200" dirty="0">
+                <a:latin typeface="+mn-lt"/>
+                <a:ea typeface="+mn-ea"/>
+                <a:cs typeface="+mn-cs"/>
+              </a:rPr>
+              <a:t>Per </a:t>
+            </a:r>
+            <a:r>
+              <a:rPr lang="en-US" kern="1200" dirty="0" err="1">
+                <a:latin typeface="+mn-lt"/>
+                <a:ea typeface="+mn-ea"/>
+                <a:cs typeface="+mn-cs"/>
+              </a:rPr>
+              <a:t>averci</a:t>
+            </a:r>
+            <a:r>
+              <a:rPr lang="en-US" kern="1200" dirty="0">
+                <a:latin typeface="+mn-lt"/>
+                <a:ea typeface="+mn-ea"/>
+                <a:cs typeface="+mn-cs"/>
+              </a:rPr>
+              <a:t> </a:t>
+            </a:r>
+            <a:r>
+              <a:rPr lang="en-US" kern="1200" dirty="0" err="1">
+                <a:latin typeface="+mn-lt"/>
+                <a:ea typeface="+mn-ea"/>
+                <a:cs typeface="+mn-cs"/>
+              </a:rPr>
+              <a:t>insegnato</a:t>
+            </a:r>
+            <a:r>
+              <a:rPr lang="en-US" kern="1200" dirty="0">
+                <a:latin typeface="+mn-lt"/>
+                <a:ea typeface="+mn-ea"/>
+                <a:cs typeface="+mn-cs"/>
+              </a:rPr>
+              <a:t> </a:t>
+            </a:r>
+            <a:r>
+              <a:rPr lang="en-US" kern="1200" dirty="0" err="1">
+                <a:latin typeface="+mn-lt"/>
+                <a:ea typeface="+mn-ea"/>
+                <a:cs typeface="+mn-cs"/>
+              </a:rPr>
+              <a:t>che</a:t>
+            </a:r>
+            <a:r>
+              <a:rPr lang="en-US" kern="1200" dirty="0">
+                <a:latin typeface="+mn-lt"/>
+                <a:ea typeface="+mn-ea"/>
+                <a:cs typeface="+mn-cs"/>
+              </a:rPr>
+              <a:t> </a:t>
+            </a:r>
+            <a:r>
+              <a:rPr lang="en-US" kern="1200" dirty="0" err="1">
+                <a:latin typeface="+mn-lt"/>
+                <a:ea typeface="+mn-ea"/>
+                <a:cs typeface="+mn-cs"/>
+              </a:rPr>
+              <a:t>riconoscere</a:t>
+            </a:r>
+            <a:r>
+              <a:rPr lang="en-US" kern="1200" dirty="0">
+                <a:latin typeface="+mn-lt"/>
+                <a:ea typeface="+mn-ea"/>
+                <a:cs typeface="+mn-cs"/>
+              </a:rPr>
+              <a:t> </a:t>
+            </a:r>
+            <a:r>
+              <a:rPr lang="en-US" kern="1200" dirty="0" err="1">
+                <a:latin typeface="+mn-lt"/>
+                <a:ea typeface="+mn-ea"/>
+                <a:cs typeface="+mn-cs"/>
+              </a:rPr>
+              <a:t>ciò</a:t>
+            </a:r>
+            <a:r>
+              <a:rPr lang="en-US" kern="1200" dirty="0">
+                <a:latin typeface="+mn-lt"/>
+                <a:ea typeface="+mn-ea"/>
+                <a:cs typeface="+mn-cs"/>
+              </a:rPr>
+              <a:t> </a:t>
+            </a:r>
+            <a:r>
+              <a:rPr lang="en-US" kern="1200" dirty="0" err="1">
+                <a:latin typeface="+mn-lt"/>
+                <a:ea typeface="+mn-ea"/>
+                <a:cs typeface="+mn-cs"/>
+              </a:rPr>
+              <a:t>che</a:t>
+            </a:r>
+            <a:r>
+              <a:rPr lang="en-US" kern="1200" dirty="0">
+                <a:latin typeface="+mn-lt"/>
+                <a:ea typeface="+mn-ea"/>
+                <a:cs typeface="+mn-cs"/>
+              </a:rPr>
+              <a:t> ci </a:t>
+            </a:r>
+            <a:r>
+              <a:rPr lang="en-US" kern="1200" dirty="0" err="1">
+                <a:latin typeface="+mn-lt"/>
+                <a:ea typeface="+mn-ea"/>
+                <a:cs typeface="+mn-cs"/>
+              </a:rPr>
+              <a:t>dà</a:t>
+            </a:r>
+            <a:r>
+              <a:rPr lang="en-US" kern="1200" dirty="0">
+                <a:latin typeface="+mn-lt"/>
+                <a:ea typeface="+mn-ea"/>
+                <a:cs typeface="+mn-cs"/>
+              </a:rPr>
+              <a:t> </a:t>
+            </a:r>
+            <a:r>
+              <a:rPr lang="en-US" kern="1200" dirty="0" err="1">
+                <a:latin typeface="+mn-lt"/>
+                <a:ea typeface="+mn-ea"/>
+                <a:cs typeface="+mn-cs"/>
+              </a:rPr>
+              <a:t>valore</a:t>
+            </a:r>
+            <a:r>
+              <a:rPr lang="en-US" kern="1200" dirty="0">
+                <a:latin typeface="+mn-lt"/>
+                <a:ea typeface="+mn-ea"/>
+                <a:cs typeface="+mn-cs"/>
+              </a:rPr>
+              <a:t> come </a:t>
+            </a:r>
+            <a:r>
+              <a:rPr lang="en-US" kern="1200" dirty="0" err="1">
+                <a:latin typeface="+mn-lt"/>
+                <a:ea typeface="+mn-ea"/>
+                <a:cs typeface="+mn-cs"/>
+              </a:rPr>
+              <a:t>persone</a:t>
+            </a:r>
+            <a:r>
+              <a:rPr lang="en-US" kern="1200" dirty="0">
+                <a:latin typeface="+mn-lt"/>
+                <a:ea typeface="+mn-ea"/>
+                <a:cs typeface="+mn-cs"/>
+              </a:rPr>
+              <a:t> </a:t>
+            </a:r>
+            <a:br>
+              <a:rPr lang="en-US" kern="1200" dirty="0">
+                <a:latin typeface="+mn-lt"/>
+                <a:ea typeface="+mn-ea"/>
+                <a:cs typeface="+mn-cs"/>
+              </a:rPr>
+            </a:br>
+            <a:r>
+              <a:rPr lang="en-US" kern="1200" dirty="0">
+                <a:latin typeface="+mn-lt"/>
+                <a:ea typeface="+mn-ea"/>
+                <a:cs typeface="+mn-cs"/>
+              </a:rPr>
+              <a:t>è </a:t>
+            </a:r>
+            <a:r>
+              <a:rPr lang="en-US" dirty="0"/>
+              <a:t>l</a:t>
+            </a:r>
+            <a:r>
+              <a:rPr lang="en-US" kern="1200" dirty="0">
+                <a:latin typeface="+mn-lt"/>
+                <a:ea typeface="+mn-ea"/>
+                <a:cs typeface="+mn-cs"/>
+              </a:rPr>
+              <a:t>a </a:t>
+            </a:r>
+            <a:r>
+              <a:rPr lang="en-US" kern="1200" dirty="0" err="1">
+                <a:latin typeface="+mn-lt"/>
+                <a:ea typeface="+mn-ea"/>
+                <a:cs typeface="+mn-cs"/>
+              </a:rPr>
+              <a:t>cosa</a:t>
+            </a:r>
+            <a:r>
+              <a:rPr lang="en-US" kern="1200" dirty="0">
+                <a:latin typeface="+mn-lt"/>
+                <a:ea typeface="+mn-ea"/>
+                <a:cs typeface="+mn-cs"/>
+              </a:rPr>
+              <a:t> </a:t>
+            </a:r>
+            <a:r>
+              <a:rPr lang="en-US" kern="1200" dirty="0" err="1">
+                <a:latin typeface="+mn-lt"/>
+                <a:ea typeface="+mn-ea"/>
+                <a:cs typeface="+mn-cs"/>
+              </a:rPr>
+              <a:t>più</a:t>
+            </a:r>
+            <a:r>
+              <a:rPr lang="en-US" kern="1200" dirty="0">
+                <a:latin typeface="+mn-lt"/>
+                <a:ea typeface="+mn-ea"/>
+                <a:cs typeface="+mn-cs"/>
+              </a:rPr>
+              <a:t> </a:t>
+            </a:r>
+            <a:r>
+              <a:rPr lang="en-US" kern="1200" dirty="0" err="1">
+                <a:latin typeface="+mn-lt"/>
+                <a:ea typeface="+mn-ea"/>
+                <a:cs typeface="+mn-cs"/>
+              </a:rPr>
+              <a:t>importante</a:t>
+            </a:r>
+            <a:r>
+              <a:rPr lang="en-US" kern="1200" dirty="0">
+                <a:latin typeface="+mn-lt"/>
+                <a:ea typeface="+mn-ea"/>
+                <a:cs typeface="+mn-cs"/>
+              </a:rPr>
+              <a:t> </a:t>
+            </a:r>
+            <a:br>
+              <a:rPr lang="en-US" kern="1200" dirty="0">
+                <a:latin typeface="+mn-lt"/>
+                <a:ea typeface="+mn-ea"/>
+                <a:cs typeface="+mn-cs"/>
+              </a:rPr>
+            </a:br>
+            <a:r>
+              <a:rPr lang="en-US" kern="1200" dirty="0">
+                <a:latin typeface="+mn-lt"/>
+                <a:ea typeface="+mn-ea"/>
+                <a:cs typeface="+mn-cs"/>
+              </a:rPr>
+              <a:t>di </a:t>
+            </a:r>
+            <a:r>
+              <a:rPr lang="en-US" kern="1200" dirty="0" err="1">
+                <a:latin typeface="+mn-lt"/>
+                <a:ea typeface="+mn-ea"/>
+                <a:cs typeface="+mn-cs"/>
+              </a:rPr>
+              <a:t>tutte</a:t>
+            </a:r>
+            <a:r>
+              <a:rPr lang="en-US" kern="1200">
+                <a:latin typeface="+mn-lt"/>
+                <a:ea typeface="+mn-ea"/>
+                <a:cs typeface="+mn-cs"/>
+              </a:rPr>
+              <a:t>. </a:t>
+            </a:r>
+            <a:endParaRPr lang="en-US" kern="1200" dirty="0">
+              <a:latin typeface="+mn-lt"/>
+              <a:ea typeface="+mn-ea"/>
+              <a:cs typeface="+mn-cs"/>
+            </a:endParaRPr>
+          </a:p>
+        </p:txBody>
+      </p:sp>
+    </p:spTree>
+    <p:extLst>
+      <p:ext uri="{BB962C8B-B14F-4D97-AF65-F5344CB8AC3E}">
+        <p14:creationId xmlns:p14="http://schemas.microsoft.com/office/powerpoint/2010/main" val="1551510176"/>
+      </p:ext>
+    </p:extLst>
+  </p:cSld>
+  <p:clrMapOvr>
+    <a:overrideClrMapping bg1="dk1" tx1="lt1" bg2="dk2" tx2="lt2" accent1="accent1" accent2="accent2" accent3="accent3" accent4="accent4" accent5="accent5" accent6="accent6" hlink="hlink" folHlink="folHlink"/>
+  </p:clrMapOvr>
+  <p:timing>
+    <p:tnLst>
+      <p:par>
+        <p:cTn id="1" dur="indefinite" restart="never" nodeType="tmRoot">
+          <p:childTnLst>
+            <p:seq concurrent="1" nextAc="seek">
+              <p:cTn id="2" dur="indefinite" nodeType="mainSeq">
+                <p:childTnLst>
+                  <p:par>
+                    <p:cTn id="3" fill="hold">
+                      <p:stCondLst>
+                        <p:cond delay="indefinite"/>
+                        <p:cond evt="onBegin" delay="0">
+                          <p:tn val="2"/>
+                        </p:cond>
+                      </p:stCondLst>
+                      <p:childTnLst>
+                        <p:par>
+                          <p:cTn id="4" fill="hold">
+                            <p:stCondLst>
+                              <p:cond delay="0"/>
+                            </p:stCondLst>
+                            <p:childTnLst>
+                              <p:par>
+                                <p:cTn id="5" presetID="10" presetClass="entr" presetSubtype="0" fill="hold" nodeType="withEffect">
+                                  <p:stCondLst>
+                                    <p:cond delay="0"/>
+                                  </p:stCondLst>
+                                  <p:iterate>
+                                    <p:tmPct val="10000"/>
+                                  </p:iterate>
+                                  <p:childTnLst>
+                                    <p:set>
+                                      <p:cBhvr>
+                                        <p:cTn id="6" dur="1" fill="hold">
+                                          <p:stCondLst>
+                                            <p:cond delay="0"/>
+                                          </p:stCondLst>
+                                        </p:cTn>
+                                        <p:tgtEl>
+                                          <p:spTgt spid="7"/>
+                                        </p:tgtEl>
+                                        <p:attrNameLst>
+                                          <p:attrName>style.visibility</p:attrName>
+                                        </p:attrNameLst>
+                                      </p:cBhvr>
+                                      <p:to>
+                                        <p:strVal val="visible"/>
+                                      </p:to>
+                                    </p:set>
+                                    <p:animEffect transition="in" filter="fade">
+                                      <p:cBhvr>
+                                        <p:cTn id="7" dur="700"/>
+                                        <p:tgtEl>
+                                          <p:spTgt spid="7"/>
+                                        </p:tgtEl>
+                                      </p:cBhvr>
+                                    </p:animEffect>
+                                  </p:childTnLst>
+                                </p:cTn>
+                              </p:par>
+                              <p:par>
+                                <p:cTn id="8" presetID="10" presetClass="entr" presetSubtype="0" fill="hold" nodeType="withEffect">
+                                  <p:stCondLst>
+                                    <p:cond delay="0"/>
+                                  </p:stCondLst>
+                                  <p:iterate>
+                                    <p:tmPct val="10000"/>
+                                  </p:iterate>
+                                  <p:childTnLst>
+                                    <p:set>
+                                      <p:cBhvr>
+                                        <p:cTn id="9" dur="1" fill="hold">
+                                          <p:stCondLst>
+                                            <p:cond delay="0"/>
+                                          </p:stCondLst>
+                                        </p:cTn>
+                                        <p:tgtEl>
+                                          <p:spTgt spid="5"/>
+                                        </p:tgtEl>
+                                        <p:attrNameLst>
+                                          <p:attrName>style.visibility</p:attrName>
+                                        </p:attrNameLst>
+                                      </p:cBhvr>
+                                      <p:to>
+                                        <p:strVal val="visible"/>
+                                      </p:to>
+                                    </p:set>
+                                    <p:animEffect transition="in" filter="fade">
+                                      <p:cBhvr>
+                                        <p:cTn id="10" dur="700"/>
+                                        <p:tgtEl>
+                                          <p:spTgt spid="5"/>
+                                        </p:tgtEl>
+                                      </p:cBhvr>
+                                    </p:animEffect>
+                                  </p:childTnLst>
+                                </p:cTn>
+                              </p:par>
+                            </p:childTnLst>
+                          </p:cTn>
+                        </p:par>
+                      </p:childTnLst>
+                    </p:cTn>
+                  </p:par>
+                </p:childTnLst>
+              </p:cTn>
+              <p:prevCondLst>
+                <p:cond evt="onPrev" delay="0">
+                  <p:tgtEl>
+                    <p:sldTgt/>
+                  </p:tgtEl>
+                </p:cond>
+              </p:prevCondLst>
+              <p:nextCondLst>
+                <p:cond evt="onNext" delay="0">
+                  <p:tgtEl>
+                    <p:sldTgt/>
+                  </p:tgtEl>
+                </p:cond>
+              </p:nextCondLst>
+            </p:seq>
+          </p:childTnLst>
+        </p:cTn>
+      </p:par>
+    </p:tnLst>
+  </p:timing>
+</p:sld>
+</file>
+
+<file path=ppt/slides/slide2.xml><?xml version="1.0" encoding="utf-8"?>
+<p:sld xmlns:a="http://schemas.openxmlformats.org/drawingml/2006/main" xmlns:r="http://schemas.openxmlformats.org/officeDocument/2006/relationships" xmlns:p="http://schemas.openxmlformats.org/presentationml/2006/main">
+  <p:cSld>
+    <p:bg>
+      <p:bgPr>
+        <a:solidFill>
+          <a:schemeClr val="bg1"/>
+        </a:solidFill>
+        <a:effectLst/>
+      </p:bgPr>
+    </p:bg>
+    <p:spTree>
+      <p:nvGrpSpPr>
+        <p:cNvPr id="1" name=""/>
+        <p:cNvGrpSpPr/>
+        <p:nvPr/>
+      </p:nvGrpSpPr>
+      <p:grpSpPr>
+        <a:xfrm>
+          <a:off x="0" y="0"/>
+          <a:ext cx="0" cy="0"/>
+          <a:chOff x="0" y="0"/>
+          <a:chExt cx="0" cy="0"/>
+        </a:xfrm>
+      </p:grpSpPr>
+      <p:sp useBgFill="1">
+        <p:nvSpPr>
+          <p:cNvPr id="52" name="Rectangle 20">
+            <a:extLst>
+              <a:ext uri="{FF2B5EF4-FFF2-40B4-BE49-F238E27FC236}">
+                <a16:creationId xmlns:a16="http://schemas.microsoft.com/office/drawing/2014/main" id="{F13C74B1-5B17-4795-BED0-7140497B445A}"/>
+              </a:ext>
+              <a:ext uri="{C183D7F6-B498-43B3-948B-1728B52AA6E4}">
+                <adec:decorative xmlns:adec="http://schemas.microsoft.com/office/drawing/2017/decorative" val="1"/>
+              </a:ext>
+            </a:extLst>
+          </p:cNvPr>
+          <p:cNvSpPr>
+            <a:spLocks noGrp="1" noRot="1" noChangeAspect="1" noMove="1" noResize="1" noEditPoints="1" noAdjustHandles="1" noChangeArrowheads="1" noChangeShapeType="1" noTextEdit="1"/>
+          </p:cNvSpPr>
+          <p:nvPr>
+            <p:extLst>
+              <p:ext uri="{386F3935-93C4-4BCD-93E2-E3B085C9AB24}">
+                <p16:designElem xmlns:p16="http://schemas.microsoft.com/office/powerpoint/2015/main" val="1"/>
+              </p:ext>
+            </p:extLst>
+          </p:nvPr>
+        </p:nvSpPr>
+        <p:spPr>
+          <a:xfrm>
+            <a:off x="0" y="0"/>
+            <a:ext cx="12188952" cy="6858000"/>
+          </a:xfrm>
+          <a:prstGeom prst="rect">
+            <a:avLst/>
+          </a:prstGeom>
+          <a:ln>
+            <a:noFill/>
+          </a:ln>
+        </p:spPr>
+        <p:style>
+          <a:lnRef idx="2">
+            <a:schemeClr val="accent1">
+              <a:shade val="50000"/>
+            </a:schemeClr>
+          </a:lnRef>
+          <a:fillRef idx="1">
+            <a:schemeClr val="accent1"/>
+          </a:fillRef>
+          <a:effectRef idx="0">
+            <a:schemeClr val="accent1"/>
+          </a:effectRef>
+          <a:fontRef idx="minor">
+            <a:schemeClr val="lt1"/>
+          </a:fontRef>
+        </p:style>
+        <p:txBody>
+          <a:bodyPr rtlCol="0" anchor="ctr"/>
+          <a:lstStyle/>
+          <a:p>
+            <a:pPr algn="ctr"/>
+            <a:endParaRPr lang="en-US"/>
+          </a:p>
+        </p:txBody>
+      </p:sp>
+      <p:sp>
+        <p:nvSpPr>
+          <p:cNvPr id="2" name="Titolo 1">
+            <a:extLst>
+              <a:ext uri="{FF2B5EF4-FFF2-40B4-BE49-F238E27FC236}">
+                <a16:creationId xmlns:a16="http://schemas.microsoft.com/office/drawing/2014/main" id="{1DAD1E0A-365E-42E0-B508-63932F8068F9}"/>
+              </a:ext>
+            </a:extLst>
+          </p:cNvPr>
+          <p:cNvSpPr>
+            <a:spLocks noGrp="1"/>
+          </p:cNvSpPr>
+          <p:nvPr>
+            <p:ph type="title"/>
+          </p:nvPr>
+        </p:nvSpPr>
+        <p:spPr>
+          <a:xfrm>
+            <a:off x="577572" y="664433"/>
+            <a:ext cx="4817387" cy="1956841"/>
+          </a:xfrm>
+        </p:spPr>
+        <p:txBody>
+          <a:bodyPr anchor="b">
+            <a:noAutofit/>
+          </a:bodyPr>
+          <a:lstStyle/>
+          <a:p>
+            <a:r>
+              <a:rPr lang="it-IT" sz="3800" dirty="0"/>
+              <a:t>Il 10° oscar va a: </a:t>
+            </a:r>
+            <a:r>
+              <a:rPr lang="it-IT" sz="3800" b="1" dirty="0" err="1">
+                <a:solidFill>
+                  <a:schemeClr val="accent2">
+                    <a:lumMod val="75000"/>
+                  </a:schemeClr>
+                </a:solidFill>
+                <a:effectLst>
+                  <a:outerShdw blurRad="38100" dist="38100" dir="2700000" algn="tl">
+                    <a:srgbClr val="000000">
+                      <a:alpha val="43137"/>
+                    </a:srgbClr>
+                  </a:outerShdw>
+                </a:effectLst>
+              </a:rPr>
+              <a:t>Purl</a:t>
+            </a:r>
+            <a:br>
+              <a:rPr lang="it-IT" sz="3800" dirty="0"/>
+            </a:br>
+            <a:r>
+              <a:rPr lang="it-IT" sz="3800" dirty="0"/>
+              <a:t>protagonista del cortometraggio  </a:t>
+            </a:r>
+            <a:r>
+              <a:rPr lang="it-IT" sz="3800" b="1" dirty="0"/>
+              <a:t>PURL</a:t>
+            </a:r>
+          </a:p>
+        </p:txBody>
+      </p:sp>
+      <p:sp>
+        <p:nvSpPr>
+          <p:cNvPr id="53" name="sketchy line">
+            <a:extLst>
+              <a:ext uri="{FF2B5EF4-FFF2-40B4-BE49-F238E27FC236}">
+                <a16:creationId xmlns:a16="http://schemas.microsoft.com/office/drawing/2014/main" id="{D4974D33-8DC5-464E-8C6D-BE58F0669C17}"/>
+              </a:ext>
+              <a:ext uri="{C183D7F6-B498-43B3-948B-1728B52AA6E4}">
+                <adec:decorative xmlns:adec="http://schemas.microsoft.com/office/drawing/2017/decorative" val="1"/>
+              </a:ext>
+            </a:extLst>
+          </p:cNvPr>
+          <p:cNvSpPr>
+            <a:spLocks noGrp="1" noRot="1" noChangeAspect="1" noMove="1" noResize="1" noEditPoints="1" noAdjustHandles="1" noChangeArrowheads="1" noChangeShapeType="1" noTextEdit="1"/>
+          </p:cNvSpPr>
+          <p:nvPr>
+            <p:extLst>
+              <p:ext uri="{386F3935-93C4-4BCD-93E2-E3B085C9AB24}">
+                <p16:designElem xmlns:p16="http://schemas.microsoft.com/office/powerpoint/2015/main" val="1"/>
+              </p:ext>
+            </p:extLst>
+          </p:nvPr>
+        </p:nvSpPr>
+        <p:spPr>
+          <a:xfrm>
+            <a:off x="640080" y="2586994"/>
+            <a:ext cx="3474720" cy="18288"/>
+          </a:xfrm>
+          <a:custGeom>
+            <a:avLst/>
+            <a:gdLst>
+              <a:gd name="connsiteX0" fmla="*/ 0 w 3474720"/>
+              <a:gd name="connsiteY0" fmla="*/ 0 h 18288"/>
+              <a:gd name="connsiteX1" fmla="*/ 694944 w 3474720"/>
+              <a:gd name="connsiteY1" fmla="*/ 0 h 18288"/>
+              <a:gd name="connsiteX2" fmla="*/ 1355141 w 3474720"/>
+              <a:gd name="connsiteY2" fmla="*/ 0 h 18288"/>
+              <a:gd name="connsiteX3" fmla="*/ 2015338 w 3474720"/>
+              <a:gd name="connsiteY3" fmla="*/ 0 h 18288"/>
+              <a:gd name="connsiteX4" fmla="*/ 2779776 w 3474720"/>
+              <a:gd name="connsiteY4" fmla="*/ 0 h 18288"/>
+              <a:gd name="connsiteX5" fmla="*/ 3474720 w 3474720"/>
+              <a:gd name="connsiteY5" fmla="*/ 0 h 18288"/>
+              <a:gd name="connsiteX6" fmla="*/ 3474720 w 3474720"/>
+              <a:gd name="connsiteY6" fmla="*/ 18288 h 18288"/>
+              <a:gd name="connsiteX7" fmla="*/ 2779776 w 3474720"/>
+              <a:gd name="connsiteY7" fmla="*/ 18288 h 18288"/>
+              <a:gd name="connsiteX8" fmla="*/ 2189074 w 3474720"/>
+              <a:gd name="connsiteY8" fmla="*/ 18288 h 18288"/>
+              <a:gd name="connsiteX9" fmla="*/ 1528877 w 3474720"/>
+              <a:gd name="connsiteY9" fmla="*/ 18288 h 18288"/>
+              <a:gd name="connsiteX10" fmla="*/ 868680 w 3474720"/>
+              <a:gd name="connsiteY10" fmla="*/ 18288 h 18288"/>
+              <a:gd name="connsiteX11" fmla="*/ 0 w 3474720"/>
+              <a:gd name="connsiteY11" fmla="*/ 18288 h 18288"/>
+              <a:gd name="connsiteX12" fmla="*/ 0 w 3474720"/>
+              <a:gd name="connsiteY12" fmla="*/ 0 h 18288"/>
+            </a:gdLst>
+            <a:ahLst/>
+            <a:cxnLst>
+              <a:cxn ang="0">
+                <a:pos x="connsiteX0" y="connsiteY0"/>
+              </a:cxn>
+              <a:cxn ang="0">
+                <a:pos x="connsiteX1" y="connsiteY1"/>
+              </a:cxn>
+              <a:cxn ang="0">
+                <a:pos x="connsiteX2" y="connsiteY2"/>
+              </a:cxn>
+              <a:cxn ang="0">
+                <a:pos x="connsiteX3" y="connsiteY3"/>
+              </a:cxn>
+              <a:cxn ang="0">
+                <a:pos x="connsiteX4" y="connsiteY4"/>
+              </a:cxn>
+              <a:cxn ang="0">
+                <a:pos x="connsiteX5" y="connsiteY5"/>
+              </a:cxn>
+              <a:cxn ang="0">
+                <a:pos x="connsiteX6" y="connsiteY6"/>
+              </a:cxn>
+              <a:cxn ang="0">
+                <a:pos x="connsiteX7" y="connsiteY7"/>
+              </a:cxn>
+              <a:cxn ang="0">
+                <a:pos x="connsiteX8" y="connsiteY8"/>
+              </a:cxn>
+              <a:cxn ang="0">
+                <a:pos x="connsiteX9" y="connsiteY9"/>
+              </a:cxn>
+              <a:cxn ang="0">
+                <a:pos x="connsiteX10" y="connsiteY10"/>
+              </a:cxn>
+              <a:cxn ang="0">
+                <a:pos x="connsiteX11" y="connsiteY11"/>
+              </a:cxn>
+              <a:cxn ang="0">
+                <a:pos x="connsiteX12" y="connsiteY12"/>
+              </a:cxn>
+            </a:cxnLst>
+            <a:rect l="l" t="t" r="r" b="b"/>
+            <a:pathLst>
+              <a:path w="3474720" h="18288" fill="none" extrusionOk="0">
+                <a:moveTo>
+                  <a:pt x="0" y="0"/>
+                </a:moveTo>
+                <a:cubicBezTo>
+                  <a:pt x="224454" y="-14544"/>
+                  <a:pt x="495407" y="26540"/>
+                  <a:pt x="694944" y="0"/>
+                </a:cubicBezTo>
+                <a:cubicBezTo>
+                  <a:pt x="894481" y="-26540"/>
+                  <a:pt x="1130063" y="24713"/>
+                  <a:pt x="1355141" y="0"/>
+                </a:cubicBezTo>
+                <a:cubicBezTo>
+                  <a:pt x="1580219" y="-24713"/>
+                  <a:pt x="1820099" y="26695"/>
+                  <a:pt x="2015338" y="0"/>
+                </a:cubicBezTo>
+                <a:cubicBezTo>
+                  <a:pt x="2210577" y="-26695"/>
+                  <a:pt x="2402045" y="165"/>
+                  <a:pt x="2779776" y="0"/>
+                </a:cubicBezTo>
+                <a:cubicBezTo>
+                  <a:pt x="3157507" y="-165"/>
+                  <a:pt x="3286859" y="-15571"/>
+                  <a:pt x="3474720" y="0"/>
+                </a:cubicBezTo>
+                <a:cubicBezTo>
+                  <a:pt x="3474286" y="7551"/>
+                  <a:pt x="3474253" y="9822"/>
+                  <a:pt x="3474720" y="18288"/>
+                </a:cubicBezTo>
+                <a:cubicBezTo>
+                  <a:pt x="3233904" y="29845"/>
+                  <a:pt x="2945134" y="-5256"/>
+                  <a:pt x="2779776" y="18288"/>
+                </a:cubicBezTo>
+                <a:cubicBezTo>
+                  <a:pt x="2614418" y="41832"/>
+                  <a:pt x="2339768" y="22709"/>
+                  <a:pt x="2189074" y="18288"/>
+                </a:cubicBezTo>
+                <a:cubicBezTo>
+                  <a:pt x="2038380" y="13867"/>
+                  <a:pt x="1817434" y="-4947"/>
+                  <a:pt x="1528877" y="18288"/>
+                </a:cubicBezTo>
+                <a:cubicBezTo>
+                  <a:pt x="1240320" y="41523"/>
+                  <a:pt x="1042447" y="37198"/>
+                  <a:pt x="868680" y="18288"/>
+                </a:cubicBezTo>
+                <a:cubicBezTo>
+                  <a:pt x="694913" y="-622"/>
+                  <a:pt x="233232" y="44909"/>
+                  <a:pt x="0" y="18288"/>
+                </a:cubicBezTo>
+                <a:cubicBezTo>
+                  <a:pt x="60" y="11696"/>
+                  <a:pt x="66" y="3758"/>
+                  <a:pt x="0" y="0"/>
+                </a:cubicBezTo>
+                <a:close/>
+              </a:path>
+              <a:path w="3474720" h="18288" stroke="0" extrusionOk="0">
+                <a:moveTo>
+                  <a:pt x="0" y="0"/>
+                </a:moveTo>
+                <a:cubicBezTo>
+                  <a:pt x="202328" y="-14716"/>
+                  <a:pt x="332722" y="-11499"/>
+                  <a:pt x="625450" y="0"/>
+                </a:cubicBezTo>
+                <a:cubicBezTo>
+                  <a:pt x="918178" y="11499"/>
+                  <a:pt x="1096688" y="5123"/>
+                  <a:pt x="1389888" y="0"/>
+                </a:cubicBezTo>
+                <a:cubicBezTo>
+                  <a:pt x="1683088" y="-5123"/>
+                  <a:pt x="1835981" y="-14038"/>
+                  <a:pt x="1980590" y="0"/>
+                </a:cubicBezTo>
+                <a:cubicBezTo>
+                  <a:pt x="2125199" y="14038"/>
+                  <a:pt x="2396099" y="-7203"/>
+                  <a:pt x="2571293" y="0"/>
+                </a:cubicBezTo>
+                <a:cubicBezTo>
+                  <a:pt x="2746487" y="7203"/>
+                  <a:pt x="3041609" y="-12036"/>
+                  <a:pt x="3474720" y="0"/>
+                </a:cubicBezTo>
+                <a:cubicBezTo>
+                  <a:pt x="3474638" y="4406"/>
+                  <a:pt x="3474631" y="9982"/>
+                  <a:pt x="3474720" y="18288"/>
+                </a:cubicBezTo>
+                <a:cubicBezTo>
+                  <a:pt x="3324873" y="21876"/>
+                  <a:pt x="3136771" y="12587"/>
+                  <a:pt x="2814523" y="18288"/>
+                </a:cubicBezTo>
+                <a:cubicBezTo>
+                  <a:pt x="2492275" y="23989"/>
+                  <a:pt x="2294402" y="47111"/>
+                  <a:pt x="2154326" y="18288"/>
+                </a:cubicBezTo>
+                <a:cubicBezTo>
+                  <a:pt x="2014250" y="-10535"/>
+                  <a:pt x="1820317" y="33903"/>
+                  <a:pt x="1494130" y="18288"/>
+                </a:cubicBezTo>
+                <a:cubicBezTo>
+                  <a:pt x="1167943" y="2673"/>
+                  <a:pt x="948432" y="14868"/>
+                  <a:pt x="729691" y="18288"/>
+                </a:cubicBezTo>
+                <a:cubicBezTo>
+                  <a:pt x="510950" y="21708"/>
+                  <a:pt x="264032" y="24354"/>
+                  <a:pt x="0" y="18288"/>
+                </a:cubicBezTo>
+                <a:cubicBezTo>
+                  <a:pt x="189" y="14288"/>
+                  <a:pt x="-703" y="3747"/>
+                  <a:pt x="0" y="0"/>
+                </a:cubicBezTo>
+                <a:close/>
+              </a:path>
+            </a:pathLst>
+          </a:custGeom>
+          <a:solidFill>
+            <a:schemeClr val="accent2"/>
+          </a:solidFill>
+          <a:ln w="44450" cap="rnd">
+            <a:solidFill>
+              <a:schemeClr val="accent2"/>
+            </a:solidFill>
+            <a:round/>
+            <a:extLst>
+              <a:ext uri="{C807C97D-BFC1-408E-A445-0C87EB9F89A2}">
+                <ask:lineSketchStyleProps xmlns:ask="http://schemas.microsoft.com/office/drawing/2018/sketchyshapes" sd="2863741219">
+                  <a:prstGeom prst="rect">
+                    <a:avLst/>
+                  </a:prstGeom>
+                  <ask:type>
+                    <ask:lineSketchFreehand/>
+                  </ask:type>
+                </ask:lineSketchStyleProps>
+              </a:ext>
+            </a:extLst>
+          </a:ln>
+        </p:spPr>
+        <p:style>
+          <a:lnRef idx="2">
+            <a:schemeClr val="accent1">
+              <a:shade val="50000"/>
+            </a:schemeClr>
+          </a:lnRef>
+          <a:fillRef idx="1">
+            <a:schemeClr val="accent1"/>
+          </a:fillRef>
+          <a:effectRef idx="0">
+            <a:schemeClr val="accent1"/>
+          </a:effectRef>
+          <a:fontRef idx="minor">
+            <a:schemeClr val="lt1"/>
+          </a:fontRef>
+        </p:style>
+        <p:txBody>
+          <a:bodyPr rtlCol="0" anchor="ctr"/>
+          <a:lstStyle/>
+          <a:p>
+            <a:pPr algn="ctr"/>
+            <a:endParaRPr lang="en-US"/>
+          </a:p>
+        </p:txBody>
+      </p:sp>
+      <p:sp>
+        <p:nvSpPr>
+          <p:cNvPr id="3" name="Segnaposto contenuto 2">
+            <a:extLst>
+              <a:ext uri="{FF2B5EF4-FFF2-40B4-BE49-F238E27FC236}">
+                <a16:creationId xmlns:a16="http://schemas.microsoft.com/office/drawing/2014/main" id="{2F45D981-0920-4064-92F5-D123175974B7}"/>
+              </a:ext>
+            </a:extLst>
+          </p:cNvPr>
+          <p:cNvSpPr>
+            <a:spLocks noGrp="1"/>
+          </p:cNvSpPr>
+          <p:nvPr>
+            <p:ph idx="1"/>
+          </p:nvPr>
+        </p:nvSpPr>
+        <p:spPr>
+          <a:xfrm>
+            <a:off x="640080" y="2872899"/>
+            <a:ext cx="4243589" cy="3320668"/>
+          </a:xfrm>
+        </p:spPr>
+        <p:txBody>
+          <a:bodyPr>
+            <a:normAutofit/>
+          </a:bodyPr>
+          <a:lstStyle/>
+          <a:p>
+            <a:r>
+              <a:rPr lang="it-IT" dirty="0"/>
+              <a:t>Per averci insegnato che per sentirci in pace con noi stessi non dobbiamo fingerci qualcun altro con i nostri «falsi amici». </a:t>
+            </a:r>
+            <a:br>
+              <a:rPr lang="it-IT" dirty="0"/>
+            </a:br>
+            <a:r>
+              <a:rPr lang="it-IT" dirty="0"/>
+              <a:t>Un vero amico ti apprezza come sei.</a:t>
+            </a:r>
+          </a:p>
+        </p:txBody>
+      </p:sp>
+      <p:pic>
+        <p:nvPicPr>
+          <p:cNvPr id="5" name="Immagine 4" descr="Immagine che contiene giocattolo, rosa, scarpe, piedi&#10;&#10;Descrizione generata automaticamente">
+            <a:extLst>
+              <a:ext uri="{FF2B5EF4-FFF2-40B4-BE49-F238E27FC236}">
+                <a16:creationId xmlns:a16="http://schemas.microsoft.com/office/drawing/2014/main" id="{59ED03F6-6FC7-4AE9-8654-67A173794A8A}"/>
+              </a:ext>
+            </a:extLst>
+          </p:cNvPr>
+          <p:cNvPicPr>
+            <a:picLocks noChangeAspect="1"/>
+          </p:cNvPicPr>
+          <p:nvPr/>
+        </p:nvPicPr>
+        <p:blipFill rotWithShape="1">
+          <a:blip r:embed="rId3">
+            <a:extLst>
+              <a:ext uri="{28A0092B-C50C-407E-A947-70E740481C1C}">
+                <a14:useLocalDpi xmlns:a14="http://schemas.microsoft.com/office/drawing/2010/main" val="0"/>
+              </a:ext>
+            </a:extLst>
+          </a:blip>
+          <a:srcRect l="22972" r="20608"/>
+          <a:stretch/>
+        </p:blipFill>
+        <p:spPr>
+          <a:xfrm>
+            <a:off x="5311702" y="10"/>
+            <a:ext cx="6878775" cy="6857990"/>
+          </a:xfrm>
+          <a:custGeom>
+            <a:avLst/>
+            <a:gdLst/>
+            <a:ahLst/>
+            <a:cxnLst/>
+            <a:rect l="l" t="t" r="r" b="b"/>
+            <a:pathLst>
+              <a:path w="6878775" h="6858000">
+                <a:moveTo>
+                  <a:pt x="1102973" y="0"/>
+                </a:moveTo>
+                <a:lnTo>
+                  <a:pt x="1160688" y="0"/>
+                </a:lnTo>
+                <a:lnTo>
+                  <a:pt x="983189" y="331786"/>
+                </a:lnTo>
+                <a:cubicBezTo>
+                  <a:pt x="914866" y="469145"/>
+                  <a:pt x="850355" y="608712"/>
+                  <a:pt x="789261" y="750263"/>
+                </a:cubicBezTo>
+                <a:cubicBezTo>
+                  <a:pt x="774307" y="784928"/>
+                  <a:pt x="759992" y="819849"/>
+                  <a:pt x="745295" y="854514"/>
+                </a:cubicBezTo>
+                <a:cubicBezTo>
+                  <a:pt x="756682" y="845393"/>
+                  <a:pt x="765489" y="833492"/>
+                  <a:pt x="770857" y="819975"/>
+                </a:cubicBezTo>
+                <a:cubicBezTo>
+                  <a:pt x="879943" y="589569"/>
+                  <a:pt x="999605" y="365513"/>
+                  <a:pt x="1131329" y="148742"/>
+                </a:cubicBezTo>
+                <a:lnTo>
+                  <a:pt x="1227589" y="0"/>
+                </a:lnTo>
+                <a:lnTo>
+                  <a:pt x="6878775" y="0"/>
+                </a:lnTo>
+                <a:lnTo>
+                  <a:pt x="6878775" y="6858000"/>
+                </a:lnTo>
+                <a:lnTo>
+                  <a:pt x="713521" y="6858000"/>
+                </a:lnTo>
+                <a:lnTo>
+                  <a:pt x="625642" y="6670527"/>
+                </a:lnTo>
+                <a:cubicBezTo>
+                  <a:pt x="507232" y="6398531"/>
+                  <a:pt x="403083" y="6118381"/>
+                  <a:pt x="312785" y="5830359"/>
+                </a:cubicBezTo>
+                <a:cubicBezTo>
+                  <a:pt x="278149" y="5719759"/>
+                  <a:pt x="248879" y="5607635"/>
+                  <a:pt x="212198" y="5480401"/>
+                </a:cubicBezTo>
+                <a:cubicBezTo>
+                  <a:pt x="212208" y="5491601"/>
+                  <a:pt x="212803" y="5502788"/>
+                  <a:pt x="213988" y="5513923"/>
+                </a:cubicBezTo>
+                <a:cubicBezTo>
+                  <a:pt x="264089" y="5723695"/>
+                  <a:pt x="307290" y="5935370"/>
+                  <a:pt x="365826" y="6142729"/>
+                </a:cubicBezTo>
+                <a:cubicBezTo>
+                  <a:pt x="433152" y="6380817"/>
+                  <a:pt x="510068" y="6614016"/>
+                  <a:pt x="597975" y="6841549"/>
+                </a:cubicBezTo>
+                <a:lnTo>
+                  <a:pt x="604824" y="6858000"/>
+                </a:lnTo>
+                <a:lnTo>
+                  <a:pt x="552056" y="6858000"/>
+                </a:lnTo>
+                <a:lnTo>
+                  <a:pt x="539576" y="6828295"/>
+                </a:lnTo>
+                <a:cubicBezTo>
+                  <a:pt x="380597" y="6414594"/>
+                  <a:pt x="260223" y="5988893"/>
+                  <a:pt x="171555" y="5552906"/>
+                </a:cubicBezTo>
+                <a:cubicBezTo>
+                  <a:pt x="91163" y="5157998"/>
+                  <a:pt x="43746" y="4758899"/>
+                  <a:pt x="12305" y="4357388"/>
+                </a:cubicBezTo>
+                <a:cubicBezTo>
+                  <a:pt x="-14281" y="4013908"/>
+                  <a:pt x="4507" y="3672965"/>
+                  <a:pt x="46684" y="3331516"/>
+                </a:cubicBezTo>
+                <a:cubicBezTo>
+                  <a:pt x="127203" y="2664286"/>
+                  <a:pt x="277819" y="2007265"/>
+                  <a:pt x="496065" y="1371196"/>
+                </a:cubicBezTo>
+                <a:cubicBezTo>
+                  <a:pt x="636273" y="966066"/>
+                  <a:pt x="800445" y="573253"/>
+                  <a:pt x="995723" y="196614"/>
+                </a:cubicBezTo>
+                <a:close/>
+              </a:path>
+            </a:pathLst>
+          </a:custGeom>
+        </p:spPr>
+      </p:pic>
+    </p:spTree>
+    <p:extLst>
+      <p:ext uri="{BB962C8B-B14F-4D97-AF65-F5344CB8AC3E}">
+        <p14:creationId xmlns:p14="http://schemas.microsoft.com/office/powerpoint/2010/main" val="1405036372"/>
+      </p:ext>
+    </p:extLst>
+  </p:cSld>
+  <p:clrMapOvr>
+    <a:masterClrMapping/>
+  </p:clrMapOvr>
+</p:sld>
+</file>
+
+<file path=ppt/slides/slide3.xml><?xml version="1.0" encoding="utf-8"?>
+<p:sld xmlns:a="http://schemas.openxmlformats.org/drawingml/2006/main" xmlns:r="http://schemas.openxmlformats.org/officeDocument/2006/relationships" xmlns:p="http://schemas.openxmlformats.org/presentationml/2006/main">
+  <p:cSld>
+    <p:bg>
+      <p:bgPr>
+        <a:solidFill>
+          <a:schemeClr val="bg1">
+            <a:tint val="95000"/>
+            <a:satMod val="170000"/>
+          </a:schemeClr>
+        </a:solidFill>
+        <a:effectLst/>
+      </p:bgPr>
+    </p:bg>
     <p:spTree>
       <p:nvGrpSpPr>
         <p:cNvPr id="1" name=""/>
@@ -3337,7 +5977,7 @@
           <p:cNvPr id="2" name="Titolo 1">
             <a:extLst>
               <a:ext uri="{FF2B5EF4-FFF2-40B4-BE49-F238E27FC236}">
-                <a16:creationId xmlns:a16="http://schemas.microsoft.com/office/drawing/2014/main" id="{EE30E8A9-1CFF-41A0-918B-688FAF57FADE}"/>
+                <a16:creationId xmlns:a16="http://schemas.microsoft.com/office/drawing/2014/main" id="{F9E5EFBF-8D5D-4376-9589-9F4D721E04FF}"/>
               </a:ext>
             </a:extLst>
           </p:cNvPr>
@@ -3345,27 +5985,140 @@
             <a:spLocks noGrp="1"/>
           </p:cNvSpPr>
           <p:nvPr>
-            <p:ph type="ctrTitle"/>
+            <p:ph type="title"/>
           </p:nvPr>
         </p:nvSpPr>
-        <p:spPr/>
+        <p:spPr>
+          <a:xfrm>
+            <a:off x="7620062" y="979287"/>
+            <a:ext cx="4087306" cy="2889114"/>
+          </a:xfrm>
+        </p:spPr>
         <p:txBody>
-          <a:bodyPr/>
+          <a:bodyPr vert="horz" lIns="91440" tIns="45720" rIns="91440" bIns="45720" rtlCol="0" anchor="b">
+            <a:noAutofit/>
+          </a:bodyPr>
           <a:lstStyle/>
           <a:p>
             <a:r>
-              <a:rPr lang="it-IT" dirty="0"/>
-              <a:t>Compito Di Alternativa</a:t>
-            </a:r>
+              <a:rPr lang="en-US" sz="3800" dirty="0"/>
+              <a:t>Il 9° </a:t>
+            </a:r>
+            <a:r>
+              <a:rPr lang="en-US" sz="3800" dirty="0" err="1"/>
+              <a:t>oscar</a:t>
+            </a:r>
+            <a:r>
+              <a:rPr lang="en-US" sz="3800" dirty="0"/>
+              <a:t> </a:t>
+            </a:r>
+            <a:r>
+              <a:rPr lang="en-US" sz="3800" dirty="0" err="1"/>
+              <a:t>va</a:t>
+            </a:r>
+            <a:r>
+              <a:rPr lang="en-US" sz="3800" dirty="0"/>
+              <a:t> a:</a:t>
+            </a:r>
+            <a:br>
+              <a:rPr lang="en-US" sz="3800" dirty="0"/>
+            </a:br>
+            <a:r>
+              <a:rPr lang="en-US" sz="3800" b="1" dirty="0">
+                <a:solidFill>
+                  <a:schemeClr val="accent2">
+                    <a:lumMod val="75000"/>
+                  </a:schemeClr>
+                </a:solidFill>
+                <a:effectLst>
+                  <a:outerShdw blurRad="38100" dist="38100" dir="2700000" algn="tl">
+                    <a:srgbClr val="000000">
+                      <a:alpha val="43137"/>
+                    </a:srgbClr>
+                  </a:outerShdw>
+                </a:effectLst>
+              </a:rPr>
+              <a:t>il</a:t>
+            </a:r>
+            <a:r>
+              <a:rPr lang="en-US" sz="3800" b="1" dirty="0">
+                <a:solidFill>
+                  <a:srgbClr val="FFC000"/>
+                </a:solidFill>
+                <a:effectLst>
+                  <a:outerShdw blurRad="38100" dist="38100" dir="2700000" algn="tl">
+                    <a:srgbClr val="000000">
+                      <a:alpha val="43137"/>
+                    </a:srgbClr>
+                  </a:outerShdw>
+                </a:effectLst>
+              </a:rPr>
+              <a:t> </a:t>
+            </a:r>
+            <a:r>
+              <a:rPr lang="en-US" sz="3800" b="1" dirty="0">
+                <a:solidFill>
+                  <a:schemeClr val="accent2">
+                    <a:lumMod val="75000"/>
+                  </a:schemeClr>
+                </a:solidFill>
+                <a:effectLst>
+                  <a:outerShdw blurRad="38100" dist="38100" dir="2700000" algn="tl">
+                    <a:srgbClr val="000000">
+                      <a:alpha val="43137"/>
+                    </a:srgbClr>
+                  </a:outerShdw>
+                </a:effectLst>
+              </a:rPr>
+              <a:t>padre</a:t>
+            </a:r>
+            <a:r>
+              <a:rPr lang="en-US" sz="3800" b="1" dirty="0">
+                <a:solidFill>
+                  <a:srgbClr val="FFC000"/>
+                </a:solidFill>
+                <a:effectLst>
+                  <a:outerShdw blurRad="38100" dist="38100" dir="2700000" algn="tl">
+                    <a:srgbClr val="000000">
+                      <a:alpha val="43137"/>
+                    </a:srgbClr>
+                  </a:outerShdw>
+                </a:effectLst>
+              </a:rPr>
+              <a:t> </a:t>
+            </a:r>
+            <a:br>
+              <a:rPr lang="en-US" sz="3800" dirty="0"/>
+            </a:br>
+            <a:r>
+              <a:rPr lang="en-US" sz="3800" dirty="0"/>
+              <a:t>del </a:t>
+            </a:r>
+            <a:r>
+              <a:rPr lang="en-US" sz="3800" dirty="0" err="1"/>
+              <a:t>cortometraggio</a:t>
+            </a:r>
+            <a:r>
+              <a:rPr lang="en-US" sz="3800" dirty="0"/>
+              <a:t> </a:t>
+            </a:r>
+            <a:r>
+              <a:rPr lang="en-US" sz="3800" b="1" dirty="0"/>
+              <a:t>ALIKE</a:t>
+            </a:r>
+            <a:br>
+              <a:rPr lang="en-US" sz="4000" dirty="0"/>
+            </a:br>
+            <a:endParaRPr lang="en-US" sz="4000" dirty="0"/>
           </a:p>
         </p:txBody>
       </p:sp>
       <p:sp>
         <p:nvSpPr>
-          <p:cNvPr id="3" name="Sottotitolo 2">
-            <a:extLst>
-              <a:ext uri="{FF2B5EF4-FFF2-40B4-BE49-F238E27FC236}">
-                <a16:creationId xmlns:a16="http://schemas.microsoft.com/office/drawing/2014/main" id="{7A965BF5-404D-4E53-9F01-D16697CB0426}"/>
+          <p:cNvPr id="3" name="Segnaposto contenuto 2">
+            <a:extLst>
+              <a:ext uri="{FF2B5EF4-FFF2-40B4-BE49-F238E27FC236}">
+                <a16:creationId xmlns:a16="http://schemas.microsoft.com/office/drawing/2014/main" id="{94693965-8640-405A-88AE-5DB91442C7FA}"/>
               </a:ext>
             </a:extLst>
           </p:cNvPr>
@@ -3373,22 +6126,1026 @@
             <a:spLocks noGrp="1"/>
           </p:cNvSpPr>
           <p:nvPr>
-            <p:ph type="subTitle" idx="1"/>
+            <p:ph idx="1"/>
           </p:nvPr>
         </p:nvSpPr>
-        <p:spPr/>
+        <p:spPr>
+          <a:xfrm>
+            <a:off x="7620062" y="3976775"/>
+            <a:ext cx="4087305" cy="1147863"/>
+          </a:xfrm>
+        </p:spPr>
         <p:txBody>
-          <a:bodyPr/>
+          <a:bodyPr vert="horz" lIns="91440" tIns="45720" rIns="91440" bIns="45720" rtlCol="0" anchor="t">
+            <a:noAutofit/>
+          </a:bodyPr>
           <a:lstStyle/>
           <a:p>
-            <a:endParaRPr lang="it-IT"/>
+            <a:pPr marL="0" indent="0">
+              <a:buNone/>
+            </a:pPr>
+            <a:r>
+              <a:rPr lang="en-US" dirty="0"/>
+              <a:t>Per </a:t>
+            </a:r>
+            <a:r>
+              <a:rPr lang="en-US" dirty="0" err="1"/>
+              <a:t>averci</a:t>
+            </a:r>
+            <a:r>
+              <a:rPr lang="en-US" dirty="0"/>
+              <a:t> </a:t>
+            </a:r>
+            <a:r>
+              <a:rPr lang="en-US" dirty="0" err="1"/>
+              <a:t>insegnato</a:t>
+            </a:r>
+            <a:r>
+              <a:rPr lang="en-US" dirty="0"/>
+              <a:t> </a:t>
+            </a:r>
+            <a:r>
+              <a:rPr lang="en-US" dirty="0" err="1"/>
+              <a:t>che</a:t>
+            </a:r>
+            <a:r>
+              <a:rPr lang="en-US" dirty="0"/>
+              <a:t> senza la </a:t>
+            </a:r>
+            <a:r>
+              <a:rPr lang="en-US" dirty="0" err="1"/>
+              <a:t>famiglia</a:t>
+            </a:r>
+            <a:r>
+              <a:rPr lang="en-US" dirty="0"/>
+              <a:t> e le </a:t>
+            </a:r>
+            <a:r>
+              <a:rPr lang="en-US" dirty="0" err="1"/>
+              <a:t>persone</a:t>
+            </a:r>
+            <a:r>
+              <a:rPr lang="en-US" dirty="0"/>
+              <a:t> a cui </a:t>
+            </a:r>
+            <a:r>
+              <a:rPr lang="en-US" dirty="0" err="1"/>
+              <a:t>vogliamo</a:t>
+            </a:r>
+            <a:r>
+              <a:rPr lang="en-US" dirty="0"/>
+              <a:t> bene non </a:t>
+            </a:r>
+            <a:r>
+              <a:rPr lang="en-US" dirty="0" err="1"/>
+              <a:t>saremo</a:t>
+            </a:r>
+            <a:r>
+              <a:rPr lang="en-US" dirty="0"/>
+              <a:t> </a:t>
+            </a:r>
+            <a:r>
+              <a:rPr lang="en-US" dirty="0" err="1"/>
+              <a:t>mai</a:t>
+            </a:r>
+            <a:r>
+              <a:rPr lang="en-US" dirty="0"/>
+              <a:t> </a:t>
+            </a:r>
+            <a:r>
+              <a:rPr lang="en-US" dirty="0" err="1"/>
+              <a:t>felici</a:t>
+            </a:r>
+            <a:r>
+              <a:rPr lang="en-US" dirty="0"/>
+              <a:t> </a:t>
+            </a:r>
           </a:p>
         </p:txBody>
       </p:sp>
+      <p:sp>
+        <p:nvSpPr>
+          <p:cNvPr id="10" name="Freeform: Shape 9">
+            <a:extLst>
+              <a:ext uri="{FF2B5EF4-FFF2-40B4-BE49-F238E27FC236}">
+                <a16:creationId xmlns:a16="http://schemas.microsoft.com/office/drawing/2014/main" id="{E49CC64F-7275-4E33-961B-0C5CDC439875}"/>
+              </a:ext>
+              <a:ext uri="{C183D7F6-B498-43B3-948B-1728B52AA6E4}">
+                <adec:decorative xmlns:adec="http://schemas.microsoft.com/office/drawing/2017/decorative" val="1"/>
+              </a:ext>
+            </a:extLst>
+          </p:cNvPr>
+          <p:cNvSpPr>
+            <a:spLocks noGrp="1" noRot="1" noChangeAspect="1" noMove="1" noResize="1" noEditPoints="1" noAdjustHandles="1" noChangeArrowheads="1" noChangeShapeType="1" noTextEdit="1"/>
+          </p:cNvSpPr>
+          <p:nvPr>
+            <p:extLst>
+              <p:ext uri="{386F3935-93C4-4BCD-93E2-E3B085C9AB24}">
+                <p16:designElem xmlns:p16="http://schemas.microsoft.com/office/powerpoint/2015/main" val="1"/>
+              </p:ext>
+            </p:extLst>
+          </p:nvPr>
+        </p:nvSpPr>
+        <p:spPr>
+          <a:xfrm flipH="1" flipV="1">
+            <a:off x="1" y="0"/>
+            <a:ext cx="7188051" cy="6858000"/>
+          </a:xfrm>
+          <a:custGeom>
+            <a:avLst/>
+            <a:gdLst>
+              <a:gd name="connsiteX0" fmla="*/ 7188051 w 7188051"/>
+              <a:gd name="connsiteY0" fmla="*/ 6858000 h 6858000"/>
+              <a:gd name="connsiteX1" fmla="*/ 108694 w 7188051"/>
+              <a:gd name="connsiteY1" fmla="*/ 6858000 h 6858000"/>
+              <a:gd name="connsiteX2" fmla="*/ 79127 w 7188051"/>
+              <a:gd name="connsiteY2" fmla="*/ 6681235 h 6858000"/>
+              <a:gd name="connsiteX3" fmla="*/ 0 w 7188051"/>
+              <a:gd name="connsiteY3" fmla="*/ 5565888 h 6858000"/>
+              <a:gd name="connsiteX4" fmla="*/ 2190696 w 7188051"/>
+              <a:gd name="connsiteY4" fmla="*/ 145339 h 6858000"/>
+              <a:gd name="connsiteX5" fmla="*/ 2339431 w 7188051"/>
+              <a:gd name="connsiteY5" fmla="*/ 0 h 6858000"/>
+              <a:gd name="connsiteX6" fmla="*/ 7188051 w 7188051"/>
+              <a:gd name="connsiteY6" fmla="*/ 0 h 6858000"/>
+            </a:gdLst>
+            <a:ahLst/>
+            <a:cxnLst>
+              <a:cxn ang="0">
+                <a:pos x="connsiteX0" y="connsiteY0"/>
+              </a:cxn>
+              <a:cxn ang="0">
+                <a:pos x="connsiteX1" y="connsiteY1"/>
+              </a:cxn>
+              <a:cxn ang="0">
+                <a:pos x="connsiteX2" y="connsiteY2"/>
+              </a:cxn>
+              <a:cxn ang="0">
+                <a:pos x="connsiteX3" y="connsiteY3"/>
+              </a:cxn>
+              <a:cxn ang="0">
+                <a:pos x="connsiteX4" y="connsiteY4"/>
+              </a:cxn>
+              <a:cxn ang="0">
+                <a:pos x="connsiteX5" y="connsiteY5"/>
+              </a:cxn>
+              <a:cxn ang="0">
+                <a:pos x="connsiteX6" y="connsiteY6"/>
+              </a:cxn>
+            </a:cxnLst>
+            <a:rect l="l" t="t" r="r" b="b"/>
+            <a:pathLst>
+              <a:path w="7188051" h="6858000">
+                <a:moveTo>
+                  <a:pt x="7188051" y="6858000"/>
+                </a:moveTo>
+                <a:lnTo>
+                  <a:pt x="108694" y="6858000"/>
+                </a:lnTo>
+                <a:lnTo>
+                  <a:pt x="79127" y="6681235"/>
+                </a:lnTo>
+                <a:cubicBezTo>
+                  <a:pt x="26981" y="6316967"/>
+                  <a:pt x="0" y="5944579"/>
+                  <a:pt x="0" y="5565888"/>
+                </a:cubicBezTo>
+                <a:cubicBezTo>
+                  <a:pt x="0" y="3459953"/>
+                  <a:pt x="834428" y="1548908"/>
+                  <a:pt x="2190696" y="145339"/>
+                </a:cubicBezTo>
+                <a:lnTo>
+                  <a:pt x="2339431" y="0"/>
+                </a:lnTo>
+                <a:lnTo>
+                  <a:pt x="7188051" y="0"/>
+                </a:lnTo>
+                <a:close/>
+              </a:path>
+            </a:pathLst>
+          </a:custGeom>
+          <a:solidFill>
+            <a:schemeClr val="tx1">
+              <a:alpha val="80000"/>
+            </a:schemeClr>
+          </a:solidFill>
+          <a:ln>
+            <a:noFill/>
+          </a:ln>
+        </p:spPr>
+        <p:style>
+          <a:lnRef idx="2">
+            <a:schemeClr val="accent1">
+              <a:shade val="50000"/>
+            </a:schemeClr>
+          </a:lnRef>
+          <a:fillRef idx="1">
+            <a:schemeClr val="accent1"/>
+          </a:fillRef>
+          <a:effectRef idx="0">
+            <a:schemeClr val="accent1"/>
+          </a:effectRef>
+          <a:fontRef idx="minor">
+            <a:schemeClr val="lt1"/>
+          </a:fontRef>
+        </p:style>
+        <p:txBody>
+          <a:bodyPr wrap="square" rtlCol="0" anchor="ctr">
+            <a:noAutofit/>
+          </a:bodyPr>
+          <a:lstStyle/>
+          <a:p>
+            <a:pPr algn="ctr"/>
+            <a:endParaRPr lang="en-US"/>
+          </a:p>
+        </p:txBody>
+      </p:sp>
+      <p:pic>
+        <p:nvPicPr>
+          <p:cNvPr id="5" name="Immagine 4" descr="Immagine che contiene testo, giocattolo, bambola&#10;&#10;Descrizione generata automaticamente">
+            <a:extLst>
+              <a:ext uri="{FF2B5EF4-FFF2-40B4-BE49-F238E27FC236}">
+                <a16:creationId xmlns:a16="http://schemas.microsoft.com/office/drawing/2014/main" id="{CA9980B7-7166-4855-AD13-718D56ECCEE3}"/>
+              </a:ext>
+            </a:extLst>
+          </p:cNvPr>
+          <p:cNvPicPr>
+            <a:picLocks noChangeAspect="1"/>
+          </p:cNvPicPr>
+          <p:nvPr/>
+        </p:nvPicPr>
+        <p:blipFill rotWithShape="1">
+          <a:blip r:embed="rId3">
+            <a:extLst>
+              <a:ext uri="{28A0092B-C50C-407E-A947-70E740481C1C}">
+                <a14:useLocalDpi xmlns:a14="http://schemas.microsoft.com/office/drawing/2010/main" val="0"/>
+              </a:ext>
+            </a:extLst>
+          </a:blip>
+          <a:srcRect l="2580" r="8258" b="1"/>
+          <a:stretch/>
+        </p:blipFill>
+        <p:spPr>
+          <a:xfrm>
+            <a:off x="159557" y="0"/>
+            <a:ext cx="7028495" cy="6857990"/>
+          </a:xfrm>
+          <a:custGeom>
+            <a:avLst/>
+            <a:gdLst/>
+            <a:ahLst/>
+            <a:cxnLst/>
+            <a:rect l="l" t="t" r="r" b="b"/>
+            <a:pathLst>
+              <a:path w="7028495" h="6858000">
+                <a:moveTo>
+                  <a:pt x="0" y="0"/>
+                </a:moveTo>
+                <a:lnTo>
+                  <a:pt x="6915668" y="0"/>
+                </a:lnTo>
+                <a:lnTo>
+                  <a:pt x="6952411" y="219663"/>
+                </a:lnTo>
+                <a:cubicBezTo>
+                  <a:pt x="7002551" y="569921"/>
+                  <a:pt x="7028495" y="927986"/>
+                  <a:pt x="7028495" y="1292112"/>
+                </a:cubicBezTo>
+                <a:cubicBezTo>
+                  <a:pt x="7028495" y="3343346"/>
+                  <a:pt x="6205186" y="5202289"/>
+                  <a:pt x="4870994" y="6556512"/>
+                </a:cubicBezTo>
+                <a:lnTo>
+                  <a:pt x="4556185" y="6858000"/>
+                </a:lnTo>
+                <a:lnTo>
+                  <a:pt x="0" y="6858000"/>
+                </a:lnTo>
+                <a:close/>
+              </a:path>
+            </a:pathLst>
+          </a:custGeom>
+        </p:spPr>
+      </p:pic>
     </p:spTree>
     <p:extLst>
       <p:ext uri="{BB962C8B-B14F-4D97-AF65-F5344CB8AC3E}">
-        <p14:creationId xmlns:p14="http://schemas.microsoft.com/office/powerpoint/2010/main" val="3830472375"/>
+        <p14:creationId xmlns:p14="http://schemas.microsoft.com/office/powerpoint/2010/main" val="1959436909"/>
+      </p:ext>
+    </p:extLst>
+  </p:cSld>
+  <p:clrMapOvr>
+    <a:overrideClrMapping bg1="dk1" tx1="lt1" bg2="dk2" tx2="lt2" accent1="accent1" accent2="accent2" accent3="accent3" accent4="accent4" accent5="accent5" accent6="accent6" hlink="hlink" folHlink="folHlink"/>
+  </p:clrMapOvr>
+  <p:timing>
+    <p:tnLst>
+      <p:par>
+        <p:cTn id="1" dur="indefinite" restart="never" nodeType="tmRoot">
+          <p:childTnLst>
+            <p:seq concurrent="1" nextAc="seek">
+              <p:cTn id="2" dur="indefinite" nodeType="mainSeq">
+                <p:childTnLst>
+                  <p:par>
+                    <p:cTn id="3" fill="hold">
+                      <p:stCondLst>
+                        <p:cond delay="indefinite"/>
+                        <p:cond evt="onBegin" delay="0">
+                          <p:tn val="2"/>
+                        </p:cond>
+                      </p:stCondLst>
+                      <p:childTnLst>
+                        <p:par>
+                          <p:cTn id="4" fill="hold">
+                            <p:stCondLst>
+                              <p:cond delay="0"/>
+                            </p:stCondLst>
+                            <p:childTnLst>
+                              <p:par>
+                                <p:cTn id="5" presetID="10" presetClass="entr" presetSubtype="0" fill="hold" nodeType="withEffect">
+                                  <p:stCondLst>
+                                    <p:cond delay="0"/>
+                                  </p:stCondLst>
+                                  <p:iterate>
+                                    <p:tmPct val="10000"/>
+                                  </p:iterate>
+                                  <p:childTnLst>
+                                    <p:set>
+                                      <p:cBhvr>
+                                        <p:cTn id="6" dur="1" fill="hold">
+                                          <p:stCondLst>
+                                            <p:cond delay="0"/>
+                                          </p:stCondLst>
+                                        </p:cTn>
+                                        <p:tgtEl>
+                                          <p:spTgt spid="5"/>
+                                        </p:tgtEl>
+                                        <p:attrNameLst>
+                                          <p:attrName>style.visibility</p:attrName>
+                                        </p:attrNameLst>
+                                      </p:cBhvr>
+                                      <p:to>
+                                        <p:strVal val="visible"/>
+                                      </p:to>
+                                    </p:set>
+                                    <p:animEffect transition="in" filter="fade">
+                                      <p:cBhvr>
+                                        <p:cTn id="7" dur="700"/>
+                                        <p:tgtEl>
+                                          <p:spTgt spid="5"/>
+                                        </p:tgtEl>
+                                      </p:cBhvr>
+                                    </p:animEffect>
+                                  </p:childTnLst>
+                                </p:cTn>
+                              </p:par>
+                            </p:childTnLst>
+                          </p:cTn>
+                        </p:par>
+                      </p:childTnLst>
+                    </p:cTn>
+                  </p:par>
+                </p:childTnLst>
+              </p:cTn>
+              <p:prevCondLst>
+                <p:cond evt="onPrev" delay="0">
+                  <p:tgtEl>
+                    <p:sldTgt/>
+                  </p:tgtEl>
+                </p:cond>
+              </p:prevCondLst>
+              <p:nextCondLst>
+                <p:cond evt="onNext" delay="0">
+                  <p:tgtEl>
+                    <p:sldTgt/>
+                  </p:tgtEl>
+                </p:cond>
+              </p:nextCondLst>
+            </p:seq>
+          </p:childTnLst>
+        </p:cTn>
+      </p:par>
+    </p:tnLst>
+  </p:timing>
+</p:sld>
+</file>
+
+<file path=ppt/slides/slide4.xml><?xml version="1.0" encoding="utf-8"?>
+<p:sld xmlns:a="http://schemas.openxmlformats.org/drawingml/2006/main" xmlns:r="http://schemas.openxmlformats.org/officeDocument/2006/relationships" xmlns:p="http://schemas.openxmlformats.org/presentationml/2006/main">
+  <p:cSld>
+    <p:bg>
+      <p:bgPr>
+        <a:solidFill>
+          <a:schemeClr val="bg1"/>
+        </a:solidFill>
+        <a:effectLst/>
+      </p:bgPr>
+    </p:bg>
+    <p:spTree>
+      <p:nvGrpSpPr>
+        <p:cNvPr id="1" name=""/>
+        <p:cNvGrpSpPr/>
+        <p:nvPr/>
+      </p:nvGrpSpPr>
+      <p:grpSpPr>
+        <a:xfrm>
+          <a:off x="0" y="0"/>
+          <a:ext cx="0" cy="0"/>
+          <a:chOff x="0" y="0"/>
+          <a:chExt cx="0" cy="0"/>
+        </a:xfrm>
+      </p:grpSpPr>
+      <p:sp useBgFill="1">
+        <p:nvSpPr>
+          <p:cNvPr id="10" name="Rectangle 9">
+            <a:extLst>
+              <a:ext uri="{FF2B5EF4-FFF2-40B4-BE49-F238E27FC236}">
+                <a16:creationId xmlns:a16="http://schemas.microsoft.com/office/drawing/2014/main" id="{F13C74B1-5B17-4795-BED0-7140497B445A}"/>
+              </a:ext>
+              <a:ext uri="{C183D7F6-B498-43B3-948B-1728B52AA6E4}">
+                <adec:decorative xmlns:adec="http://schemas.microsoft.com/office/drawing/2017/decorative" val="1"/>
+              </a:ext>
+            </a:extLst>
+          </p:cNvPr>
+          <p:cNvSpPr>
+            <a:spLocks noGrp="1" noRot="1" noChangeAspect="1" noMove="1" noResize="1" noEditPoints="1" noAdjustHandles="1" noChangeArrowheads="1" noChangeShapeType="1" noTextEdit="1"/>
+          </p:cNvSpPr>
+          <p:nvPr>
+            <p:extLst>
+              <p:ext uri="{386F3935-93C4-4BCD-93E2-E3B085C9AB24}">
+                <p16:designElem xmlns:p16="http://schemas.microsoft.com/office/powerpoint/2015/main" val="1"/>
+              </p:ext>
+            </p:extLst>
+          </p:nvPr>
+        </p:nvSpPr>
+        <p:spPr>
+          <a:xfrm>
+            <a:off x="0" y="0"/>
+            <a:ext cx="12188952" cy="6858000"/>
+          </a:xfrm>
+          <a:prstGeom prst="rect">
+            <a:avLst/>
+          </a:prstGeom>
+          <a:ln>
+            <a:noFill/>
+          </a:ln>
+        </p:spPr>
+        <p:style>
+          <a:lnRef idx="2">
+            <a:schemeClr val="accent1">
+              <a:shade val="50000"/>
+            </a:schemeClr>
+          </a:lnRef>
+          <a:fillRef idx="1">
+            <a:schemeClr val="accent1"/>
+          </a:fillRef>
+          <a:effectRef idx="0">
+            <a:schemeClr val="accent1"/>
+          </a:effectRef>
+          <a:fontRef idx="minor">
+            <a:schemeClr val="lt1"/>
+          </a:fontRef>
+        </p:style>
+        <p:txBody>
+          <a:bodyPr rtlCol="0" anchor="ctr"/>
+          <a:lstStyle/>
+          <a:p>
+            <a:pPr algn="ctr"/>
+            <a:endParaRPr lang="en-US"/>
+          </a:p>
+        </p:txBody>
+      </p:sp>
+      <p:sp>
+        <p:nvSpPr>
+          <p:cNvPr id="2" name="Titolo 1">
+            <a:extLst>
+              <a:ext uri="{FF2B5EF4-FFF2-40B4-BE49-F238E27FC236}">
+                <a16:creationId xmlns:a16="http://schemas.microsoft.com/office/drawing/2014/main" id="{0708B947-80DD-4A2F-A2EB-C53D236CB424}"/>
+              </a:ext>
+            </a:extLst>
+          </p:cNvPr>
+          <p:cNvSpPr>
+            <a:spLocks noGrp="1"/>
+          </p:cNvSpPr>
+          <p:nvPr>
+            <p:ph type="title"/>
+          </p:nvPr>
+        </p:nvSpPr>
+        <p:spPr>
+          <a:xfrm>
+            <a:off x="640080" y="496344"/>
+            <a:ext cx="4368602" cy="1956841"/>
+          </a:xfrm>
+        </p:spPr>
+        <p:txBody>
+          <a:bodyPr anchor="b">
+            <a:normAutofit/>
+          </a:bodyPr>
+          <a:lstStyle/>
+          <a:p>
+            <a:r>
+              <a:rPr lang="it-IT" sz="3800" dirty="0"/>
+              <a:t>L’8° oscar va a: </a:t>
+            </a:r>
+            <a:r>
+              <a:rPr lang="it-IT" sz="3800" b="1" dirty="0">
+                <a:solidFill>
+                  <a:schemeClr val="accent2">
+                    <a:lumMod val="75000"/>
+                  </a:schemeClr>
+                </a:solidFill>
+                <a:effectLst>
+                  <a:outerShdw blurRad="38100" dist="38100" dir="2700000" algn="tl">
+                    <a:srgbClr val="000000">
+                      <a:alpha val="43137"/>
+                    </a:srgbClr>
+                  </a:outerShdw>
+                </a:effectLst>
+              </a:rPr>
+              <a:t>Mirko </a:t>
+            </a:r>
+            <a:r>
+              <a:rPr lang="it-IT" sz="3800" dirty="0"/>
+              <a:t>protagonista del film </a:t>
+            </a:r>
+            <a:r>
+              <a:rPr lang="it-IT" sz="3800" b="1" dirty="0"/>
+              <a:t>DUE PIEDI SINISTRI</a:t>
+            </a:r>
+          </a:p>
+        </p:txBody>
+      </p:sp>
+      <p:sp>
+        <p:nvSpPr>
+          <p:cNvPr id="12" name="sketchy line">
+            <a:extLst>
+              <a:ext uri="{FF2B5EF4-FFF2-40B4-BE49-F238E27FC236}">
+                <a16:creationId xmlns:a16="http://schemas.microsoft.com/office/drawing/2014/main" id="{D4974D33-8DC5-464E-8C6D-BE58F0669C17}"/>
+              </a:ext>
+              <a:ext uri="{C183D7F6-B498-43B3-948B-1728B52AA6E4}">
+                <adec:decorative xmlns:adec="http://schemas.microsoft.com/office/drawing/2017/decorative" val="1"/>
+              </a:ext>
+            </a:extLst>
+          </p:cNvPr>
+          <p:cNvSpPr>
+            <a:spLocks noGrp="1" noRot="1" noChangeAspect="1" noMove="1" noResize="1" noEditPoints="1" noAdjustHandles="1" noChangeArrowheads="1" noChangeShapeType="1" noTextEdit="1"/>
+          </p:cNvSpPr>
+          <p:nvPr>
+            <p:extLst>
+              <p:ext uri="{386F3935-93C4-4BCD-93E2-E3B085C9AB24}">
+                <p16:designElem xmlns:p16="http://schemas.microsoft.com/office/powerpoint/2015/main" val="1"/>
+              </p:ext>
+            </p:extLst>
+          </p:nvPr>
+        </p:nvSpPr>
+        <p:spPr>
+          <a:xfrm>
+            <a:off x="640080" y="2586994"/>
+            <a:ext cx="3474720" cy="18288"/>
+          </a:xfrm>
+          <a:custGeom>
+            <a:avLst/>
+            <a:gdLst>
+              <a:gd name="connsiteX0" fmla="*/ 0 w 3474720"/>
+              <a:gd name="connsiteY0" fmla="*/ 0 h 18288"/>
+              <a:gd name="connsiteX1" fmla="*/ 694944 w 3474720"/>
+              <a:gd name="connsiteY1" fmla="*/ 0 h 18288"/>
+              <a:gd name="connsiteX2" fmla="*/ 1355141 w 3474720"/>
+              <a:gd name="connsiteY2" fmla="*/ 0 h 18288"/>
+              <a:gd name="connsiteX3" fmla="*/ 2015338 w 3474720"/>
+              <a:gd name="connsiteY3" fmla="*/ 0 h 18288"/>
+              <a:gd name="connsiteX4" fmla="*/ 2779776 w 3474720"/>
+              <a:gd name="connsiteY4" fmla="*/ 0 h 18288"/>
+              <a:gd name="connsiteX5" fmla="*/ 3474720 w 3474720"/>
+              <a:gd name="connsiteY5" fmla="*/ 0 h 18288"/>
+              <a:gd name="connsiteX6" fmla="*/ 3474720 w 3474720"/>
+              <a:gd name="connsiteY6" fmla="*/ 18288 h 18288"/>
+              <a:gd name="connsiteX7" fmla="*/ 2779776 w 3474720"/>
+              <a:gd name="connsiteY7" fmla="*/ 18288 h 18288"/>
+              <a:gd name="connsiteX8" fmla="*/ 2189074 w 3474720"/>
+              <a:gd name="connsiteY8" fmla="*/ 18288 h 18288"/>
+              <a:gd name="connsiteX9" fmla="*/ 1528877 w 3474720"/>
+              <a:gd name="connsiteY9" fmla="*/ 18288 h 18288"/>
+              <a:gd name="connsiteX10" fmla="*/ 868680 w 3474720"/>
+              <a:gd name="connsiteY10" fmla="*/ 18288 h 18288"/>
+              <a:gd name="connsiteX11" fmla="*/ 0 w 3474720"/>
+              <a:gd name="connsiteY11" fmla="*/ 18288 h 18288"/>
+              <a:gd name="connsiteX12" fmla="*/ 0 w 3474720"/>
+              <a:gd name="connsiteY12" fmla="*/ 0 h 18288"/>
+            </a:gdLst>
+            <a:ahLst/>
+            <a:cxnLst>
+              <a:cxn ang="0">
+                <a:pos x="connsiteX0" y="connsiteY0"/>
+              </a:cxn>
+              <a:cxn ang="0">
+                <a:pos x="connsiteX1" y="connsiteY1"/>
+              </a:cxn>
+              <a:cxn ang="0">
+                <a:pos x="connsiteX2" y="connsiteY2"/>
+              </a:cxn>
+              <a:cxn ang="0">
+                <a:pos x="connsiteX3" y="connsiteY3"/>
+              </a:cxn>
+              <a:cxn ang="0">
+                <a:pos x="connsiteX4" y="connsiteY4"/>
+              </a:cxn>
+              <a:cxn ang="0">
+                <a:pos x="connsiteX5" y="connsiteY5"/>
+              </a:cxn>
+              <a:cxn ang="0">
+                <a:pos x="connsiteX6" y="connsiteY6"/>
+              </a:cxn>
+              <a:cxn ang="0">
+                <a:pos x="connsiteX7" y="connsiteY7"/>
+              </a:cxn>
+              <a:cxn ang="0">
+                <a:pos x="connsiteX8" y="connsiteY8"/>
+              </a:cxn>
+              <a:cxn ang="0">
+                <a:pos x="connsiteX9" y="connsiteY9"/>
+              </a:cxn>
+              <a:cxn ang="0">
+                <a:pos x="connsiteX10" y="connsiteY10"/>
+              </a:cxn>
+              <a:cxn ang="0">
+                <a:pos x="connsiteX11" y="connsiteY11"/>
+              </a:cxn>
+              <a:cxn ang="0">
+                <a:pos x="connsiteX12" y="connsiteY12"/>
+              </a:cxn>
+            </a:cxnLst>
+            <a:rect l="l" t="t" r="r" b="b"/>
+            <a:pathLst>
+              <a:path w="3474720" h="18288" fill="none" extrusionOk="0">
+                <a:moveTo>
+                  <a:pt x="0" y="0"/>
+                </a:moveTo>
+                <a:cubicBezTo>
+                  <a:pt x="224454" y="-14544"/>
+                  <a:pt x="495407" y="26540"/>
+                  <a:pt x="694944" y="0"/>
+                </a:cubicBezTo>
+                <a:cubicBezTo>
+                  <a:pt x="894481" y="-26540"/>
+                  <a:pt x="1130063" y="24713"/>
+                  <a:pt x="1355141" y="0"/>
+                </a:cubicBezTo>
+                <a:cubicBezTo>
+                  <a:pt x="1580219" y="-24713"/>
+                  <a:pt x="1820099" y="26695"/>
+                  <a:pt x="2015338" y="0"/>
+                </a:cubicBezTo>
+                <a:cubicBezTo>
+                  <a:pt x="2210577" y="-26695"/>
+                  <a:pt x="2402045" y="165"/>
+                  <a:pt x="2779776" y="0"/>
+                </a:cubicBezTo>
+                <a:cubicBezTo>
+                  <a:pt x="3157507" y="-165"/>
+                  <a:pt x="3286859" y="-15571"/>
+                  <a:pt x="3474720" y="0"/>
+                </a:cubicBezTo>
+                <a:cubicBezTo>
+                  <a:pt x="3474286" y="7551"/>
+                  <a:pt x="3474253" y="9822"/>
+                  <a:pt x="3474720" y="18288"/>
+                </a:cubicBezTo>
+                <a:cubicBezTo>
+                  <a:pt x="3233904" y="29845"/>
+                  <a:pt x="2945134" y="-5256"/>
+                  <a:pt x="2779776" y="18288"/>
+                </a:cubicBezTo>
+                <a:cubicBezTo>
+                  <a:pt x="2614418" y="41832"/>
+                  <a:pt x="2339768" y="22709"/>
+                  <a:pt x="2189074" y="18288"/>
+                </a:cubicBezTo>
+                <a:cubicBezTo>
+                  <a:pt x="2038380" y="13867"/>
+                  <a:pt x="1817434" y="-4947"/>
+                  <a:pt x="1528877" y="18288"/>
+                </a:cubicBezTo>
+                <a:cubicBezTo>
+                  <a:pt x="1240320" y="41523"/>
+                  <a:pt x="1042447" y="37198"/>
+                  <a:pt x="868680" y="18288"/>
+                </a:cubicBezTo>
+                <a:cubicBezTo>
+                  <a:pt x="694913" y="-622"/>
+                  <a:pt x="233232" y="44909"/>
+                  <a:pt x="0" y="18288"/>
+                </a:cubicBezTo>
+                <a:cubicBezTo>
+                  <a:pt x="60" y="11696"/>
+                  <a:pt x="66" y="3758"/>
+                  <a:pt x="0" y="0"/>
+                </a:cubicBezTo>
+                <a:close/>
+              </a:path>
+              <a:path w="3474720" h="18288" stroke="0" extrusionOk="0">
+                <a:moveTo>
+                  <a:pt x="0" y="0"/>
+                </a:moveTo>
+                <a:cubicBezTo>
+                  <a:pt x="202328" y="-14716"/>
+                  <a:pt x="332722" y="-11499"/>
+                  <a:pt x="625450" y="0"/>
+                </a:cubicBezTo>
+                <a:cubicBezTo>
+                  <a:pt x="918178" y="11499"/>
+                  <a:pt x="1096688" y="5123"/>
+                  <a:pt x="1389888" y="0"/>
+                </a:cubicBezTo>
+                <a:cubicBezTo>
+                  <a:pt x="1683088" y="-5123"/>
+                  <a:pt x="1835981" y="-14038"/>
+                  <a:pt x="1980590" y="0"/>
+                </a:cubicBezTo>
+                <a:cubicBezTo>
+                  <a:pt x="2125199" y="14038"/>
+                  <a:pt x="2396099" y="-7203"/>
+                  <a:pt x="2571293" y="0"/>
+                </a:cubicBezTo>
+                <a:cubicBezTo>
+                  <a:pt x="2746487" y="7203"/>
+                  <a:pt x="3041609" y="-12036"/>
+                  <a:pt x="3474720" y="0"/>
+                </a:cubicBezTo>
+                <a:cubicBezTo>
+                  <a:pt x="3474638" y="4406"/>
+                  <a:pt x="3474631" y="9982"/>
+                  <a:pt x="3474720" y="18288"/>
+                </a:cubicBezTo>
+                <a:cubicBezTo>
+                  <a:pt x="3324873" y="21876"/>
+                  <a:pt x="3136771" y="12587"/>
+                  <a:pt x="2814523" y="18288"/>
+                </a:cubicBezTo>
+                <a:cubicBezTo>
+                  <a:pt x="2492275" y="23989"/>
+                  <a:pt x="2294402" y="47111"/>
+                  <a:pt x="2154326" y="18288"/>
+                </a:cubicBezTo>
+                <a:cubicBezTo>
+                  <a:pt x="2014250" y="-10535"/>
+                  <a:pt x="1820317" y="33903"/>
+                  <a:pt x="1494130" y="18288"/>
+                </a:cubicBezTo>
+                <a:cubicBezTo>
+                  <a:pt x="1167943" y="2673"/>
+                  <a:pt x="948432" y="14868"/>
+                  <a:pt x="729691" y="18288"/>
+                </a:cubicBezTo>
+                <a:cubicBezTo>
+                  <a:pt x="510950" y="21708"/>
+                  <a:pt x="264032" y="24354"/>
+                  <a:pt x="0" y="18288"/>
+                </a:cubicBezTo>
+                <a:cubicBezTo>
+                  <a:pt x="189" y="14288"/>
+                  <a:pt x="-703" y="3747"/>
+                  <a:pt x="0" y="0"/>
+                </a:cubicBezTo>
+                <a:close/>
+              </a:path>
+            </a:pathLst>
+          </a:custGeom>
+          <a:solidFill>
+            <a:schemeClr val="accent2"/>
+          </a:solidFill>
+          <a:ln w="44450" cap="rnd">
+            <a:solidFill>
+              <a:schemeClr val="accent2"/>
+            </a:solidFill>
+            <a:round/>
+            <a:extLst>
+              <a:ext uri="{C807C97D-BFC1-408E-A445-0C87EB9F89A2}">
+                <ask:lineSketchStyleProps xmlns:ask="http://schemas.microsoft.com/office/drawing/2018/sketchyshapes" sd="2863741219">
+                  <a:prstGeom prst="rect">
+                    <a:avLst/>
+                  </a:prstGeom>
+                  <ask:type>
+                    <ask:lineSketchFreehand/>
+                  </ask:type>
+                </ask:lineSketchStyleProps>
+              </a:ext>
+            </a:extLst>
+          </a:ln>
+        </p:spPr>
+        <p:style>
+          <a:lnRef idx="2">
+            <a:schemeClr val="accent1">
+              <a:shade val="50000"/>
+            </a:schemeClr>
+          </a:lnRef>
+          <a:fillRef idx="1">
+            <a:schemeClr val="accent1"/>
+          </a:fillRef>
+          <a:effectRef idx="0">
+            <a:schemeClr val="accent1"/>
+          </a:effectRef>
+          <a:fontRef idx="minor">
+            <a:schemeClr val="lt1"/>
+          </a:fontRef>
+        </p:style>
+        <p:txBody>
+          <a:bodyPr rtlCol="0" anchor="ctr"/>
+          <a:lstStyle/>
+          <a:p>
+            <a:pPr algn="ctr"/>
+            <a:endParaRPr lang="en-US"/>
+          </a:p>
+        </p:txBody>
+      </p:sp>
+      <p:sp>
+        <p:nvSpPr>
+          <p:cNvPr id="3" name="Segnaposto contenuto 2">
+            <a:extLst>
+              <a:ext uri="{FF2B5EF4-FFF2-40B4-BE49-F238E27FC236}">
+                <a16:creationId xmlns:a16="http://schemas.microsoft.com/office/drawing/2014/main" id="{E1E22650-2AE0-4B3E-8DC0-0EE1F7AA3005}"/>
+              </a:ext>
+            </a:extLst>
+          </p:cNvPr>
+          <p:cNvSpPr>
+            <a:spLocks noGrp="1"/>
+          </p:cNvSpPr>
+          <p:nvPr>
+            <p:ph idx="1"/>
+          </p:nvPr>
+        </p:nvSpPr>
+        <p:spPr>
+          <a:xfrm>
+            <a:off x="640080" y="2919210"/>
+            <a:ext cx="4243589" cy="3320668"/>
+          </a:xfrm>
+        </p:spPr>
+        <p:txBody>
+          <a:bodyPr>
+            <a:normAutofit/>
+          </a:bodyPr>
+          <a:lstStyle/>
+          <a:p>
+            <a:r>
+              <a:rPr lang="it-IT" dirty="0"/>
+              <a:t>Per averci fatto notare come (a parer mio) il gioco del calcio rovina molte possibili amicizie e piccoli amori</a:t>
+            </a:r>
+          </a:p>
+        </p:txBody>
+      </p:sp>
+      <p:pic>
+        <p:nvPicPr>
+          <p:cNvPr id="5" name="Immagine 4" descr="Immagine che contiene testo, persona, ragazza&#10;&#10;Descrizione generata automaticamente">
+            <a:extLst>
+              <a:ext uri="{FF2B5EF4-FFF2-40B4-BE49-F238E27FC236}">
+                <a16:creationId xmlns:a16="http://schemas.microsoft.com/office/drawing/2014/main" id="{B03627D6-353B-4C06-9E9F-C7E3A505B21A}"/>
+              </a:ext>
+            </a:extLst>
+          </p:cNvPr>
+          <p:cNvPicPr>
+            <a:picLocks noChangeAspect="1"/>
+          </p:cNvPicPr>
+          <p:nvPr/>
+        </p:nvPicPr>
+        <p:blipFill rotWithShape="1">
+          <a:blip r:embed="rId2">
+            <a:extLst>
+              <a:ext uri="{28A0092B-C50C-407E-A947-70E740481C1C}">
+                <a14:useLocalDpi xmlns:a14="http://schemas.microsoft.com/office/drawing/2010/main" val="0"/>
+              </a:ext>
+            </a:extLst>
+          </a:blip>
+          <a:srcRect t="17474" r="1" b="17224"/>
+          <a:stretch/>
+        </p:blipFill>
+        <p:spPr>
+          <a:xfrm>
+            <a:off x="5311702" y="10"/>
+            <a:ext cx="6878775" cy="6857990"/>
+          </a:xfrm>
+          <a:custGeom>
+            <a:avLst/>
+            <a:gdLst/>
+            <a:ahLst/>
+            <a:cxnLst/>
+            <a:rect l="l" t="t" r="r" b="b"/>
+            <a:pathLst>
+              <a:path w="6878775" h="6858000">
+                <a:moveTo>
+                  <a:pt x="1102973" y="0"/>
+                </a:moveTo>
+                <a:lnTo>
+                  <a:pt x="1160688" y="0"/>
+                </a:lnTo>
+                <a:lnTo>
+                  <a:pt x="983189" y="331786"/>
+                </a:lnTo>
+                <a:cubicBezTo>
+                  <a:pt x="914866" y="469145"/>
+                  <a:pt x="850355" y="608712"/>
+                  <a:pt x="789261" y="750263"/>
+                </a:cubicBezTo>
+                <a:cubicBezTo>
+                  <a:pt x="774307" y="784928"/>
+                  <a:pt x="759992" y="819849"/>
+                  <a:pt x="745295" y="854514"/>
+                </a:cubicBezTo>
+                <a:cubicBezTo>
+                  <a:pt x="756682" y="845393"/>
+                  <a:pt x="765489" y="833492"/>
+                  <a:pt x="770857" y="819975"/>
+                </a:cubicBezTo>
+                <a:cubicBezTo>
+                  <a:pt x="879943" y="589569"/>
+                  <a:pt x="999605" y="365513"/>
+                  <a:pt x="1131329" y="148742"/>
+                </a:cubicBezTo>
+                <a:lnTo>
+                  <a:pt x="1227589" y="0"/>
+                </a:lnTo>
+                <a:lnTo>
+                  <a:pt x="6878775" y="0"/>
+                </a:lnTo>
+                <a:lnTo>
+                  <a:pt x="6878775" y="6858000"/>
+                </a:lnTo>
+                <a:lnTo>
+                  <a:pt x="713521" y="6858000"/>
+                </a:lnTo>
+                <a:lnTo>
+                  <a:pt x="625642" y="6670527"/>
+                </a:lnTo>
+                <a:cubicBezTo>
+                  <a:pt x="507232" y="6398531"/>
+                  <a:pt x="403083" y="6118381"/>
+                  <a:pt x="312785" y="5830359"/>
+                </a:cubicBezTo>
+                <a:cubicBezTo>
+                  <a:pt x="278149" y="5719759"/>
+                  <a:pt x="248879" y="5607635"/>
+                  <a:pt x="212198" y="5480401"/>
+                </a:cubicBezTo>
+                <a:cubicBezTo>
+                  <a:pt x="212208" y="5491601"/>
+                  <a:pt x="212803" y="5502788"/>
+                  <a:pt x="213988" y="5513923"/>
+                </a:cubicBezTo>
+                <a:cubicBezTo>
+                  <a:pt x="264089" y="5723695"/>
+                  <a:pt x="307290" y="5935370"/>
+                  <a:pt x="365826" y="6142729"/>
+                </a:cubicBezTo>
+                <a:cubicBezTo>
+                  <a:pt x="433152" y="6380817"/>
+                  <a:pt x="510068" y="6614016"/>
+                  <a:pt x="597975" y="6841549"/>
+                </a:cubicBezTo>
+                <a:lnTo>
+                  <a:pt x="604824" y="6858000"/>
+                </a:lnTo>
+                <a:lnTo>
+                  <a:pt x="552056" y="6858000"/>
+                </a:lnTo>
+                <a:lnTo>
+                  <a:pt x="539576" y="6828295"/>
+                </a:lnTo>
+                <a:cubicBezTo>
+                  <a:pt x="380597" y="6414594"/>
+                  <a:pt x="260223" y="5988893"/>
+                  <a:pt x="171555" y="5552906"/>
+                </a:cubicBezTo>
+                <a:cubicBezTo>
+                  <a:pt x="91163" y="5157998"/>
+                  <a:pt x="43746" y="4758899"/>
+                  <a:pt x="12305" y="4357388"/>
+                </a:cubicBezTo>
+                <a:cubicBezTo>
+                  <a:pt x="-14281" y="4013908"/>
+                  <a:pt x="4507" y="3672965"/>
+                  <a:pt x="46684" y="3331516"/>
+                </a:cubicBezTo>
+                <a:cubicBezTo>
+                  <a:pt x="127203" y="2664286"/>
+                  <a:pt x="277819" y="2007265"/>
+                  <a:pt x="496065" y="1371196"/>
+                </a:cubicBezTo>
+                <a:cubicBezTo>
+                  <a:pt x="636273" y="966066"/>
+                  <a:pt x="800445" y="573253"/>
+                  <a:pt x="995723" y="196614"/>
+                </a:cubicBezTo>
+                <a:close/>
+              </a:path>
+            </a:pathLst>
+          </a:custGeom>
+        </p:spPr>
+      </p:pic>
+    </p:spTree>
+    <p:extLst>
+      <p:ext uri="{BB962C8B-B14F-4D97-AF65-F5344CB8AC3E}">
+        <p14:creationId xmlns:p14="http://schemas.microsoft.com/office/powerpoint/2010/main" val="514538036"/>
       </p:ext>
     </p:extLst>
   </p:cSld>
@@ -3398,9 +7155,20 @@
 </p:sld>
 </file>
 
-<file path=ppt/slides/slide10.xml><?xml version="1.0" encoding="utf-8"?>
+<file path=ppt/slides/slide5.xml><?xml version="1.0" encoding="utf-8"?>
 <p:sld xmlns:a="http://schemas.openxmlformats.org/drawingml/2006/main" xmlns:r="http://schemas.openxmlformats.org/officeDocument/2006/relationships" xmlns:p="http://schemas.openxmlformats.org/presentationml/2006/main">
   <p:cSld>
+    <p:bg>
+      <p:bgPr>
+        <a:solidFill>
+          <a:schemeClr val="bg1">
+            <a:tint val="95000"/>
+            <a:satMod val="170000"/>
+          </a:schemeClr>
+        </a:solidFill>
+        <a:effectLst/>
+      </p:bgPr>
+    </p:bg>
     <p:spTree>
       <p:nvGrpSpPr>
         <p:cNvPr id="1" name=""/>
@@ -3420,7 +7188,7 @@
           <p:cNvPr id="2" name="Titolo 1">
             <a:extLst>
               <a:ext uri="{FF2B5EF4-FFF2-40B4-BE49-F238E27FC236}">
-                <a16:creationId xmlns:a16="http://schemas.microsoft.com/office/drawing/2014/main" id="{46D850D0-BB77-4C2C-AA45-DE27B9F59DC3}"/>
+                <a16:creationId xmlns:a16="http://schemas.microsoft.com/office/drawing/2014/main" id="{0D71CBD1-4B24-4E2D-8B19-6B3B39865796}"/>
               </a:ext>
             </a:extLst>
           </p:cNvPr>
@@ -3431,20 +7199,89 @@
             <p:ph type="title"/>
           </p:nvPr>
         </p:nvSpPr>
-        <p:spPr/>
+        <p:spPr>
+          <a:xfrm>
+            <a:off x="7464614" y="1783959"/>
+            <a:ext cx="4087306" cy="1461046"/>
+          </a:xfrm>
+        </p:spPr>
         <p:txBody>
-          <a:bodyPr/>
+          <a:bodyPr vert="horz" lIns="91440" tIns="45720" rIns="91440" bIns="45720" rtlCol="0" anchor="b">
+            <a:noAutofit/>
+          </a:bodyPr>
           <a:lstStyle/>
           <a:p>
             <a:r>
-              <a:rPr lang="it-IT" dirty="0"/>
-              <a:t>Il 3 oscar va a: la mamma di </a:t>
-            </a:r>
-            <a:r>
-              <a:rPr lang="it-IT" dirty="0" err="1"/>
-              <a:t>Jojo</a:t>
-            </a:r>
-            <a:endParaRPr lang="it-IT" dirty="0"/>
+              <a:rPr lang="en-US" sz="3800" dirty="0"/>
+              <a:t>Il 7° </a:t>
+            </a:r>
+            <a:r>
+              <a:rPr lang="en-US" sz="3800" dirty="0" err="1"/>
+              <a:t>oscar</a:t>
+            </a:r>
+            <a:r>
+              <a:rPr lang="en-US" sz="3800" dirty="0"/>
+              <a:t> </a:t>
+            </a:r>
+            <a:r>
+              <a:rPr lang="en-US" sz="3800" dirty="0" err="1"/>
+              <a:t>va</a:t>
+            </a:r>
+            <a:r>
+              <a:rPr lang="en-US" sz="3800" dirty="0"/>
+              <a:t> a: </a:t>
+            </a:r>
+            <a:br>
+              <a:rPr lang="en-US" sz="3800" dirty="0"/>
+            </a:br>
+            <a:r>
+              <a:rPr lang="en-US" sz="3800" b="1" dirty="0">
+                <a:solidFill>
+                  <a:schemeClr val="accent2">
+                    <a:lumMod val="75000"/>
+                  </a:schemeClr>
+                </a:solidFill>
+                <a:effectLst>
+                  <a:outerShdw blurRad="38100" dist="38100" dir="2700000" algn="tl">
+                    <a:srgbClr val="000000">
+                      <a:alpha val="43137"/>
+                    </a:srgbClr>
+                  </a:outerShdw>
+                </a:effectLst>
+              </a:rPr>
+              <a:t>Tony </a:t>
+            </a:r>
+            <a:r>
+              <a:rPr lang="en-US" sz="3800" b="1" dirty="0" err="1">
+                <a:solidFill>
+                  <a:schemeClr val="accent2">
+                    <a:lumMod val="75000"/>
+                  </a:schemeClr>
+                </a:solidFill>
+                <a:effectLst>
+                  <a:outerShdw blurRad="38100" dist="38100" dir="2700000" algn="tl">
+                    <a:srgbClr val="000000">
+                      <a:alpha val="43137"/>
+                    </a:srgbClr>
+                  </a:outerShdw>
+                </a:effectLst>
+              </a:rPr>
+              <a:t>Vallelonga</a:t>
+            </a:r>
+            <a:br>
+              <a:rPr lang="en-US" sz="3800" dirty="0"/>
+            </a:br>
+            <a:r>
+              <a:rPr lang="en-US" sz="3800" dirty="0"/>
+              <a:t>del film </a:t>
+            </a:r>
+            <a:br>
+              <a:rPr lang="en-US" sz="3800" dirty="0"/>
+            </a:br>
+            <a:r>
+              <a:rPr lang="en-US" sz="3800" b="1" dirty="0"/>
+              <a:t>GREEN BOOK</a:t>
+            </a:r>
           </a:p>
         </p:txBody>
       </p:sp>
@@ -3453,7 +7290,7 @@
           <p:cNvPr id="3" name="Segnaposto contenuto 2">
             <a:extLst>
               <a:ext uri="{FF2B5EF4-FFF2-40B4-BE49-F238E27FC236}">
-                <a16:creationId xmlns:a16="http://schemas.microsoft.com/office/drawing/2014/main" id="{56B60B89-B89E-4A9F-9C50-A144325F608A}"/>
+                <a16:creationId xmlns:a16="http://schemas.microsoft.com/office/drawing/2014/main" id="{E8F5CE4F-A074-467E-AFE5-9370BEBC3FC7}"/>
               </a:ext>
             </a:extLst>
           </p:cNvPr>
@@ -3464,22 +7301,1100 @@
             <p:ph idx="1"/>
           </p:nvPr>
         </p:nvSpPr>
-        <p:spPr/>
+        <p:spPr>
+          <a:xfrm>
+            <a:off x="7464615" y="3803039"/>
+            <a:ext cx="4087305" cy="1147863"/>
+          </a:xfrm>
+        </p:spPr>
         <p:txBody>
-          <a:bodyPr/>
+          <a:bodyPr vert="horz" lIns="91440" tIns="45720" rIns="91440" bIns="45720" rtlCol="0" anchor="t">
+            <a:noAutofit/>
+          </a:bodyPr>
           <a:lstStyle/>
           <a:p>
-            <a:r>
-              <a:rPr lang="it-IT" dirty="0"/>
-              <a:t>Per averci fatto capire di permettere a nostro figlio di avere le sue idee e rispettarle anche se non ci piacciono</a:t>
+            <a:pPr marL="0" indent="0">
+              <a:buNone/>
+            </a:pPr>
+            <a:r>
+              <a:rPr lang="en-US" dirty="0"/>
+              <a:t>Per </a:t>
+            </a:r>
+            <a:r>
+              <a:rPr lang="en-US" dirty="0" err="1"/>
+              <a:t>averci</a:t>
+            </a:r>
+            <a:r>
+              <a:rPr lang="en-US" dirty="0"/>
+              <a:t> </a:t>
+            </a:r>
+            <a:r>
+              <a:rPr lang="en-US" dirty="0" err="1"/>
+              <a:t>insegnato</a:t>
+            </a:r>
+            <a:r>
+              <a:rPr lang="en-US" dirty="0"/>
+              <a:t> </a:t>
+            </a:r>
+            <a:r>
+              <a:rPr lang="en-US" dirty="0" err="1"/>
+              <a:t>che</a:t>
+            </a:r>
+            <a:r>
+              <a:rPr lang="en-US" dirty="0"/>
+              <a:t>, </a:t>
+            </a:r>
+            <a:r>
+              <a:rPr lang="en-US" dirty="0" err="1"/>
+              <a:t>nonostante</a:t>
+            </a:r>
+            <a:r>
+              <a:rPr lang="en-US" dirty="0"/>
+              <a:t> il </a:t>
+            </a:r>
+            <a:r>
+              <a:rPr lang="en-US" dirty="0" err="1"/>
+              <a:t>diverso</a:t>
+            </a:r>
+            <a:r>
+              <a:rPr lang="en-US" dirty="0"/>
+              <a:t> </a:t>
+            </a:r>
+            <a:r>
+              <a:rPr lang="en-US" dirty="0" err="1"/>
+              <a:t>colore</a:t>
+            </a:r>
+            <a:r>
+              <a:rPr lang="en-US" dirty="0"/>
+              <a:t> </a:t>
+            </a:r>
+            <a:r>
+              <a:rPr lang="en-US" dirty="0" err="1"/>
+              <a:t>della</a:t>
+            </a:r>
+            <a:r>
+              <a:rPr lang="en-US" dirty="0"/>
+              <a:t> </a:t>
+            </a:r>
+            <a:r>
+              <a:rPr lang="en-US" dirty="0" err="1"/>
+              <a:t>pelle</a:t>
+            </a:r>
+            <a:r>
+              <a:rPr lang="en-US" dirty="0"/>
+              <a:t>, le </a:t>
+            </a:r>
+            <a:r>
+              <a:rPr lang="en-US" dirty="0" err="1"/>
+              <a:t>persone</a:t>
+            </a:r>
+            <a:r>
+              <a:rPr lang="en-US" dirty="0"/>
+              <a:t> </a:t>
+            </a:r>
+            <a:r>
+              <a:rPr lang="en-US" dirty="0" err="1"/>
+              <a:t>sono</a:t>
+            </a:r>
+            <a:r>
+              <a:rPr lang="en-US" dirty="0"/>
+              <a:t> </a:t>
+            </a:r>
+            <a:r>
+              <a:rPr lang="en-US" dirty="0" err="1"/>
+              <a:t>tutte</a:t>
+            </a:r>
+            <a:r>
+              <a:rPr lang="en-US" dirty="0"/>
+              <a:t> </a:t>
+            </a:r>
+            <a:r>
+              <a:rPr lang="en-US" dirty="0" err="1"/>
+              <a:t>uguali</a:t>
+            </a:r>
+            <a:r>
+              <a:rPr lang="en-US" dirty="0"/>
+              <a:t>.</a:t>
             </a:r>
           </a:p>
         </p:txBody>
       </p:sp>
+      <p:sp>
+        <p:nvSpPr>
+          <p:cNvPr id="10" name="Freeform: Shape 9">
+            <a:extLst>
+              <a:ext uri="{FF2B5EF4-FFF2-40B4-BE49-F238E27FC236}">
+                <a16:creationId xmlns:a16="http://schemas.microsoft.com/office/drawing/2014/main" id="{E49CC64F-7275-4E33-961B-0C5CDC439875}"/>
+              </a:ext>
+              <a:ext uri="{C183D7F6-B498-43B3-948B-1728B52AA6E4}">
+                <adec:decorative xmlns:adec="http://schemas.microsoft.com/office/drawing/2017/decorative" val="1"/>
+              </a:ext>
+            </a:extLst>
+          </p:cNvPr>
+          <p:cNvSpPr>
+            <a:spLocks noGrp="1" noRot="1" noChangeAspect="1" noMove="1" noResize="1" noEditPoints="1" noAdjustHandles="1" noChangeArrowheads="1" noChangeShapeType="1" noTextEdit="1"/>
+          </p:cNvSpPr>
+          <p:nvPr>
+            <p:extLst>
+              <p:ext uri="{386F3935-93C4-4BCD-93E2-E3B085C9AB24}">
+                <p16:designElem xmlns:p16="http://schemas.microsoft.com/office/powerpoint/2015/main" val="1"/>
+              </p:ext>
+            </p:extLst>
+          </p:nvPr>
+        </p:nvSpPr>
+        <p:spPr>
+          <a:xfrm flipH="1" flipV="1">
+            <a:off x="1" y="0"/>
+            <a:ext cx="7188051" cy="6858000"/>
+          </a:xfrm>
+          <a:custGeom>
+            <a:avLst/>
+            <a:gdLst>
+              <a:gd name="connsiteX0" fmla="*/ 7188051 w 7188051"/>
+              <a:gd name="connsiteY0" fmla="*/ 6858000 h 6858000"/>
+              <a:gd name="connsiteX1" fmla="*/ 108694 w 7188051"/>
+              <a:gd name="connsiteY1" fmla="*/ 6858000 h 6858000"/>
+              <a:gd name="connsiteX2" fmla="*/ 79127 w 7188051"/>
+              <a:gd name="connsiteY2" fmla="*/ 6681235 h 6858000"/>
+              <a:gd name="connsiteX3" fmla="*/ 0 w 7188051"/>
+              <a:gd name="connsiteY3" fmla="*/ 5565888 h 6858000"/>
+              <a:gd name="connsiteX4" fmla="*/ 2190696 w 7188051"/>
+              <a:gd name="connsiteY4" fmla="*/ 145339 h 6858000"/>
+              <a:gd name="connsiteX5" fmla="*/ 2339431 w 7188051"/>
+              <a:gd name="connsiteY5" fmla="*/ 0 h 6858000"/>
+              <a:gd name="connsiteX6" fmla="*/ 7188051 w 7188051"/>
+              <a:gd name="connsiteY6" fmla="*/ 0 h 6858000"/>
+            </a:gdLst>
+            <a:ahLst/>
+            <a:cxnLst>
+              <a:cxn ang="0">
+                <a:pos x="connsiteX0" y="connsiteY0"/>
+              </a:cxn>
+              <a:cxn ang="0">
+                <a:pos x="connsiteX1" y="connsiteY1"/>
+              </a:cxn>
+              <a:cxn ang="0">
+                <a:pos x="connsiteX2" y="connsiteY2"/>
+              </a:cxn>
+              <a:cxn ang="0">
+                <a:pos x="connsiteX3" y="connsiteY3"/>
+              </a:cxn>
+              <a:cxn ang="0">
+                <a:pos x="connsiteX4" y="connsiteY4"/>
+              </a:cxn>
+              <a:cxn ang="0">
+                <a:pos x="connsiteX5" y="connsiteY5"/>
+              </a:cxn>
+              <a:cxn ang="0">
+                <a:pos x="connsiteX6" y="connsiteY6"/>
+              </a:cxn>
+            </a:cxnLst>
+            <a:rect l="l" t="t" r="r" b="b"/>
+            <a:pathLst>
+              <a:path w="7188051" h="6858000">
+                <a:moveTo>
+                  <a:pt x="7188051" y="6858000"/>
+                </a:moveTo>
+                <a:lnTo>
+                  <a:pt x="108694" y="6858000"/>
+                </a:lnTo>
+                <a:lnTo>
+                  <a:pt x="79127" y="6681235"/>
+                </a:lnTo>
+                <a:cubicBezTo>
+                  <a:pt x="26981" y="6316967"/>
+                  <a:pt x="0" y="5944579"/>
+                  <a:pt x="0" y="5565888"/>
+                </a:cubicBezTo>
+                <a:cubicBezTo>
+                  <a:pt x="0" y="3459953"/>
+                  <a:pt x="834428" y="1548908"/>
+                  <a:pt x="2190696" y="145339"/>
+                </a:cubicBezTo>
+                <a:lnTo>
+                  <a:pt x="2339431" y="0"/>
+                </a:lnTo>
+                <a:lnTo>
+                  <a:pt x="7188051" y="0"/>
+                </a:lnTo>
+                <a:close/>
+              </a:path>
+            </a:pathLst>
+          </a:custGeom>
+          <a:solidFill>
+            <a:schemeClr val="tx1">
+              <a:alpha val="80000"/>
+            </a:schemeClr>
+          </a:solidFill>
+          <a:ln>
+            <a:noFill/>
+          </a:ln>
+        </p:spPr>
+        <p:style>
+          <a:lnRef idx="2">
+            <a:schemeClr val="accent1">
+              <a:shade val="50000"/>
+            </a:schemeClr>
+          </a:lnRef>
+          <a:fillRef idx="1">
+            <a:schemeClr val="accent1"/>
+          </a:fillRef>
+          <a:effectRef idx="0">
+            <a:schemeClr val="accent1"/>
+          </a:effectRef>
+          <a:fontRef idx="minor">
+            <a:schemeClr val="lt1"/>
+          </a:fontRef>
+        </p:style>
+        <p:txBody>
+          <a:bodyPr wrap="square" rtlCol="0" anchor="ctr">
+            <a:noAutofit/>
+          </a:bodyPr>
+          <a:lstStyle/>
+          <a:p>
+            <a:pPr algn="ctr"/>
+            <a:endParaRPr lang="en-US"/>
+          </a:p>
+        </p:txBody>
+      </p:sp>
+      <p:pic>
+        <p:nvPicPr>
+          <p:cNvPr id="5" name="Immagine 4" descr="Immagine che contiene persona, uomo, finestra&#10;&#10;Descrizione generata automaticamente">
+            <a:extLst>
+              <a:ext uri="{FF2B5EF4-FFF2-40B4-BE49-F238E27FC236}">
+                <a16:creationId xmlns:a16="http://schemas.microsoft.com/office/drawing/2014/main" id="{EC002D15-2E17-46E6-A256-264E17601BAC}"/>
+              </a:ext>
+            </a:extLst>
+          </p:cNvPr>
+          <p:cNvPicPr>
+            <a:picLocks noChangeAspect="1"/>
+          </p:cNvPicPr>
+          <p:nvPr/>
+        </p:nvPicPr>
+        <p:blipFill rotWithShape="1">
+          <a:blip r:embed="rId2">
+            <a:extLst>
+              <a:ext uri="{28A0092B-C50C-407E-A947-70E740481C1C}">
+                <a14:useLocalDpi xmlns:a14="http://schemas.microsoft.com/office/drawing/2010/main" val="0"/>
+              </a:ext>
+            </a:extLst>
+          </a:blip>
+          <a:srcRect r="-1" b="2425"/>
+          <a:stretch/>
+        </p:blipFill>
+        <p:spPr>
+          <a:xfrm>
+            <a:off x="1" y="10"/>
+            <a:ext cx="7028495" cy="6857990"/>
+          </a:xfrm>
+          <a:custGeom>
+            <a:avLst/>
+            <a:gdLst/>
+            <a:ahLst/>
+            <a:cxnLst/>
+            <a:rect l="l" t="t" r="r" b="b"/>
+            <a:pathLst>
+              <a:path w="7028495" h="6858000">
+                <a:moveTo>
+                  <a:pt x="0" y="0"/>
+                </a:moveTo>
+                <a:lnTo>
+                  <a:pt x="6915668" y="0"/>
+                </a:lnTo>
+                <a:lnTo>
+                  <a:pt x="6952411" y="219663"/>
+                </a:lnTo>
+                <a:cubicBezTo>
+                  <a:pt x="7002551" y="569921"/>
+                  <a:pt x="7028495" y="927986"/>
+                  <a:pt x="7028495" y="1292112"/>
+                </a:cubicBezTo>
+                <a:cubicBezTo>
+                  <a:pt x="7028495" y="3343346"/>
+                  <a:pt x="6205186" y="5202289"/>
+                  <a:pt x="4870994" y="6556512"/>
+                </a:cubicBezTo>
+                <a:lnTo>
+                  <a:pt x="4556185" y="6858000"/>
+                </a:lnTo>
+                <a:lnTo>
+                  <a:pt x="0" y="6858000"/>
+                </a:lnTo>
+                <a:close/>
+              </a:path>
+            </a:pathLst>
+          </a:custGeom>
+        </p:spPr>
+      </p:pic>
     </p:spTree>
     <p:extLst>
       <p:ext uri="{BB962C8B-B14F-4D97-AF65-F5344CB8AC3E}">
-        <p14:creationId xmlns:p14="http://schemas.microsoft.com/office/powerpoint/2010/main" val="2305130575"/>
+        <p14:creationId xmlns:p14="http://schemas.microsoft.com/office/powerpoint/2010/main" val="2482146951"/>
+      </p:ext>
+    </p:extLst>
+  </p:cSld>
+  <p:clrMapOvr>
+    <a:overrideClrMapping bg1="dk1" tx1="lt1" bg2="dk2" tx2="lt2" accent1="accent1" accent2="accent2" accent3="accent3" accent4="accent4" accent5="accent5" accent6="accent6" hlink="hlink" folHlink="folHlink"/>
+  </p:clrMapOvr>
+  <p:timing>
+    <p:tnLst>
+      <p:par>
+        <p:cTn id="1" dur="indefinite" restart="never" nodeType="tmRoot">
+          <p:childTnLst>
+            <p:seq concurrent="1" nextAc="seek">
+              <p:cTn id="2" dur="indefinite" nodeType="mainSeq">
+                <p:childTnLst>
+                  <p:par>
+                    <p:cTn id="3" fill="hold">
+                      <p:stCondLst>
+                        <p:cond delay="indefinite"/>
+                        <p:cond evt="onBegin" delay="0">
+                          <p:tn val="2"/>
+                        </p:cond>
+                      </p:stCondLst>
+                      <p:childTnLst>
+                        <p:par>
+                          <p:cTn id="4" fill="hold">
+                            <p:stCondLst>
+                              <p:cond delay="0"/>
+                            </p:stCondLst>
+                            <p:childTnLst>
+                              <p:par>
+                                <p:cTn id="5" presetID="10" presetClass="entr" presetSubtype="0" fill="hold" nodeType="withEffect">
+                                  <p:stCondLst>
+                                    <p:cond delay="0"/>
+                                  </p:stCondLst>
+                                  <p:iterate>
+                                    <p:tmPct val="10000"/>
+                                  </p:iterate>
+                                  <p:childTnLst>
+                                    <p:set>
+                                      <p:cBhvr>
+                                        <p:cTn id="6" dur="1" fill="hold">
+                                          <p:stCondLst>
+                                            <p:cond delay="0"/>
+                                          </p:stCondLst>
+                                        </p:cTn>
+                                        <p:tgtEl>
+                                          <p:spTgt spid="5"/>
+                                        </p:tgtEl>
+                                        <p:attrNameLst>
+                                          <p:attrName>style.visibility</p:attrName>
+                                        </p:attrNameLst>
+                                      </p:cBhvr>
+                                      <p:to>
+                                        <p:strVal val="visible"/>
+                                      </p:to>
+                                    </p:set>
+                                    <p:animEffect transition="in" filter="fade">
+                                      <p:cBhvr>
+                                        <p:cTn id="7" dur="700"/>
+                                        <p:tgtEl>
+                                          <p:spTgt spid="5"/>
+                                        </p:tgtEl>
+                                      </p:cBhvr>
+                                    </p:animEffect>
+                                  </p:childTnLst>
+                                </p:cTn>
+                              </p:par>
+                            </p:childTnLst>
+                          </p:cTn>
+                        </p:par>
+                      </p:childTnLst>
+                    </p:cTn>
+                  </p:par>
+                </p:childTnLst>
+              </p:cTn>
+              <p:prevCondLst>
+                <p:cond evt="onPrev" delay="0">
+                  <p:tgtEl>
+                    <p:sldTgt/>
+                  </p:tgtEl>
+                </p:cond>
+              </p:prevCondLst>
+              <p:nextCondLst>
+                <p:cond evt="onNext" delay="0">
+                  <p:tgtEl>
+                    <p:sldTgt/>
+                  </p:tgtEl>
+                </p:cond>
+              </p:nextCondLst>
+            </p:seq>
+          </p:childTnLst>
+        </p:cTn>
+      </p:par>
+    </p:tnLst>
+  </p:timing>
+</p:sld>
+</file>
+
+<file path=ppt/slides/slide6.xml><?xml version="1.0" encoding="utf-8"?>
+<p:sld xmlns:a="http://schemas.openxmlformats.org/drawingml/2006/main" xmlns:r="http://schemas.openxmlformats.org/officeDocument/2006/relationships" xmlns:p="http://schemas.openxmlformats.org/presentationml/2006/main">
+  <p:cSld>
+    <p:bg>
+      <p:bgPr>
+        <a:solidFill>
+          <a:schemeClr val="bg1"/>
+        </a:solidFill>
+        <a:effectLst/>
+      </p:bgPr>
+    </p:bg>
+    <p:spTree>
+      <p:nvGrpSpPr>
+        <p:cNvPr id="1" name=""/>
+        <p:cNvGrpSpPr/>
+        <p:nvPr/>
+      </p:nvGrpSpPr>
+      <p:grpSpPr>
+        <a:xfrm>
+          <a:off x="0" y="0"/>
+          <a:ext cx="0" cy="0"/>
+          <a:chOff x="0" y="0"/>
+          <a:chExt cx="0" cy="0"/>
+        </a:xfrm>
+      </p:grpSpPr>
+      <p:sp useBgFill="1">
+        <p:nvSpPr>
+          <p:cNvPr id="10" name="Rectangle 9">
+            <a:extLst>
+              <a:ext uri="{FF2B5EF4-FFF2-40B4-BE49-F238E27FC236}">
+                <a16:creationId xmlns:a16="http://schemas.microsoft.com/office/drawing/2014/main" id="{F13C74B1-5B17-4795-BED0-7140497B445A}"/>
+              </a:ext>
+              <a:ext uri="{C183D7F6-B498-43B3-948B-1728B52AA6E4}">
+                <adec:decorative xmlns:adec="http://schemas.microsoft.com/office/drawing/2017/decorative" val="1"/>
+              </a:ext>
+            </a:extLst>
+          </p:cNvPr>
+          <p:cNvSpPr>
+            <a:spLocks noGrp="1" noRot="1" noChangeAspect="1" noMove="1" noResize="1" noEditPoints="1" noAdjustHandles="1" noChangeArrowheads="1" noChangeShapeType="1" noTextEdit="1"/>
+          </p:cNvSpPr>
+          <p:nvPr>
+            <p:extLst>
+              <p:ext uri="{386F3935-93C4-4BCD-93E2-E3B085C9AB24}">
+                <p16:designElem xmlns:p16="http://schemas.microsoft.com/office/powerpoint/2015/main" val="1"/>
+              </p:ext>
+            </p:extLst>
+          </p:nvPr>
+        </p:nvSpPr>
+        <p:spPr>
+          <a:xfrm>
+            <a:off x="0" y="0"/>
+            <a:ext cx="12188952" cy="6858000"/>
+          </a:xfrm>
+          <a:prstGeom prst="rect">
+            <a:avLst/>
+          </a:prstGeom>
+          <a:ln>
+            <a:noFill/>
+          </a:ln>
+        </p:spPr>
+        <p:style>
+          <a:lnRef idx="2">
+            <a:schemeClr val="accent1">
+              <a:shade val="50000"/>
+            </a:schemeClr>
+          </a:lnRef>
+          <a:fillRef idx="1">
+            <a:schemeClr val="accent1"/>
+          </a:fillRef>
+          <a:effectRef idx="0">
+            <a:schemeClr val="accent1"/>
+          </a:effectRef>
+          <a:fontRef idx="minor">
+            <a:schemeClr val="lt1"/>
+          </a:fontRef>
+        </p:style>
+        <p:txBody>
+          <a:bodyPr rtlCol="0" anchor="ctr"/>
+          <a:lstStyle/>
+          <a:p>
+            <a:pPr algn="ctr"/>
+            <a:endParaRPr lang="en-US"/>
+          </a:p>
+        </p:txBody>
+      </p:sp>
+      <p:sp>
+        <p:nvSpPr>
+          <p:cNvPr id="2" name="Titolo 1">
+            <a:extLst>
+              <a:ext uri="{FF2B5EF4-FFF2-40B4-BE49-F238E27FC236}">
+                <a16:creationId xmlns:a16="http://schemas.microsoft.com/office/drawing/2014/main" id="{4C4034A2-F844-4081-A564-B7B8014E9F73}"/>
+              </a:ext>
+            </a:extLst>
+          </p:cNvPr>
+          <p:cNvSpPr>
+            <a:spLocks noGrp="1"/>
+          </p:cNvSpPr>
+          <p:nvPr>
+            <p:ph type="title"/>
+          </p:nvPr>
+        </p:nvSpPr>
+        <p:spPr>
+          <a:xfrm>
+            <a:off x="640080" y="653176"/>
+            <a:ext cx="4846320" cy="1956841"/>
+          </a:xfrm>
+        </p:spPr>
+        <p:txBody>
+          <a:bodyPr anchor="b">
+            <a:noAutofit/>
+          </a:bodyPr>
+          <a:lstStyle/>
+          <a:p>
+            <a:r>
+              <a:rPr lang="it-IT" sz="3800" dirty="0"/>
+              <a:t>Il 6° oscar va a: </a:t>
+            </a:r>
+            <a:br>
+              <a:rPr lang="it-IT" sz="3800" dirty="0"/>
+            </a:br>
+            <a:r>
+              <a:rPr lang="it-IT" sz="3800" b="1" dirty="0">
+                <a:solidFill>
+                  <a:schemeClr val="accent2">
+                    <a:lumMod val="75000"/>
+                  </a:schemeClr>
+                </a:solidFill>
+                <a:effectLst>
+                  <a:outerShdw blurRad="38100" dist="38100" dir="2700000" algn="tl">
+                    <a:srgbClr val="000000">
+                      <a:alpha val="43137"/>
+                    </a:srgbClr>
+                  </a:outerShdw>
+                </a:effectLst>
+              </a:rPr>
+              <a:t>Andrei </a:t>
+            </a:r>
+            <a:r>
+              <a:rPr lang="it-IT" sz="3800" b="1" dirty="0" err="1">
+                <a:solidFill>
+                  <a:schemeClr val="accent2">
+                    <a:lumMod val="75000"/>
+                  </a:schemeClr>
+                </a:solidFill>
+                <a:effectLst>
+                  <a:outerShdw blurRad="38100" dist="38100" dir="2700000" algn="tl">
+                    <a:srgbClr val="000000">
+                      <a:alpha val="43137"/>
+                    </a:srgbClr>
+                  </a:outerShdw>
+                </a:effectLst>
+              </a:rPr>
+              <a:t>Filipov</a:t>
+            </a:r>
+            <a:r>
+              <a:rPr lang="it-IT" sz="3800" b="1" dirty="0">
+                <a:solidFill>
+                  <a:schemeClr val="accent2">
+                    <a:lumMod val="75000"/>
+                  </a:schemeClr>
+                </a:solidFill>
+                <a:effectLst>
+                  <a:outerShdw blurRad="38100" dist="38100" dir="2700000" algn="tl">
+                    <a:srgbClr val="000000">
+                      <a:alpha val="43137"/>
+                    </a:srgbClr>
+                  </a:outerShdw>
+                </a:effectLst>
+              </a:rPr>
+              <a:t> </a:t>
+            </a:r>
+            <a:br>
+              <a:rPr lang="it-IT" sz="3800" b="1" dirty="0">
+                <a:solidFill>
+                  <a:schemeClr val="accent2">
+                    <a:lumMod val="75000"/>
+                  </a:schemeClr>
+                </a:solidFill>
+                <a:effectLst>
+                  <a:outerShdw blurRad="38100" dist="38100" dir="2700000" algn="tl">
+                    <a:srgbClr val="000000">
+                      <a:alpha val="43137"/>
+                    </a:srgbClr>
+                  </a:outerShdw>
+                </a:effectLst>
+              </a:rPr>
+            </a:br>
+            <a:r>
+              <a:rPr lang="it-IT" sz="3800" dirty="0"/>
+              <a:t>direttore d’orchestra del film </a:t>
+            </a:r>
+            <a:r>
+              <a:rPr lang="it-IT" sz="3800" b="1" dirty="0"/>
+              <a:t>IL CONCERTO</a:t>
+            </a:r>
+          </a:p>
+        </p:txBody>
+      </p:sp>
+      <p:sp>
+        <p:nvSpPr>
+          <p:cNvPr id="12" name="sketchy line">
+            <a:extLst>
+              <a:ext uri="{FF2B5EF4-FFF2-40B4-BE49-F238E27FC236}">
+                <a16:creationId xmlns:a16="http://schemas.microsoft.com/office/drawing/2014/main" id="{D4974D33-8DC5-464E-8C6D-BE58F0669C17}"/>
+              </a:ext>
+              <a:ext uri="{C183D7F6-B498-43B3-948B-1728B52AA6E4}">
+                <adec:decorative xmlns:adec="http://schemas.microsoft.com/office/drawing/2017/decorative" val="1"/>
+              </a:ext>
+            </a:extLst>
+          </p:cNvPr>
+          <p:cNvSpPr>
+            <a:spLocks noGrp="1" noRot="1" noChangeAspect="1" noMove="1" noResize="1" noEditPoints="1" noAdjustHandles="1" noChangeArrowheads="1" noChangeShapeType="1" noTextEdit="1"/>
+          </p:cNvSpPr>
+          <p:nvPr>
+            <p:extLst>
+              <p:ext uri="{386F3935-93C4-4BCD-93E2-E3B085C9AB24}">
+                <p16:designElem xmlns:p16="http://schemas.microsoft.com/office/powerpoint/2015/main" val="1"/>
+              </p:ext>
+            </p:extLst>
+          </p:nvPr>
+        </p:nvSpPr>
+        <p:spPr>
+          <a:xfrm>
+            <a:off x="640080" y="2586994"/>
+            <a:ext cx="3474720" cy="18288"/>
+          </a:xfrm>
+          <a:custGeom>
+            <a:avLst/>
+            <a:gdLst>
+              <a:gd name="connsiteX0" fmla="*/ 0 w 3474720"/>
+              <a:gd name="connsiteY0" fmla="*/ 0 h 18288"/>
+              <a:gd name="connsiteX1" fmla="*/ 694944 w 3474720"/>
+              <a:gd name="connsiteY1" fmla="*/ 0 h 18288"/>
+              <a:gd name="connsiteX2" fmla="*/ 1355141 w 3474720"/>
+              <a:gd name="connsiteY2" fmla="*/ 0 h 18288"/>
+              <a:gd name="connsiteX3" fmla="*/ 2015338 w 3474720"/>
+              <a:gd name="connsiteY3" fmla="*/ 0 h 18288"/>
+              <a:gd name="connsiteX4" fmla="*/ 2779776 w 3474720"/>
+              <a:gd name="connsiteY4" fmla="*/ 0 h 18288"/>
+              <a:gd name="connsiteX5" fmla="*/ 3474720 w 3474720"/>
+              <a:gd name="connsiteY5" fmla="*/ 0 h 18288"/>
+              <a:gd name="connsiteX6" fmla="*/ 3474720 w 3474720"/>
+              <a:gd name="connsiteY6" fmla="*/ 18288 h 18288"/>
+              <a:gd name="connsiteX7" fmla="*/ 2779776 w 3474720"/>
+              <a:gd name="connsiteY7" fmla="*/ 18288 h 18288"/>
+              <a:gd name="connsiteX8" fmla="*/ 2189074 w 3474720"/>
+              <a:gd name="connsiteY8" fmla="*/ 18288 h 18288"/>
+              <a:gd name="connsiteX9" fmla="*/ 1528877 w 3474720"/>
+              <a:gd name="connsiteY9" fmla="*/ 18288 h 18288"/>
+              <a:gd name="connsiteX10" fmla="*/ 868680 w 3474720"/>
+              <a:gd name="connsiteY10" fmla="*/ 18288 h 18288"/>
+              <a:gd name="connsiteX11" fmla="*/ 0 w 3474720"/>
+              <a:gd name="connsiteY11" fmla="*/ 18288 h 18288"/>
+              <a:gd name="connsiteX12" fmla="*/ 0 w 3474720"/>
+              <a:gd name="connsiteY12" fmla="*/ 0 h 18288"/>
+            </a:gdLst>
+            <a:ahLst/>
+            <a:cxnLst>
+              <a:cxn ang="0">
+                <a:pos x="connsiteX0" y="connsiteY0"/>
+              </a:cxn>
+              <a:cxn ang="0">
+                <a:pos x="connsiteX1" y="connsiteY1"/>
+              </a:cxn>
+              <a:cxn ang="0">
+                <a:pos x="connsiteX2" y="connsiteY2"/>
+              </a:cxn>
+              <a:cxn ang="0">
+                <a:pos x="connsiteX3" y="connsiteY3"/>
+              </a:cxn>
+              <a:cxn ang="0">
+                <a:pos x="connsiteX4" y="connsiteY4"/>
+              </a:cxn>
+              <a:cxn ang="0">
+                <a:pos x="connsiteX5" y="connsiteY5"/>
+              </a:cxn>
+              <a:cxn ang="0">
+                <a:pos x="connsiteX6" y="connsiteY6"/>
+              </a:cxn>
+              <a:cxn ang="0">
+                <a:pos x="connsiteX7" y="connsiteY7"/>
+              </a:cxn>
+              <a:cxn ang="0">
+                <a:pos x="connsiteX8" y="connsiteY8"/>
+              </a:cxn>
+              <a:cxn ang="0">
+                <a:pos x="connsiteX9" y="connsiteY9"/>
+              </a:cxn>
+              <a:cxn ang="0">
+                <a:pos x="connsiteX10" y="connsiteY10"/>
+              </a:cxn>
+              <a:cxn ang="0">
+                <a:pos x="connsiteX11" y="connsiteY11"/>
+              </a:cxn>
+              <a:cxn ang="0">
+                <a:pos x="connsiteX12" y="connsiteY12"/>
+              </a:cxn>
+            </a:cxnLst>
+            <a:rect l="l" t="t" r="r" b="b"/>
+            <a:pathLst>
+              <a:path w="3474720" h="18288" fill="none" extrusionOk="0">
+                <a:moveTo>
+                  <a:pt x="0" y="0"/>
+                </a:moveTo>
+                <a:cubicBezTo>
+                  <a:pt x="224454" y="-14544"/>
+                  <a:pt x="495407" y="26540"/>
+                  <a:pt x="694944" y="0"/>
+                </a:cubicBezTo>
+                <a:cubicBezTo>
+                  <a:pt x="894481" y="-26540"/>
+                  <a:pt x="1130063" y="24713"/>
+                  <a:pt x="1355141" y="0"/>
+                </a:cubicBezTo>
+                <a:cubicBezTo>
+                  <a:pt x="1580219" y="-24713"/>
+                  <a:pt x="1820099" y="26695"/>
+                  <a:pt x="2015338" y="0"/>
+                </a:cubicBezTo>
+                <a:cubicBezTo>
+                  <a:pt x="2210577" y="-26695"/>
+                  <a:pt x="2402045" y="165"/>
+                  <a:pt x="2779776" y="0"/>
+                </a:cubicBezTo>
+                <a:cubicBezTo>
+                  <a:pt x="3157507" y="-165"/>
+                  <a:pt x="3286859" y="-15571"/>
+                  <a:pt x="3474720" y="0"/>
+                </a:cubicBezTo>
+                <a:cubicBezTo>
+                  <a:pt x="3474286" y="7551"/>
+                  <a:pt x="3474253" y="9822"/>
+                  <a:pt x="3474720" y="18288"/>
+                </a:cubicBezTo>
+                <a:cubicBezTo>
+                  <a:pt x="3233904" y="29845"/>
+                  <a:pt x="2945134" y="-5256"/>
+                  <a:pt x="2779776" y="18288"/>
+                </a:cubicBezTo>
+                <a:cubicBezTo>
+                  <a:pt x="2614418" y="41832"/>
+                  <a:pt x="2339768" y="22709"/>
+                  <a:pt x="2189074" y="18288"/>
+                </a:cubicBezTo>
+                <a:cubicBezTo>
+                  <a:pt x="2038380" y="13867"/>
+                  <a:pt x="1817434" y="-4947"/>
+                  <a:pt x="1528877" y="18288"/>
+                </a:cubicBezTo>
+                <a:cubicBezTo>
+                  <a:pt x="1240320" y="41523"/>
+                  <a:pt x="1042447" y="37198"/>
+                  <a:pt x="868680" y="18288"/>
+                </a:cubicBezTo>
+                <a:cubicBezTo>
+                  <a:pt x="694913" y="-622"/>
+                  <a:pt x="233232" y="44909"/>
+                  <a:pt x="0" y="18288"/>
+                </a:cubicBezTo>
+                <a:cubicBezTo>
+                  <a:pt x="60" y="11696"/>
+                  <a:pt x="66" y="3758"/>
+                  <a:pt x="0" y="0"/>
+                </a:cubicBezTo>
+                <a:close/>
+              </a:path>
+              <a:path w="3474720" h="18288" stroke="0" extrusionOk="0">
+                <a:moveTo>
+                  <a:pt x="0" y="0"/>
+                </a:moveTo>
+                <a:cubicBezTo>
+                  <a:pt x="202328" y="-14716"/>
+                  <a:pt x="332722" y="-11499"/>
+                  <a:pt x="625450" y="0"/>
+                </a:cubicBezTo>
+                <a:cubicBezTo>
+                  <a:pt x="918178" y="11499"/>
+                  <a:pt x="1096688" y="5123"/>
+                  <a:pt x="1389888" y="0"/>
+                </a:cubicBezTo>
+                <a:cubicBezTo>
+                  <a:pt x="1683088" y="-5123"/>
+                  <a:pt x="1835981" y="-14038"/>
+                  <a:pt x="1980590" y="0"/>
+                </a:cubicBezTo>
+                <a:cubicBezTo>
+                  <a:pt x="2125199" y="14038"/>
+                  <a:pt x="2396099" y="-7203"/>
+                  <a:pt x="2571293" y="0"/>
+                </a:cubicBezTo>
+                <a:cubicBezTo>
+                  <a:pt x="2746487" y="7203"/>
+                  <a:pt x="3041609" y="-12036"/>
+                  <a:pt x="3474720" y="0"/>
+                </a:cubicBezTo>
+                <a:cubicBezTo>
+                  <a:pt x="3474638" y="4406"/>
+                  <a:pt x="3474631" y="9982"/>
+                  <a:pt x="3474720" y="18288"/>
+                </a:cubicBezTo>
+                <a:cubicBezTo>
+                  <a:pt x="3324873" y="21876"/>
+                  <a:pt x="3136771" y="12587"/>
+                  <a:pt x="2814523" y="18288"/>
+                </a:cubicBezTo>
+                <a:cubicBezTo>
+                  <a:pt x="2492275" y="23989"/>
+                  <a:pt x="2294402" y="47111"/>
+                  <a:pt x="2154326" y="18288"/>
+                </a:cubicBezTo>
+                <a:cubicBezTo>
+                  <a:pt x="2014250" y="-10535"/>
+                  <a:pt x="1820317" y="33903"/>
+                  <a:pt x="1494130" y="18288"/>
+                </a:cubicBezTo>
+                <a:cubicBezTo>
+                  <a:pt x="1167943" y="2673"/>
+                  <a:pt x="948432" y="14868"/>
+                  <a:pt x="729691" y="18288"/>
+                </a:cubicBezTo>
+                <a:cubicBezTo>
+                  <a:pt x="510950" y="21708"/>
+                  <a:pt x="264032" y="24354"/>
+                  <a:pt x="0" y="18288"/>
+                </a:cubicBezTo>
+                <a:cubicBezTo>
+                  <a:pt x="189" y="14288"/>
+                  <a:pt x="-703" y="3747"/>
+                  <a:pt x="0" y="0"/>
+                </a:cubicBezTo>
+                <a:close/>
+              </a:path>
+            </a:pathLst>
+          </a:custGeom>
+          <a:solidFill>
+            <a:schemeClr val="accent2"/>
+          </a:solidFill>
+          <a:ln w="44450" cap="rnd">
+            <a:solidFill>
+              <a:schemeClr val="accent2"/>
+            </a:solidFill>
+            <a:round/>
+            <a:extLst>
+              <a:ext uri="{C807C97D-BFC1-408E-A445-0C87EB9F89A2}">
+                <ask:lineSketchStyleProps xmlns:ask="http://schemas.microsoft.com/office/drawing/2018/sketchyshapes" sd="2863741219">
+                  <a:prstGeom prst="rect">
+                    <a:avLst/>
+                  </a:prstGeom>
+                  <ask:type>
+                    <ask:lineSketchFreehand/>
+                  </ask:type>
+                </ask:lineSketchStyleProps>
+              </a:ext>
+            </a:extLst>
+          </a:ln>
+        </p:spPr>
+        <p:style>
+          <a:lnRef idx="2">
+            <a:schemeClr val="accent1">
+              <a:shade val="50000"/>
+            </a:schemeClr>
+          </a:lnRef>
+          <a:fillRef idx="1">
+            <a:schemeClr val="accent1"/>
+          </a:fillRef>
+          <a:effectRef idx="0">
+            <a:schemeClr val="accent1"/>
+          </a:effectRef>
+          <a:fontRef idx="minor">
+            <a:schemeClr val="lt1"/>
+          </a:fontRef>
+        </p:style>
+        <p:txBody>
+          <a:bodyPr rtlCol="0" anchor="ctr"/>
+          <a:lstStyle/>
+          <a:p>
+            <a:pPr algn="ctr"/>
+            <a:endParaRPr lang="en-US"/>
+          </a:p>
+        </p:txBody>
+      </p:sp>
+      <p:sp>
+        <p:nvSpPr>
+          <p:cNvPr id="3" name="Segnaposto contenuto 2">
+            <a:extLst>
+              <a:ext uri="{FF2B5EF4-FFF2-40B4-BE49-F238E27FC236}">
+                <a16:creationId xmlns:a16="http://schemas.microsoft.com/office/drawing/2014/main" id="{12E099BD-9E0F-4369-B671-994C8F7862E1}"/>
+              </a:ext>
+            </a:extLst>
+          </p:cNvPr>
+          <p:cNvSpPr>
+            <a:spLocks noGrp="1"/>
+          </p:cNvSpPr>
+          <p:nvPr>
+            <p:ph idx="1"/>
+          </p:nvPr>
+        </p:nvSpPr>
+        <p:spPr>
+          <a:xfrm>
+            <a:off x="534057" y="3263192"/>
+            <a:ext cx="4243589" cy="3320668"/>
+          </a:xfrm>
+        </p:spPr>
+        <p:txBody>
+          <a:bodyPr>
+            <a:normAutofit/>
+          </a:bodyPr>
+          <a:lstStyle/>
+          <a:p>
+            <a:r>
+              <a:rPr lang="it-IT" dirty="0"/>
+              <a:t>Per averci fatto capire che, anche se le persone cercano di infrangerli, noi dobbiamo continuare a tentare di realizzare i nostri sogni.</a:t>
+            </a:r>
+          </a:p>
+        </p:txBody>
+      </p:sp>
+      <p:pic>
+        <p:nvPicPr>
+          <p:cNvPr id="5" name="Immagine 4" descr="Immagine che contiene persona, uomo, tuta, cravatta&#10;&#10;Descrizione generata automaticamente">
+            <a:extLst>
+              <a:ext uri="{FF2B5EF4-FFF2-40B4-BE49-F238E27FC236}">
+                <a16:creationId xmlns:a16="http://schemas.microsoft.com/office/drawing/2014/main" id="{F7365D21-6638-413F-9F67-2C6F86525CF6}"/>
+              </a:ext>
+            </a:extLst>
+          </p:cNvPr>
+          <p:cNvPicPr>
+            <a:picLocks noChangeAspect="1"/>
+          </p:cNvPicPr>
+          <p:nvPr/>
+        </p:nvPicPr>
+        <p:blipFill rotWithShape="1">
+          <a:blip r:embed="rId2">
+            <a:extLst>
+              <a:ext uri="{28A0092B-C50C-407E-A947-70E740481C1C}">
+                <a14:useLocalDpi xmlns:a14="http://schemas.microsoft.com/office/drawing/2010/main" val="0"/>
+              </a:ext>
+            </a:extLst>
+          </a:blip>
+          <a:srcRect l="34852" r="8728"/>
+          <a:stretch/>
+        </p:blipFill>
+        <p:spPr>
+          <a:xfrm>
+            <a:off x="5311702" y="10"/>
+            <a:ext cx="6878775" cy="6857990"/>
+          </a:xfrm>
+          <a:custGeom>
+            <a:avLst/>
+            <a:gdLst/>
+            <a:ahLst/>
+            <a:cxnLst/>
+            <a:rect l="l" t="t" r="r" b="b"/>
+            <a:pathLst>
+              <a:path w="6878775" h="6858000">
+                <a:moveTo>
+                  <a:pt x="1102973" y="0"/>
+                </a:moveTo>
+                <a:lnTo>
+                  <a:pt x="1160688" y="0"/>
+                </a:lnTo>
+                <a:lnTo>
+                  <a:pt x="983189" y="331786"/>
+                </a:lnTo>
+                <a:cubicBezTo>
+                  <a:pt x="914866" y="469145"/>
+                  <a:pt x="850355" y="608712"/>
+                  <a:pt x="789261" y="750263"/>
+                </a:cubicBezTo>
+                <a:cubicBezTo>
+                  <a:pt x="774307" y="784928"/>
+                  <a:pt x="759992" y="819849"/>
+                  <a:pt x="745295" y="854514"/>
+                </a:cubicBezTo>
+                <a:cubicBezTo>
+                  <a:pt x="756682" y="845393"/>
+                  <a:pt x="765489" y="833492"/>
+                  <a:pt x="770857" y="819975"/>
+                </a:cubicBezTo>
+                <a:cubicBezTo>
+                  <a:pt x="879943" y="589569"/>
+                  <a:pt x="999605" y="365513"/>
+                  <a:pt x="1131329" y="148742"/>
+                </a:cubicBezTo>
+                <a:lnTo>
+                  <a:pt x="1227589" y="0"/>
+                </a:lnTo>
+                <a:lnTo>
+                  <a:pt x="6878775" y="0"/>
+                </a:lnTo>
+                <a:lnTo>
+                  <a:pt x="6878775" y="6858000"/>
+                </a:lnTo>
+                <a:lnTo>
+                  <a:pt x="713521" y="6858000"/>
+                </a:lnTo>
+                <a:lnTo>
+                  <a:pt x="625642" y="6670527"/>
+                </a:lnTo>
+                <a:cubicBezTo>
+                  <a:pt x="507232" y="6398531"/>
+                  <a:pt x="403083" y="6118381"/>
+                  <a:pt x="312785" y="5830359"/>
+                </a:cubicBezTo>
+                <a:cubicBezTo>
+                  <a:pt x="278149" y="5719759"/>
+                  <a:pt x="248879" y="5607635"/>
+                  <a:pt x="212198" y="5480401"/>
+                </a:cubicBezTo>
+                <a:cubicBezTo>
+                  <a:pt x="212208" y="5491601"/>
+                  <a:pt x="212803" y="5502788"/>
+                  <a:pt x="213988" y="5513923"/>
+                </a:cubicBezTo>
+                <a:cubicBezTo>
+                  <a:pt x="264089" y="5723695"/>
+                  <a:pt x="307290" y="5935370"/>
+                  <a:pt x="365826" y="6142729"/>
+                </a:cubicBezTo>
+                <a:cubicBezTo>
+                  <a:pt x="433152" y="6380817"/>
+                  <a:pt x="510068" y="6614016"/>
+                  <a:pt x="597975" y="6841549"/>
+                </a:cubicBezTo>
+                <a:lnTo>
+                  <a:pt x="604824" y="6858000"/>
+                </a:lnTo>
+                <a:lnTo>
+                  <a:pt x="552056" y="6858000"/>
+                </a:lnTo>
+                <a:lnTo>
+                  <a:pt x="539576" y="6828295"/>
+                </a:lnTo>
+                <a:cubicBezTo>
+                  <a:pt x="380597" y="6414594"/>
+                  <a:pt x="260223" y="5988893"/>
+                  <a:pt x="171555" y="5552906"/>
+                </a:cubicBezTo>
+                <a:cubicBezTo>
+                  <a:pt x="91163" y="5157998"/>
+                  <a:pt x="43746" y="4758899"/>
+                  <a:pt x="12305" y="4357388"/>
+                </a:cubicBezTo>
+                <a:cubicBezTo>
+                  <a:pt x="-14281" y="4013908"/>
+                  <a:pt x="4507" y="3672965"/>
+                  <a:pt x="46684" y="3331516"/>
+                </a:cubicBezTo>
+                <a:cubicBezTo>
+                  <a:pt x="127203" y="2664286"/>
+                  <a:pt x="277819" y="2007265"/>
+                  <a:pt x="496065" y="1371196"/>
+                </a:cubicBezTo>
+                <a:cubicBezTo>
+                  <a:pt x="636273" y="966066"/>
+                  <a:pt x="800445" y="573253"/>
+                  <a:pt x="995723" y="196614"/>
+                </a:cubicBezTo>
+                <a:close/>
+              </a:path>
+            </a:pathLst>
+          </a:custGeom>
+        </p:spPr>
+      </p:pic>
+    </p:spTree>
+    <p:extLst>
+      <p:ext uri="{BB962C8B-B14F-4D97-AF65-F5344CB8AC3E}">
+        <p14:creationId xmlns:p14="http://schemas.microsoft.com/office/powerpoint/2010/main" val="1280545292"/>
       </p:ext>
     </p:extLst>
   </p:cSld>
@@ -3489,9 +8404,1219 @@
 </p:sld>
 </file>
 
-<file path=ppt/slides/slide11.xml><?xml version="1.0" encoding="utf-8"?>
+<file path=ppt/slides/slide7.xml><?xml version="1.0" encoding="utf-8"?>
 <p:sld xmlns:a="http://schemas.openxmlformats.org/drawingml/2006/main" xmlns:r="http://schemas.openxmlformats.org/officeDocument/2006/relationships" xmlns:p="http://schemas.openxmlformats.org/presentationml/2006/main">
   <p:cSld>
+    <p:bg>
+      <p:bgPr>
+        <a:solidFill>
+          <a:schemeClr val="bg1">
+            <a:tint val="95000"/>
+            <a:satMod val="170000"/>
+          </a:schemeClr>
+        </a:solidFill>
+        <a:effectLst/>
+      </p:bgPr>
+    </p:bg>
+    <p:spTree>
+      <p:nvGrpSpPr>
+        <p:cNvPr id="1" name=""/>
+        <p:cNvGrpSpPr/>
+        <p:nvPr/>
+      </p:nvGrpSpPr>
+      <p:grpSpPr>
+        <a:xfrm>
+          <a:off x="0" y="0"/>
+          <a:ext cx="0" cy="0"/>
+          <a:chOff x="0" y="0"/>
+          <a:chExt cx="0" cy="0"/>
+        </a:xfrm>
+      </p:grpSpPr>
+      <p:pic>
+        <p:nvPicPr>
+          <p:cNvPr id="5" name="Immagine 4" descr="Immagine che contiene persona, interni, sedendo, persone&#10;&#10;Descrizione generata automaticamente">
+            <a:extLst>
+              <a:ext uri="{FF2B5EF4-FFF2-40B4-BE49-F238E27FC236}">
+                <a16:creationId xmlns:a16="http://schemas.microsoft.com/office/drawing/2014/main" id="{2A168398-03AE-41A0-AF94-8FEEA9BCDFC8}"/>
+              </a:ext>
+            </a:extLst>
+          </p:cNvPr>
+          <p:cNvPicPr>
+            <a:picLocks noChangeAspect="1"/>
+          </p:cNvPicPr>
+          <p:nvPr/>
+        </p:nvPicPr>
+        <p:blipFill rotWithShape="1">
+          <a:blip r:embed="rId2">
+            <a:extLst>
+              <a:ext uri="{28A0092B-C50C-407E-A947-70E740481C1C}">
+                <a14:useLocalDpi xmlns:a14="http://schemas.microsoft.com/office/drawing/2010/main" val="0"/>
+              </a:ext>
+            </a:extLst>
+          </a:blip>
+          <a:srcRect l="24158" r="7613" b="-1"/>
+          <a:stretch/>
+        </p:blipFill>
+        <p:spPr>
+          <a:xfrm>
+            <a:off x="20" y="10"/>
+            <a:ext cx="7009876" cy="6857990"/>
+          </a:xfrm>
+          <a:custGeom>
+            <a:avLst/>
+            <a:gdLst/>
+            <a:ahLst/>
+            <a:cxnLst/>
+            <a:rect l="l" t="t" r="r" b="b"/>
+            <a:pathLst>
+              <a:path w="7009896" h="6858000">
+                <a:moveTo>
+                  <a:pt x="0" y="0"/>
+                </a:moveTo>
+                <a:lnTo>
+                  <a:pt x="7009896" y="0"/>
+                </a:lnTo>
+                <a:lnTo>
+                  <a:pt x="7009896" y="1"/>
+                </a:lnTo>
+                <a:lnTo>
+                  <a:pt x="6295211" y="1"/>
+                </a:lnTo>
+                <a:lnTo>
+                  <a:pt x="6195255" y="380651"/>
+                </a:lnTo>
+                <a:cubicBezTo>
+                  <a:pt x="5677600" y="2559611"/>
+                  <a:pt x="5966601" y="4758249"/>
+                  <a:pt x="6880029" y="6647018"/>
+                </a:cubicBezTo>
+                <a:lnTo>
+                  <a:pt x="6988280" y="6858000"/>
+                </a:lnTo>
+                <a:lnTo>
+                  <a:pt x="0" y="6858000"/>
+                </a:lnTo>
+                <a:close/>
+              </a:path>
+            </a:pathLst>
+          </a:custGeom>
+        </p:spPr>
+      </p:pic>
+      <p:sp>
+        <p:nvSpPr>
+          <p:cNvPr id="23" name="Freeform: Shape 19">
+            <a:extLst>
+              <a:ext uri="{FF2B5EF4-FFF2-40B4-BE49-F238E27FC236}">
+                <a16:creationId xmlns:a16="http://schemas.microsoft.com/office/drawing/2014/main" id="{5FDF4720-5445-47BE-89FE-E40D1AE6F619}"/>
+              </a:ext>
+              <a:ext uri="{C183D7F6-B498-43B3-948B-1728B52AA6E4}">
+                <adec:decorative xmlns:adec="http://schemas.microsoft.com/office/drawing/2017/decorative" val="1"/>
+              </a:ext>
+            </a:extLst>
+          </p:cNvPr>
+          <p:cNvSpPr>
+            <a:spLocks noGrp="1" noRot="1" noChangeAspect="1" noMove="1" noResize="1" noEditPoints="1" noAdjustHandles="1" noChangeArrowheads="1" noChangeShapeType="1" noTextEdit="1"/>
+          </p:cNvSpPr>
+          <p:nvPr>
+            <p:extLst>
+              <p:ext uri="{386F3935-93C4-4BCD-93E2-E3B085C9AB24}">
+                <p16:designElem xmlns:p16="http://schemas.microsoft.com/office/powerpoint/2015/main" val="1"/>
+              </p:ext>
+            </p:extLst>
+          </p:nvPr>
+        </p:nvSpPr>
+        <p:spPr>
+          <a:xfrm flipH="1">
+            <a:off x="5711927" y="-1"/>
+            <a:ext cx="6480073" cy="6858002"/>
+          </a:xfrm>
+          <a:custGeom>
+            <a:avLst/>
+            <a:gdLst>
+              <a:gd name="connsiteX0" fmla="*/ 6130244 w 6480073"/>
+              <a:gd name="connsiteY0" fmla="*/ 0 h 6858002"/>
+              <a:gd name="connsiteX1" fmla="*/ 6212951 w 6480073"/>
+              <a:gd name="connsiteY1" fmla="*/ 314584 h 6858002"/>
+              <a:gd name="connsiteX2" fmla="*/ 5540779 w 6480073"/>
+              <a:gd name="connsiteY2" fmla="*/ 6756649 h 6858002"/>
+              <a:gd name="connsiteX3" fmla="*/ 5489971 w 6480073"/>
+              <a:gd name="connsiteY3" fmla="*/ 6858002 h 6858002"/>
+              <a:gd name="connsiteX4" fmla="*/ 0 w 6480073"/>
+              <a:gd name="connsiteY4" fmla="*/ 6858002 h 6858002"/>
+              <a:gd name="connsiteX5" fmla="*/ 0 w 6480073"/>
+              <a:gd name="connsiteY5" fmla="*/ 0 h 6858002"/>
+            </a:gdLst>
+            <a:ahLst/>
+            <a:cxnLst>
+              <a:cxn ang="0">
+                <a:pos x="connsiteX0" y="connsiteY0"/>
+              </a:cxn>
+              <a:cxn ang="0">
+                <a:pos x="connsiteX1" y="connsiteY1"/>
+              </a:cxn>
+              <a:cxn ang="0">
+                <a:pos x="connsiteX2" y="connsiteY2"/>
+              </a:cxn>
+              <a:cxn ang="0">
+                <a:pos x="connsiteX3" y="connsiteY3"/>
+              </a:cxn>
+              <a:cxn ang="0">
+                <a:pos x="connsiteX4" y="connsiteY4"/>
+              </a:cxn>
+              <a:cxn ang="0">
+                <a:pos x="connsiteX5" y="connsiteY5"/>
+              </a:cxn>
+            </a:cxnLst>
+            <a:rect l="l" t="t" r="r" b="b"/>
+            <a:pathLst>
+              <a:path w="6480073" h="6858002">
+                <a:moveTo>
+                  <a:pt x="6130244" y="0"/>
+                </a:moveTo>
+                <a:lnTo>
+                  <a:pt x="6212951" y="314584"/>
+                </a:lnTo>
+                <a:cubicBezTo>
+                  <a:pt x="6745828" y="2551616"/>
+                  <a:pt x="6460994" y="4808873"/>
+                  <a:pt x="5540779" y="6756649"/>
+                </a:cubicBezTo>
+                <a:lnTo>
+                  <a:pt x="5489971" y="6858002"/>
+                </a:lnTo>
+                <a:lnTo>
+                  <a:pt x="0" y="6858002"/>
+                </a:lnTo>
+                <a:lnTo>
+                  <a:pt x="0" y="0"/>
+                </a:lnTo>
+                <a:close/>
+              </a:path>
+            </a:pathLst>
+          </a:custGeom>
+          <a:solidFill>
+            <a:schemeClr val="tx1">
+              <a:alpha val="80000"/>
+            </a:schemeClr>
+          </a:solidFill>
+          <a:ln>
+            <a:noFill/>
+          </a:ln>
+        </p:spPr>
+        <p:style>
+          <a:lnRef idx="2">
+            <a:schemeClr val="accent1">
+              <a:shade val="50000"/>
+            </a:schemeClr>
+          </a:lnRef>
+          <a:fillRef idx="1">
+            <a:schemeClr val="accent1"/>
+          </a:fillRef>
+          <a:effectRef idx="0">
+            <a:schemeClr val="accent1"/>
+          </a:effectRef>
+          <a:fontRef idx="minor">
+            <a:schemeClr val="lt1"/>
+          </a:fontRef>
+        </p:style>
+        <p:txBody>
+          <a:bodyPr wrap="square" rtlCol="0" anchor="ctr">
+            <a:noAutofit/>
+          </a:bodyPr>
+          <a:lstStyle/>
+          <a:p>
+            <a:pPr algn="ctr"/>
+            <a:endParaRPr lang="en-US"/>
+          </a:p>
+        </p:txBody>
+      </p:sp>
+      <p:sp useBgFill="1">
+        <p:nvSpPr>
+          <p:cNvPr id="22" name="Freeform: Shape 21">
+            <a:extLst>
+              <a:ext uri="{FF2B5EF4-FFF2-40B4-BE49-F238E27FC236}">
+                <a16:creationId xmlns:a16="http://schemas.microsoft.com/office/drawing/2014/main" id="{AC8710B4-A815-4082-9E4F-F13A0007090C}"/>
+              </a:ext>
+              <a:ext uri="{C183D7F6-B498-43B3-948B-1728B52AA6E4}">
+                <adec:decorative xmlns:adec="http://schemas.microsoft.com/office/drawing/2017/decorative" val="1"/>
+              </a:ext>
+            </a:extLst>
+          </p:cNvPr>
+          <p:cNvSpPr>
+            <a:spLocks noGrp="1" noRot="1" noChangeAspect="1" noMove="1" noResize="1" noEditPoints="1" noAdjustHandles="1" noChangeArrowheads="1" noChangeShapeType="1" noTextEdit="1"/>
+          </p:cNvSpPr>
+          <p:nvPr>
+            <p:extLst>
+              <p:ext uri="{386F3935-93C4-4BCD-93E2-E3B085C9AB24}">
+                <p16:designElem xmlns:p16="http://schemas.microsoft.com/office/powerpoint/2015/main" val="1"/>
+              </p:ext>
+            </p:extLst>
+          </p:nvPr>
+        </p:nvSpPr>
+        <p:spPr>
+          <a:xfrm flipH="1">
+            <a:off x="5942784" y="0"/>
+            <a:ext cx="6249216" cy="6858001"/>
+          </a:xfrm>
+          <a:custGeom>
+            <a:avLst/>
+            <a:gdLst>
+              <a:gd name="connsiteX0" fmla="*/ 0 w 6249216"/>
+              <a:gd name="connsiteY0" fmla="*/ 0 h 6858001"/>
+              <a:gd name="connsiteX1" fmla="*/ 5893742 w 6249216"/>
+              <a:gd name="connsiteY1" fmla="*/ 1 h 6858001"/>
+              <a:gd name="connsiteX2" fmla="*/ 5993697 w 6249216"/>
+              <a:gd name="connsiteY2" fmla="*/ 380651 h 6858001"/>
+              <a:gd name="connsiteX3" fmla="*/ 5308924 w 6249216"/>
+              <a:gd name="connsiteY3" fmla="*/ 6647018 h 6858001"/>
+              <a:gd name="connsiteX4" fmla="*/ 5200672 w 6249216"/>
+              <a:gd name="connsiteY4" fmla="*/ 6858001 h 6858001"/>
+              <a:gd name="connsiteX5" fmla="*/ 1 w 6249216"/>
+              <a:gd name="connsiteY5" fmla="*/ 6858001 h 6858001"/>
+            </a:gdLst>
+            <a:ahLst/>
+            <a:cxnLst>
+              <a:cxn ang="0">
+                <a:pos x="connsiteX0" y="connsiteY0"/>
+              </a:cxn>
+              <a:cxn ang="0">
+                <a:pos x="connsiteX1" y="connsiteY1"/>
+              </a:cxn>
+              <a:cxn ang="0">
+                <a:pos x="connsiteX2" y="connsiteY2"/>
+              </a:cxn>
+              <a:cxn ang="0">
+                <a:pos x="connsiteX3" y="connsiteY3"/>
+              </a:cxn>
+              <a:cxn ang="0">
+                <a:pos x="connsiteX4" y="connsiteY4"/>
+              </a:cxn>
+              <a:cxn ang="0">
+                <a:pos x="connsiteX5" y="connsiteY5"/>
+              </a:cxn>
+            </a:cxnLst>
+            <a:rect l="l" t="t" r="r" b="b"/>
+            <a:pathLst>
+              <a:path w="6249216" h="6858001">
+                <a:moveTo>
+                  <a:pt x="0" y="0"/>
+                </a:moveTo>
+                <a:lnTo>
+                  <a:pt x="5893742" y="1"/>
+                </a:lnTo>
+                <a:lnTo>
+                  <a:pt x="5993697" y="380651"/>
+                </a:lnTo>
+                <a:cubicBezTo>
+                  <a:pt x="6511353" y="2559611"/>
+                  <a:pt x="6222352" y="4758249"/>
+                  <a:pt x="5308924" y="6647018"/>
+                </a:cubicBezTo>
+                <a:lnTo>
+                  <a:pt x="5200672" y="6858001"/>
+                </a:lnTo>
+                <a:lnTo>
+                  <a:pt x="1" y="6858001"/>
+                </a:lnTo>
+                <a:close/>
+              </a:path>
+            </a:pathLst>
+          </a:custGeom>
+          <a:ln>
+            <a:noFill/>
+          </a:ln>
+        </p:spPr>
+        <p:style>
+          <a:lnRef idx="2">
+            <a:schemeClr val="accent1">
+              <a:shade val="50000"/>
+            </a:schemeClr>
+          </a:lnRef>
+          <a:fillRef idx="1">
+            <a:schemeClr val="accent1"/>
+          </a:fillRef>
+          <a:effectRef idx="0">
+            <a:schemeClr val="accent1"/>
+          </a:effectRef>
+          <a:fontRef idx="minor">
+            <a:schemeClr val="lt1"/>
+          </a:fontRef>
+        </p:style>
+        <p:txBody>
+          <a:bodyPr wrap="square" rtlCol="0" anchor="ctr">
+            <a:noAutofit/>
+          </a:bodyPr>
+          <a:lstStyle/>
+          <a:p>
+            <a:pPr algn="ctr"/>
+            <a:endParaRPr lang="en-US"/>
+          </a:p>
+        </p:txBody>
+      </p:sp>
+      <p:sp>
+        <p:nvSpPr>
+          <p:cNvPr id="2" name="Titolo 1">
+            <a:extLst>
+              <a:ext uri="{FF2B5EF4-FFF2-40B4-BE49-F238E27FC236}">
+                <a16:creationId xmlns:a16="http://schemas.microsoft.com/office/drawing/2014/main" id="{DCABBF68-F2E9-4F0D-A417-8346B8481C99}"/>
+              </a:ext>
+            </a:extLst>
+          </p:cNvPr>
+          <p:cNvSpPr>
+            <a:spLocks noGrp="1"/>
+          </p:cNvSpPr>
+          <p:nvPr>
+            <p:ph type="title"/>
+          </p:nvPr>
+        </p:nvSpPr>
+        <p:spPr>
+          <a:xfrm>
+            <a:off x="6455664" y="1396289"/>
+            <a:ext cx="5394960" cy="1325563"/>
+          </a:xfrm>
+        </p:spPr>
+        <p:txBody>
+          <a:bodyPr>
+            <a:noAutofit/>
+          </a:bodyPr>
+          <a:lstStyle/>
+          <a:p>
+            <a:r>
+              <a:rPr lang="it-IT" sz="3800" dirty="0"/>
+              <a:t>Il 5° oscar va a: </a:t>
+            </a:r>
+            <a:r>
+              <a:rPr lang="it-IT" sz="3800" b="1" dirty="0">
+                <a:solidFill>
+                  <a:schemeClr val="accent2">
+                    <a:lumMod val="75000"/>
+                  </a:schemeClr>
+                </a:solidFill>
+                <a:effectLst>
+                  <a:outerShdw blurRad="38100" dist="38100" dir="2700000" algn="tl">
+                    <a:srgbClr val="000000">
+                      <a:alpha val="43137"/>
+                    </a:srgbClr>
+                  </a:outerShdw>
+                </a:effectLst>
+              </a:rPr>
+              <a:t>Mary</a:t>
+            </a:r>
+            <a:br>
+              <a:rPr lang="it-IT" sz="3800" b="1" dirty="0">
+                <a:solidFill>
+                  <a:schemeClr val="accent2">
+                    <a:lumMod val="75000"/>
+                  </a:schemeClr>
+                </a:solidFill>
+                <a:effectLst>
+                  <a:outerShdw blurRad="38100" dist="38100" dir="2700000" algn="tl">
+                    <a:srgbClr val="000000">
+                      <a:alpha val="43137"/>
+                    </a:srgbClr>
+                  </a:outerShdw>
+                </a:effectLst>
+              </a:rPr>
+            </a:br>
+            <a:r>
+              <a:rPr lang="it-IT" sz="3800" dirty="0"/>
+              <a:t>co-protagonista del film </a:t>
+            </a:r>
+            <a:br>
+              <a:rPr lang="it-IT" sz="3800" dirty="0"/>
+            </a:br>
+            <a:r>
+              <a:rPr lang="it-IT" sz="3800" b="1" dirty="0"/>
+              <a:t>IL DIRITTO DI CONTARE</a:t>
+            </a:r>
+          </a:p>
+        </p:txBody>
+      </p:sp>
+      <p:sp>
+        <p:nvSpPr>
+          <p:cNvPr id="3" name="Segnaposto contenuto 2">
+            <a:extLst>
+              <a:ext uri="{FF2B5EF4-FFF2-40B4-BE49-F238E27FC236}">
+                <a16:creationId xmlns:a16="http://schemas.microsoft.com/office/drawing/2014/main" id="{F307E133-017C-4D7A-B436-00A4849A0C36}"/>
+              </a:ext>
+            </a:extLst>
+          </p:cNvPr>
+          <p:cNvSpPr>
+            <a:spLocks noGrp="1"/>
+          </p:cNvSpPr>
+          <p:nvPr>
+            <p:ph idx="1"/>
+          </p:nvPr>
+        </p:nvSpPr>
+        <p:spPr>
+          <a:xfrm>
+            <a:off x="6657416" y="3310894"/>
+            <a:ext cx="4819951" cy="3181684"/>
+          </a:xfrm>
+        </p:spPr>
+        <p:txBody>
+          <a:bodyPr anchor="t">
+            <a:normAutofit/>
+          </a:bodyPr>
+          <a:lstStyle/>
+          <a:p>
+            <a:r>
+              <a:rPr lang="it-IT" dirty="0"/>
+              <a:t>Per averci dimostrato che possiamo riuscire a non arrenderci e che dobbiamo  studiare e impegnarci per poter fare il lavoro che ci piace</a:t>
+            </a:r>
+            <a:r>
+              <a:rPr lang="it-IT" sz="1800" dirty="0"/>
+              <a:t>.</a:t>
+            </a:r>
+          </a:p>
+        </p:txBody>
+      </p:sp>
+    </p:spTree>
+    <p:extLst>
+      <p:ext uri="{BB962C8B-B14F-4D97-AF65-F5344CB8AC3E}">
+        <p14:creationId xmlns:p14="http://schemas.microsoft.com/office/powerpoint/2010/main" val="2053859617"/>
+      </p:ext>
+    </p:extLst>
+  </p:cSld>
+  <p:clrMapOvr>
+    <a:overrideClrMapping bg1="dk1" tx1="lt1" bg2="dk2" tx2="lt2" accent1="accent1" accent2="accent2" accent3="accent3" accent4="accent4" accent5="accent5" accent6="accent6" hlink="hlink" folHlink="folHlink"/>
+  </p:clrMapOvr>
+</p:sld>
+</file>
+
+<file path=ppt/slides/slide8.xml><?xml version="1.0" encoding="utf-8"?>
+<p:sld xmlns:a="http://schemas.openxmlformats.org/drawingml/2006/main" xmlns:r="http://schemas.openxmlformats.org/officeDocument/2006/relationships" xmlns:p="http://schemas.openxmlformats.org/presentationml/2006/main">
+  <p:cSld>
+    <p:bg>
+      <p:bgPr>
+        <a:solidFill>
+          <a:schemeClr val="bg1"/>
+        </a:solidFill>
+        <a:effectLst/>
+      </p:bgPr>
+    </p:bg>
+    <p:spTree>
+      <p:nvGrpSpPr>
+        <p:cNvPr id="1" name=""/>
+        <p:cNvGrpSpPr/>
+        <p:nvPr/>
+      </p:nvGrpSpPr>
+      <p:grpSpPr>
+        <a:xfrm>
+          <a:off x="0" y="0"/>
+          <a:ext cx="0" cy="0"/>
+          <a:chOff x="0" y="0"/>
+          <a:chExt cx="0" cy="0"/>
+        </a:xfrm>
+      </p:grpSpPr>
+      <p:sp useBgFill="1">
+        <p:nvSpPr>
+          <p:cNvPr id="39" name="Rectangle 38">
+            <a:extLst>
+              <a:ext uri="{FF2B5EF4-FFF2-40B4-BE49-F238E27FC236}">
+                <a16:creationId xmlns:a16="http://schemas.microsoft.com/office/drawing/2014/main" id="{F13C74B1-5B17-4795-BED0-7140497B445A}"/>
+              </a:ext>
+              <a:ext uri="{C183D7F6-B498-43B3-948B-1728B52AA6E4}">
+                <adec:decorative xmlns:adec="http://schemas.microsoft.com/office/drawing/2017/decorative" val="1"/>
+              </a:ext>
+            </a:extLst>
+          </p:cNvPr>
+          <p:cNvSpPr>
+            <a:spLocks noGrp="1" noRot="1" noChangeAspect="1" noMove="1" noResize="1" noEditPoints="1" noAdjustHandles="1" noChangeArrowheads="1" noChangeShapeType="1" noTextEdit="1"/>
+          </p:cNvSpPr>
+          <p:nvPr>
+            <p:extLst>
+              <p:ext uri="{386F3935-93C4-4BCD-93E2-E3B085C9AB24}">
+                <p16:designElem xmlns:p16="http://schemas.microsoft.com/office/powerpoint/2015/main" val="1"/>
+              </p:ext>
+            </p:extLst>
+          </p:nvPr>
+        </p:nvSpPr>
+        <p:spPr>
+          <a:xfrm>
+            <a:off x="0" y="0"/>
+            <a:ext cx="12188952" cy="6858000"/>
+          </a:xfrm>
+          <a:prstGeom prst="rect">
+            <a:avLst/>
+          </a:prstGeom>
+          <a:ln>
+            <a:noFill/>
+          </a:ln>
+        </p:spPr>
+        <p:style>
+          <a:lnRef idx="2">
+            <a:schemeClr val="accent1">
+              <a:shade val="50000"/>
+            </a:schemeClr>
+          </a:lnRef>
+          <a:fillRef idx="1">
+            <a:schemeClr val="accent1"/>
+          </a:fillRef>
+          <a:effectRef idx="0">
+            <a:schemeClr val="accent1"/>
+          </a:effectRef>
+          <a:fontRef idx="minor">
+            <a:schemeClr val="lt1"/>
+          </a:fontRef>
+        </p:style>
+        <p:txBody>
+          <a:bodyPr rtlCol="0" anchor="ctr"/>
+          <a:lstStyle/>
+          <a:p>
+            <a:pPr algn="ctr"/>
+            <a:endParaRPr lang="en-US"/>
+          </a:p>
+        </p:txBody>
+      </p:sp>
+      <p:sp>
+        <p:nvSpPr>
+          <p:cNvPr id="2" name="Titolo 1">
+            <a:extLst>
+              <a:ext uri="{FF2B5EF4-FFF2-40B4-BE49-F238E27FC236}">
+                <a16:creationId xmlns:a16="http://schemas.microsoft.com/office/drawing/2014/main" id="{A323F001-77E8-4207-95B6-7DBA6C002F03}"/>
+              </a:ext>
+            </a:extLst>
+          </p:cNvPr>
+          <p:cNvSpPr>
+            <a:spLocks noGrp="1"/>
+          </p:cNvSpPr>
+          <p:nvPr>
+            <p:ph type="title"/>
+          </p:nvPr>
+        </p:nvSpPr>
+        <p:spPr>
+          <a:xfrm>
+            <a:off x="640079" y="627561"/>
+            <a:ext cx="4968983" cy="1956841"/>
+          </a:xfrm>
+        </p:spPr>
+        <p:txBody>
+          <a:bodyPr anchor="b">
+            <a:noAutofit/>
+          </a:bodyPr>
+          <a:lstStyle/>
+          <a:p>
+            <a:r>
+              <a:rPr lang="it-IT" sz="3800" dirty="0"/>
+              <a:t>Il 4° oscar va a: </a:t>
+            </a:r>
+            <a:br>
+              <a:rPr lang="it-IT" sz="3800" dirty="0"/>
+            </a:br>
+            <a:r>
+              <a:rPr lang="it-IT" sz="3800" b="1" dirty="0">
+                <a:solidFill>
+                  <a:schemeClr val="accent2">
+                    <a:lumMod val="75000"/>
+                  </a:schemeClr>
+                </a:solidFill>
+                <a:effectLst>
+                  <a:outerShdw blurRad="38100" dist="38100" dir="2700000" algn="tl">
+                    <a:srgbClr val="000000">
+                      <a:alpha val="43137"/>
+                    </a:srgbClr>
+                  </a:outerShdw>
+                </a:effectLst>
+              </a:rPr>
+              <a:t>Johannes </a:t>
+            </a:r>
+            <a:r>
+              <a:rPr lang="it-IT" sz="3800" b="1" dirty="0" err="1">
+                <a:solidFill>
+                  <a:schemeClr val="accent2">
+                    <a:lumMod val="75000"/>
+                  </a:schemeClr>
+                </a:solidFill>
+                <a:effectLst>
+                  <a:outerShdw blurRad="38100" dist="38100" dir="2700000" algn="tl">
+                    <a:srgbClr val="000000">
+                      <a:alpha val="43137"/>
+                    </a:srgbClr>
+                  </a:outerShdw>
+                </a:effectLst>
+              </a:rPr>
+              <a:t>Betzler</a:t>
+            </a:r>
+            <a:r>
+              <a:rPr lang="it-IT" sz="3800" b="1" dirty="0">
+                <a:solidFill>
+                  <a:schemeClr val="accent2">
+                    <a:lumMod val="75000"/>
+                  </a:schemeClr>
+                </a:solidFill>
+                <a:effectLst>
+                  <a:outerShdw blurRad="38100" dist="38100" dir="2700000" algn="tl">
+                    <a:srgbClr val="000000">
+                      <a:alpha val="43137"/>
+                    </a:srgbClr>
+                  </a:outerShdw>
+                </a:effectLst>
+              </a:rPr>
+              <a:t> – </a:t>
+            </a:r>
+            <a:r>
+              <a:rPr lang="it-IT" sz="3800" b="1" dirty="0" err="1">
+                <a:solidFill>
+                  <a:schemeClr val="accent2">
+                    <a:lumMod val="75000"/>
+                  </a:schemeClr>
+                </a:solidFill>
+                <a:effectLst>
+                  <a:outerShdw blurRad="38100" dist="38100" dir="2700000" algn="tl">
+                    <a:srgbClr val="000000">
+                      <a:alpha val="43137"/>
+                    </a:srgbClr>
+                  </a:outerShdw>
+                </a:effectLst>
+              </a:rPr>
+              <a:t>Jojo</a:t>
+            </a:r>
+            <a:r>
+              <a:rPr lang="it-IT" sz="3800" b="1" dirty="0">
+                <a:solidFill>
+                  <a:schemeClr val="accent2">
+                    <a:lumMod val="75000"/>
+                  </a:schemeClr>
+                </a:solidFill>
+                <a:effectLst>
+                  <a:outerShdw blurRad="38100" dist="38100" dir="2700000" algn="tl">
+                    <a:srgbClr val="000000">
+                      <a:alpha val="43137"/>
+                    </a:srgbClr>
+                  </a:outerShdw>
+                </a:effectLst>
+              </a:rPr>
+              <a:t> </a:t>
+            </a:r>
+            <a:br>
+              <a:rPr lang="it-IT" sz="3800" b="1" dirty="0">
+                <a:effectLst>
+                  <a:outerShdw blurRad="38100" dist="38100" dir="2700000" algn="tl">
+                    <a:srgbClr val="000000">
+                      <a:alpha val="43137"/>
+                    </a:srgbClr>
+                  </a:outerShdw>
+                </a:effectLst>
+              </a:rPr>
+            </a:br>
+            <a:r>
+              <a:rPr lang="it-IT" sz="3800" dirty="0"/>
+              <a:t>protagonista </a:t>
+            </a:r>
+            <a:br>
+              <a:rPr lang="it-IT" sz="3800" dirty="0"/>
+            </a:br>
+            <a:r>
+              <a:rPr lang="it-IT" sz="3800" dirty="0"/>
+              <a:t>del film </a:t>
+            </a:r>
+            <a:r>
+              <a:rPr lang="it-IT" sz="3800" b="1" dirty="0"/>
+              <a:t>JOJO RABBIT</a:t>
+            </a:r>
+          </a:p>
+        </p:txBody>
+      </p:sp>
+      <p:sp>
+        <p:nvSpPr>
+          <p:cNvPr id="41" name="sketchy line">
+            <a:extLst>
+              <a:ext uri="{FF2B5EF4-FFF2-40B4-BE49-F238E27FC236}">
+                <a16:creationId xmlns:a16="http://schemas.microsoft.com/office/drawing/2014/main" id="{D4974D33-8DC5-464E-8C6D-BE58F0669C17}"/>
+              </a:ext>
+              <a:ext uri="{C183D7F6-B498-43B3-948B-1728B52AA6E4}">
+                <adec:decorative xmlns:adec="http://schemas.microsoft.com/office/drawing/2017/decorative" val="1"/>
+              </a:ext>
+            </a:extLst>
+          </p:cNvPr>
+          <p:cNvSpPr>
+            <a:spLocks noGrp="1" noRot="1" noChangeAspect="1" noMove="1" noResize="1" noEditPoints="1" noAdjustHandles="1" noChangeArrowheads="1" noChangeShapeType="1" noTextEdit="1"/>
+          </p:cNvSpPr>
+          <p:nvPr>
+            <p:extLst>
+              <p:ext uri="{386F3935-93C4-4BCD-93E2-E3B085C9AB24}">
+                <p16:designElem xmlns:p16="http://schemas.microsoft.com/office/powerpoint/2015/main" val="1"/>
+              </p:ext>
+            </p:extLst>
+          </p:nvPr>
+        </p:nvSpPr>
+        <p:spPr>
+          <a:xfrm>
+            <a:off x="640080" y="2586994"/>
+            <a:ext cx="3474720" cy="18288"/>
+          </a:xfrm>
+          <a:custGeom>
+            <a:avLst/>
+            <a:gdLst>
+              <a:gd name="connsiteX0" fmla="*/ 0 w 3474720"/>
+              <a:gd name="connsiteY0" fmla="*/ 0 h 18288"/>
+              <a:gd name="connsiteX1" fmla="*/ 694944 w 3474720"/>
+              <a:gd name="connsiteY1" fmla="*/ 0 h 18288"/>
+              <a:gd name="connsiteX2" fmla="*/ 1355141 w 3474720"/>
+              <a:gd name="connsiteY2" fmla="*/ 0 h 18288"/>
+              <a:gd name="connsiteX3" fmla="*/ 2015338 w 3474720"/>
+              <a:gd name="connsiteY3" fmla="*/ 0 h 18288"/>
+              <a:gd name="connsiteX4" fmla="*/ 2779776 w 3474720"/>
+              <a:gd name="connsiteY4" fmla="*/ 0 h 18288"/>
+              <a:gd name="connsiteX5" fmla="*/ 3474720 w 3474720"/>
+              <a:gd name="connsiteY5" fmla="*/ 0 h 18288"/>
+              <a:gd name="connsiteX6" fmla="*/ 3474720 w 3474720"/>
+              <a:gd name="connsiteY6" fmla="*/ 18288 h 18288"/>
+              <a:gd name="connsiteX7" fmla="*/ 2779776 w 3474720"/>
+              <a:gd name="connsiteY7" fmla="*/ 18288 h 18288"/>
+              <a:gd name="connsiteX8" fmla="*/ 2189074 w 3474720"/>
+              <a:gd name="connsiteY8" fmla="*/ 18288 h 18288"/>
+              <a:gd name="connsiteX9" fmla="*/ 1528877 w 3474720"/>
+              <a:gd name="connsiteY9" fmla="*/ 18288 h 18288"/>
+              <a:gd name="connsiteX10" fmla="*/ 868680 w 3474720"/>
+              <a:gd name="connsiteY10" fmla="*/ 18288 h 18288"/>
+              <a:gd name="connsiteX11" fmla="*/ 0 w 3474720"/>
+              <a:gd name="connsiteY11" fmla="*/ 18288 h 18288"/>
+              <a:gd name="connsiteX12" fmla="*/ 0 w 3474720"/>
+              <a:gd name="connsiteY12" fmla="*/ 0 h 18288"/>
+            </a:gdLst>
+            <a:ahLst/>
+            <a:cxnLst>
+              <a:cxn ang="0">
+                <a:pos x="connsiteX0" y="connsiteY0"/>
+              </a:cxn>
+              <a:cxn ang="0">
+                <a:pos x="connsiteX1" y="connsiteY1"/>
+              </a:cxn>
+              <a:cxn ang="0">
+                <a:pos x="connsiteX2" y="connsiteY2"/>
+              </a:cxn>
+              <a:cxn ang="0">
+                <a:pos x="connsiteX3" y="connsiteY3"/>
+              </a:cxn>
+              <a:cxn ang="0">
+                <a:pos x="connsiteX4" y="connsiteY4"/>
+              </a:cxn>
+              <a:cxn ang="0">
+                <a:pos x="connsiteX5" y="connsiteY5"/>
+              </a:cxn>
+              <a:cxn ang="0">
+                <a:pos x="connsiteX6" y="connsiteY6"/>
+              </a:cxn>
+              <a:cxn ang="0">
+                <a:pos x="connsiteX7" y="connsiteY7"/>
+              </a:cxn>
+              <a:cxn ang="0">
+                <a:pos x="connsiteX8" y="connsiteY8"/>
+              </a:cxn>
+              <a:cxn ang="0">
+                <a:pos x="connsiteX9" y="connsiteY9"/>
+              </a:cxn>
+              <a:cxn ang="0">
+                <a:pos x="connsiteX10" y="connsiteY10"/>
+              </a:cxn>
+              <a:cxn ang="0">
+                <a:pos x="connsiteX11" y="connsiteY11"/>
+              </a:cxn>
+              <a:cxn ang="0">
+                <a:pos x="connsiteX12" y="connsiteY12"/>
+              </a:cxn>
+            </a:cxnLst>
+            <a:rect l="l" t="t" r="r" b="b"/>
+            <a:pathLst>
+              <a:path w="3474720" h="18288" fill="none" extrusionOk="0">
+                <a:moveTo>
+                  <a:pt x="0" y="0"/>
+                </a:moveTo>
+                <a:cubicBezTo>
+                  <a:pt x="224454" y="-14544"/>
+                  <a:pt x="495407" y="26540"/>
+                  <a:pt x="694944" y="0"/>
+                </a:cubicBezTo>
+                <a:cubicBezTo>
+                  <a:pt x="894481" y="-26540"/>
+                  <a:pt x="1130063" y="24713"/>
+                  <a:pt x="1355141" y="0"/>
+                </a:cubicBezTo>
+                <a:cubicBezTo>
+                  <a:pt x="1580219" y="-24713"/>
+                  <a:pt x="1820099" y="26695"/>
+                  <a:pt x="2015338" y="0"/>
+                </a:cubicBezTo>
+                <a:cubicBezTo>
+                  <a:pt x="2210577" y="-26695"/>
+                  <a:pt x="2402045" y="165"/>
+                  <a:pt x="2779776" y="0"/>
+                </a:cubicBezTo>
+                <a:cubicBezTo>
+                  <a:pt x="3157507" y="-165"/>
+                  <a:pt x="3286859" y="-15571"/>
+                  <a:pt x="3474720" y="0"/>
+                </a:cubicBezTo>
+                <a:cubicBezTo>
+                  <a:pt x="3474286" y="7551"/>
+                  <a:pt x="3474253" y="9822"/>
+                  <a:pt x="3474720" y="18288"/>
+                </a:cubicBezTo>
+                <a:cubicBezTo>
+                  <a:pt x="3233904" y="29845"/>
+                  <a:pt x="2945134" y="-5256"/>
+                  <a:pt x="2779776" y="18288"/>
+                </a:cubicBezTo>
+                <a:cubicBezTo>
+                  <a:pt x="2614418" y="41832"/>
+                  <a:pt x="2339768" y="22709"/>
+                  <a:pt x="2189074" y="18288"/>
+                </a:cubicBezTo>
+                <a:cubicBezTo>
+                  <a:pt x="2038380" y="13867"/>
+                  <a:pt x="1817434" y="-4947"/>
+                  <a:pt x="1528877" y="18288"/>
+                </a:cubicBezTo>
+                <a:cubicBezTo>
+                  <a:pt x="1240320" y="41523"/>
+                  <a:pt x="1042447" y="37198"/>
+                  <a:pt x="868680" y="18288"/>
+                </a:cubicBezTo>
+                <a:cubicBezTo>
+                  <a:pt x="694913" y="-622"/>
+                  <a:pt x="233232" y="44909"/>
+                  <a:pt x="0" y="18288"/>
+                </a:cubicBezTo>
+                <a:cubicBezTo>
+                  <a:pt x="60" y="11696"/>
+                  <a:pt x="66" y="3758"/>
+                  <a:pt x="0" y="0"/>
+                </a:cubicBezTo>
+                <a:close/>
+              </a:path>
+              <a:path w="3474720" h="18288" stroke="0" extrusionOk="0">
+                <a:moveTo>
+                  <a:pt x="0" y="0"/>
+                </a:moveTo>
+                <a:cubicBezTo>
+                  <a:pt x="202328" y="-14716"/>
+                  <a:pt x="332722" y="-11499"/>
+                  <a:pt x="625450" y="0"/>
+                </a:cubicBezTo>
+                <a:cubicBezTo>
+                  <a:pt x="918178" y="11499"/>
+                  <a:pt x="1096688" y="5123"/>
+                  <a:pt x="1389888" y="0"/>
+                </a:cubicBezTo>
+                <a:cubicBezTo>
+                  <a:pt x="1683088" y="-5123"/>
+                  <a:pt x="1835981" y="-14038"/>
+                  <a:pt x="1980590" y="0"/>
+                </a:cubicBezTo>
+                <a:cubicBezTo>
+                  <a:pt x="2125199" y="14038"/>
+                  <a:pt x="2396099" y="-7203"/>
+                  <a:pt x="2571293" y="0"/>
+                </a:cubicBezTo>
+                <a:cubicBezTo>
+                  <a:pt x="2746487" y="7203"/>
+                  <a:pt x="3041609" y="-12036"/>
+                  <a:pt x="3474720" y="0"/>
+                </a:cubicBezTo>
+                <a:cubicBezTo>
+                  <a:pt x="3474638" y="4406"/>
+                  <a:pt x="3474631" y="9982"/>
+                  <a:pt x="3474720" y="18288"/>
+                </a:cubicBezTo>
+                <a:cubicBezTo>
+                  <a:pt x="3324873" y="21876"/>
+                  <a:pt x="3136771" y="12587"/>
+                  <a:pt x="2814523" y="18288"/>
+                </a:cubicBezTo>
+                <a:cubicBezTo>
+                  <a:pt x="2492275" y="23989"/>
+                  <a:pt x="2294402" y="47111"/>
+                  <a:pt x="2154326" y="18288"/>
+                </a:cubicBezTo>
+                <a:cubicBezTo>
+                  <a:pt x="2014250" y="-10535"/>
+                  <a:pt x="1820317" y="33903"/>
+                  <a:pt x="1494130" y="18288"/>
+                </a:cubicBezTo>
+                <a:cubicBezTo>
+                  <a:pt x="1167943" y="2673"/>
+                  <a:pt x="948432" y="14868"/>
+                  <a:pt x="729691" y="18288"/>
+                </a:cubicBezTo>
+                <a:cubicBezTo>
+                  <a:pt x="510950" y="21708"/>
+                  <a:pt x="264032" y="24354"/>
+                  <a:pt x="0" y="18288"/>
+                </a:cubicBezTo>
+                <a:cubicBezTo>
+                  <a:pt x="189" y="14288"/>
+                  <a:pt x="-703" y="3747"/>
+                  <a:pt x="0" y="0"/>
+                </a:cubicBezTo>
+                <a:close/>
+              </a:path>
+            </a:pathLst>
+          </a:custGeom>
+          <a:solidFill>
+            <a:schemeClr val="accent2"/>
+          </a:solidFill>
+          <a:ln w="44450" cap="rnd">
+            <a:solidFill>
+              <a:schemeClr val="accent2"/>
+            </a:solidFill>
+            <a:round/>
+            <a:extLst>
+              <a:ext uri="{C807C97D-BFC1-408E-A445-0C87EB9F89A2}">
+                <ask:lineSketchStyleProps xmlns:ask="http://schemas.microsoft.com/office/drawing/2018/sketchyshapes" sd="2863741219">
+                  <a:prstGeom prst="rect">
+                    <a:avLst/>
+                  </a:prstGeom>
+                  <ask:type>
+                    <ask:lineSketchFreehand/>
+                  </ask:type>
+                </ask:lineSketchStyleProps>
+              </a:ext>
+            </a:extLst>
+          </a:ln>
+        </p:spPr>
+        <p:style>
+          <a:lnRef idx="2">
+            <a:schemeClr val="accent1">
+              <a:shade val="50000"/>
+            </a:schemeClr>
+          </a:lnRef>
+          <a:fillRef idx="1">
+            <a:schemeClr val="accent1"/>
+          </a:fillRef>
+          <a:effectRef idx="0">
+            <a:schemeClr val="accent1"/>
+          </a:effectRef>
+          <a:fontRef idx="minor">
+            <a:schemeClr val="lt1"/>
+          </a:fontRef>
+        </p:style>
+        <p:txBody>
+          <a:bodyPr rtlCol="0" anchor="ctr"/>
+          <a:lstStyle/>
+          <a:p>
+            <a:pPr algn="ctr"/>
+            <a:endParaRPr lang="en-US"/>
+          </a:p>
+        </p:txBody>
+      </p:sp>
+      <p:sp>
+        <p:nvSpPr>
+          <p:cNvPr id="3" name="Segnaposto contenuto 2">
+            <a:extLst>
+              <a:ext uri="{FF2B5EF4-FFF2-40B4-BE49-F238E27FC236}">
+                <a16:creationId xmlns:a16="http://schemas.microsoft.com/office/drawing/2014/main" id="{1E2E14C7-73F5-4CEF-A0EE-B2AF0AFE4939}"/>
+              </a:ext>
+            </a:extLst>
+          </p:cNvPr>
+          <p:cNvSpPr>
+            <a:spLocks noGrp="1"/>
+          </p:cNvSpPr>
+          <p:nvPr>
+            <p:ph idx="1"/>
+          </p:nvPr>
+        </p:nvSpPr>
+        <p:spPr>
+          <a:xfrm>
+            <a:off x="534057" y="3211963"/>
+            <a:ext cx="4243589" cy="3320668"/>
+          </a:xfrm>
+        </p:spPr>
+        <p:txBody>
+          <a:bodyPr>
+            <a:normAutofit/>
+          </a:bodyPr>
+          <a:lstStyle/>
+          <a:p>
+            <a:r>
+              <a:rPr lang="it-IT" dirty="0"/>
+              <a:t>Per averci fatto capire che non bisogna seguire le idee degli altri anche se ci sembrano giuste, ma</a:t>
+            </a:r>
+            <a:br>
+              <a:rPr lang="it-IT" dirty="0"/>
+            </a:br>
+            <a:r>
+              <a:rPr lang="it-IT" dirty="0"/>
+              <a:t>è importante pensare con la nostra testa e farci la nostra opinione.</a:t>
+            </a:r>
+          </a:p>
+        </p:txBody>
+      </p:sp>
+      <p:pic>
+        <p:nvPicPr>
+          <p:cNvPr id="5" name="Immagine 4" descr="Immagine che contiene persona, albero, esterni&#10;&#10;Descrizione generata automaticamente">
+            <a:extLst>
+              <a:ext uri="{FF2B5EF4-FFF2-40B4-BE49-F238E27FC236}">
+                <a16:creationId xmlns:a16="http://schemas.microsoft.com/office/drawing/2014/main" id="{596D5D90-9CA9-4854-964B-732872C3DA55}"/>
+              </a:ext>
+            </a:extLst>
+          </p:cNvPr>
+          <p:cNvPicPr>
+            <a:picLocks noChangeAspect="1"/>
+          </p:cNvPicPr>
+          <p:nvPr/>
+        </p:nvPicPr>
+        <p:blipFill rotWithShape="1">
+          <a:blip r:embed="rId2">
+            <a:extLst>
+              <a:ext uri="{28A0092B-C50C-407E-A947-70E740481C1C}">
+                <a14:useLocalDpi xmlns:a14="http://schemas.microsoft.com/office/drawing/2010/main" val="0"/>
+              </a:ext>
+            </a:extLst>
+          </a:blip>
+          <a:srcRect l="36163" r="7416"/>
+          <a:stretch/>
+        </p:blipFill>
+        <p:spPr>
+          <a:xfrm>
+            <a:off x="5311702" y="10"/>
+            <a:ext cx="6878775" cy="6857990"/>
+          </a:xfrm>
+          <a:custGeom>
+            <a:avLst/>
+            <a:gdLst/>
+            <a:ahLst/>
+            <a:cxnLst/>
+            <a:rect l="l" t="t" r="r" b="b"/>
+            <a:pathLst>
+              <a:path w="6878775" h="6858000">
+                <a:moveTo>
+                  <a:pt x="1102973" y="0"/>
+                </a:moveTo>
+                <a:lnTo>
+                  <a:pt x="1160688" y="0"/>
+                </a:lnTo>
+                <a:lnTo>
+                  <a:pt x="983189" y="331786"/>
+                </a:lnTo>
+                <a:cubicBezTo>
+                  <a:pt x="914866" y="469145"/>
+                  <a:pt x="850355" y="608712"/>
+                  <a:pt x="789261" y="750263"/>
+                </a:cubicBezTo>
+                <a:cubicBezTo>
+                  <a:pt x="774307" y="784928"/>
+                  <a:pt x="759992" y="819849"/>
+                  <a:pt x="745295" y="854514"/>
+                </a:cubicBezTo>
+                <a:cubicBezTo>
+                  <a:pt x="756682" y="845393"/>
+                  <a:pt x="765489" y="833492"/>
+                  <a:pt x="770857" y="819975"/>
+                </a:cubicBezTo>
+                <a:cubicBezTo>
+                  <a:pt x="879943" y="589569"/>
+                  <a:pt x="999605" y="365513"/>
+                  <a:pt x="1131329" y="148742"/>
+                </a:cubicBezTo>
+                <a:lnTo>
+                  <a:pt x="1227589" y="0"/>
+                </a:lnTo>
+                <a:lnTo>
+                  <a:pt x="6878775" y="0"/>
+                </a:lnTo>
+                <a:lnTo>
+                  <a:pt x="6878775" y="6858000"/>
+                </a:lnTo>
+                <a:lnTo>
+                  <a:pt x="713521" y="6858000"/>
+                </a:lnTo>
+                <a:lnTo>
+                  <a:pt x="625642" y="6670527"/>
+                </a:lnTo>
+                <a:cubicBezTo>
+                  <a:pt x="507232" y="6398531"/>
+                  <a:pt x="403083" y="6118381"/>
+                  <a:pt x="312785" y="5830359"/>
+                </a:cubicBezTo>
+                <a:cubicBezTo>
+                  <a:pt x="278149" y="5719759"/>
+                  <a:pt x="248879" y="5607635"/>
+                  <a:pt x="212198" y="5480401"/>
+                </a:cubicBezTo>
+                <a:cubicBezTo>
+                  <a:pt x="212208" y="5491601"/>
+                  <a:pt x="212803" y="5502788"/>
+                  <a:pt x="213988" y="5513923"/>
+                </a:cubicBezTo>
+                <a:cubicBezTo>
+                  <a:pt x="264089" y="5723695"/>
+                  <a:pt x="307290" y="5935370"/>
+                  <a:pt x="365826" y="6142729"/>
+                </a:cubicBezTo>
+                <a:cubicBezTo>
+                  <a:pt x="433152" y="6380817"/>
+                  <a:pt x="510068" y="6614016"/>
+                  <a:pt x="597975" y="6841549"/>
+                </a:cubicBezTo>
+                <a:lnTo>
+                  <a:pt x="604824" y="6858000"/>
+                </a:lnTo>
+                <a:lnTo>
+                  <a:pt x="552056" y="6858000"/>
+                </a:lnTo>
+                <a:lnTo>
+                  <a:pt x="539576" y="6828295"/>
+                </a:lnTo>
+                <a:cubicBezTo>
+                  <a:pt x="380597" y="6414594"/>
+                  <a:pt x="260223" y="5988893"/>
+                  <a:pt x="171555" y="5552906"/>
+                </a:cubicBezTo>
+                <a:cubicBezTo>
+                  <a:pt x="91163" y="5157998"/>
+                  <a:pt x="43746" y="4758899"/>
+                  <a:pt x="12305" y="4357388"/>
+                </a:cubicBezTo>
+                <a:cubicBezTo>
+                  <a:pt x="-14281" y="4013908"/>
+                  <a:pt x="4507" y="3672965"/>
+                  <a:pt x="46684" y="3331516"/>
+                </a:cubicBezTo>
+                <a:cubicBezTo>
+                  <a:pt x="127203" y="2664286"/>
+                  <a:pt x="277819" y="2007265"/>
+                  <a:pt x="496065" y="1371196"/>
+                </a:cubicBezTo>
+                <a:cubicBezTo>
+                  <a:pt x="636273" y="966066"/>
+                  <a:pt x="800445" y="573253"/>
+                  <a:pt x="995723" y="196614"/>
+                </a:cubicBezTo>
+                <a:close/>
+              </a:path>
+            </a:pathLst>
+          </a:custGeom>
+        </p:spPr>
+      </p:pic>
+    </p:spTree>
+    <p:extLst>
+      <p:ext uri="{BB962C8B-B14F-4D97-AF65-F5344CB8AC3E}">
+        <p14:creationId xmlns:p14="http://schemas.microsoft.com/office/powerpoint/2010/main" val="3753126494"/>
+      </p:ext>
+    </p:extLst>
+  </p:cSld>
+  <p:clrMapOvr>
+    <a:masterClrMapping/>
+  </p:clrMapOvr>
+</p:sld>
+</file>
+
+<file path=ppt/slides/slide9.xml><?xml version="1.0" encoding="utf-8"?>
+<p:sld xmlns:a="http://schemas.openxmlformats.org/drawingml/2006/main" xmlns:r="http://schemas.openxmlformats.org/officeDocument/2006/relationships" xmlns:p="http://schemas.openxmlformats.org/presentationml/2006/main">
+  <p:cSld>
+    <p:bg>
+      <p:bgPr>
+        <a:solidFill>
+          <a:schemeClr val="bg1">
+            <a:tint val="95000"/>
+            <a:satMod val="170000"/>
+          </a:schemeClr>
+        </a:solidFill>
+        <a:effectLst/>
+      </p:bgPr>
+    </p:bg>
     <p:spTree>
       <p:nvGrpSpPr>
         <p:cNvPr id="1" name=""/>
@@ -3511,7 +9636,7 @@
           <p:cNvPr id="2" name="Titolo 1">
             <a:extLst>
               <a:ext uri="{FF2B5EF4-FFF2-40B4-BE49-F238E27FC236}">
-                <a16:creationId xmlns:a16="http://schemas.microsoft.com/office/drawing/2014/main" id="{DDE5A545-5ACA-459A-9482-286E8AC29552}"/>
+                <a16:creationId xmlns:a16="http://schemas.microsoft.com/office/drawing/2014/main" id="{46D850D0-BB77-4C2C-AA45-DE27B9F59DC3}"/>
               </a:ext>
             </a:extLst>
           </p:cNvPr>
@@ -3522,24 +9647,306 @@
             <p:ph type="title"/>
           </p:nvPr>
         </p:nvSpPr>
-        <p:spPr/>
+        <p:spPr>
+          <a:xfrm>
+            <a:off x="6634134" y="1396289"/>
+            <a:ext cx="5006336" cy="1325563"/>
+          </a:xfrm>
+        </p:spPr>
         <p:txBody>
-          <a:bodyPr/>
+          <a:bodyPr>
+            <a:noAutofit/>
+          </a:bodyPr>
           <a:lstStyle/>
           <a:p>
             <a:r>
-              <a:rPr lang="it-IT" dirty="0"/>
-              <a:t>Il 2 oscar va a: Katherine </a:t>
+              <a:rPr lang="it-IT" sz="3800" dirty="0"/>
+              <a:t>Il 3° oscar va a: </a:t>
+            </a:r>
+            <a:br>
+              <a:rPr lang="it-IT" sz="3800" dirty="0"/>
+            </a:br>
+            <a:r>
+              <a:rPr lang="it-IT" sz="3800" b="1" dirty="0">
+                <a:solidFill>
+                  <a:schemeClr val="accent2">
+                    <a:lumMod val="75000"/>
+                  </a:schemeClr>
+                </a:solidFill>
+                <a:effectLst>
+                  <a:outerShdw blurRad="38100" dist="38100" dir="2700000" algn="tl">
+                    <a:srgbClr val="000000">
+                      <a:alpha val="43137"/>
+                    </a:srgbClr>
+                  </a:outerShdw>
+                </a:effectLst>
+              </a:rPr>
+              <a:t>Rosie la mamma </a:t>
+            </a:r>
+            <a:r>
+              <a:rPr lang="it-IT" sz="3800" dirty="0"/>
+              <a:t>di </a:t>
+            </a:r>
+            <a:r>
+              <a:rPr lang="it-IT" sz="3800" dirty="0" err="1"/>
+              <a:t>Jojo</a:t>
+            </a:r>
+            <a:br>
+              <a:rPr lang="it-IT" sz="3800" dirty="0"/>
+            </a:br>
+            <a:r>
+              <a:rPr lang="it-IT" sz="3800" dirty="0"/>
+              <a:t>nel film </a:t>
+            </a:r>
+            <a:r>
+              <a:rPr lang="it-IT" sz="3800" b="1" dirty="0"/>
+              <a:t>JOJO RABBIT</a:t>
             </a:r>
           </a:p>
         </p:txBody>
       </p:sp>
       <p:sp>
         <p:nvSpPr>
+          <p:cNvPr id="28" name="Freeform: Shape 27">
+            <a:extLst>
+              <a:ext uri="{FF2B5EF4-FFF2-40B4-BE49-F238E27FC236}">
+                <a16:creationId xmlns:a16="http://schemas.microsoft.com/office/drawing/2014/main" id="{4F74D28C-3268-4E35-8EE1-D92CB4A85A7D}"/>
+              </a:ext>
+              <a:ext uri="{C183D7F6-B498-43B3-948B-1728B52AA6E4}">
+                <adec:decorative xmlns:adec="http://schemas.microsoft.com/office/drawing/2017/decorative" val="1"/>
+              </a:ext>
+            </a:extLst>
+          </p:cNvPr>
+          <p:cNvSpPr>
+            <a:spLocks noGrp="1" noRot="1" noChangeAspect="1" noMove="1" noResize="1" noEditPoints="1" noAdjustHandles="1" noChangeArrowheads="1" noChangeShapeType="1" noTextEdit="1"/>
+          </p:cNvSpPr>
+          <p:nvPr>
+            <p:extLst>
+              <p:ext uri="{386F3935-93C4-4BCD-93E2-E3B085C9AB24}">
+                <p16:designElem xmlns:p16="http://schemas.microsoft.com/office/powerpoint/2015/main" val="1"/>
+              </p:ext>
+            </p:extLst>
+          </p:nvPr>
+        </p:nvSpPr>
+        <p:spPr>
+          <a:xfrm flipH="1">
+            <a:off x="0" y="0"/>
+            <a:ext cx="6172782" cy="6858000"/>
+          </a:xfrm>
+          <a:custGeom>
+            <a:avLst/>
+            <a:gdLst>
+              <a:gd name="connsiteX0" fmla="*/ 6172782 w 6172782"/>
+              <a:gd name="connsiteY0" fmla="*/ 0 h 6858000"/>
+              <a:gd name="connsiteX1" fmla="*/ 69075 w 6172782"/>
+              <a:gd name="connsiteY1" fmla="*/ 0 h 6858000"/>
+              <a:gd name="connsiteX2" fmla="*/ 35131 w 6172782"/>
+              <a:gd name="connsiteY2" fmla="*/ 267128 h 6858000"/>
+              <a:gd name="connsiteX3" fmla="*/ 0 w 6172782"/>
+              <a:gd name="connsiteY3" fmla="*/ 962845 h 6858000"/>
+              <a:gd name="connsiteX4" fmla="*/ 3276103 w 6172782"/>
+              <a:gd name="connsiteY4" fmla="*/ 6782205 h 6858000"/>
+              <a:gd name="connsiteX5" fmla="*/ 3407923 w 6172782"/>
+              <a:gd name="connsiteY5" fmla="*/ 6858000 h 6858000"/>
+              <a:gd name="connsiteX6" fmla="*/ 6172782 w 6172782"/>
+              <a:gd name="connsiteY6" fmla="*/ 6858000 h 6858000"/>
+            </a:gdLst>
+            <a:ahLst/>
+            <a:cxnLst>
+              <a:cxn ang="0">
+                <a:pos x="connsiteX0" y="connsiteY0"/>
+              </a:cxn>
+              <a:cxn ang="0">
+                <a:pos x="connsiteX1" y="connsiteY1"/>
+              </a:cxn>
+              <a:cxn ang="0">
+                <a:pos x="connsiteX2" y="connsiteY2"/>
+              </a:cxn>
+              <a:cxn ang="0">
+                <a:pos x="connsiteX3" y="connsiteY3"/>
+              </a:cxn>
+              <a:cxn ang="0">
+                <a:pos x="connsiteX4" y="connsiteY4"/>
+              </a:cxn>
+              <a:cxn ang="0">
+                <a:pos x="connsiteX5" y="connsiteY5"/>
+              </a:cxn>
+              <a:cxn ang="0">
+                <a:pos x="connsiteX6" y="connsiteY6"/>
+              </a:cxn>
+            </a:cxnLst>
+            <a:rect l="l" t="t" r="r" b="b"/>
+            <a:pathLst>
+              <a:path w="6172782" h="6858000">
+                <a:moveTo>
+                  <a:pt x="6172782" y="0"/>
+                </a:moveTo>
+                <a:lnTo>
+                  <a:pt x="69075" y="0"/>
+                </a:lnTo>
+                <a:lnTo>
+                  <a:pt x="35131" y="267128"/>
+                </a:lnTo>
+                <a:cubicBezTo>
+                  <a:pt x="11901" y="495874"/>
+                  <a:pt x="0" y="727970"/>
+                  <a:pt x="0" y="962845"/>
+                </a:cubicBezTo>
+                <a:cubicBezTo>
+                  <a:pt x="0" y="3429034"/>
+                  <a:pt x="1312002" y="5588789"/>
+                  <a:pt x="3276103" y="6782205"/>
+                </a:cubicBezTo>
+                <a:lnTo>
+                  <a:pt x="3407923" y="6858000"/>
+                </a:lnTo>
+                <a:lnTo>
+                  <a:pt x="6172782" y="6858000"/>
+                </a:lnTo>
+                <a:close/>
+              </a:path>
+            </a:pathLst>
+          </a:custGeom>
+          <a:solidFill>
+            <a:srgbClr val="FFFFFF">
+              <a:alpha val="80000"/>
+            </a:srgbClr>
+          </a:solidFill>
+          <a:ln>
+            <a:noFill/>
+          </a:ln>
+        </p:spPr>
+        <p:style>
+          <a:lnRef idx="2">
+            <a:schemeClr val="accent1">
+              <a:shade val="50000"/>
+            </a:schemeClr>
+          </a:lnRef>
+          <a:fillRef idx="1">
+            <a:schemeClr val="accent1"/>
+          </a:fillRef>
+          <a:effectRef idx="0">
+            <a:schemeClr val="accent1"/>
+          </a:effectRef>
+          <a:fontRef idx="minor">
+            <a:schemeClr val="lt1"/>
+          </a:fontRef>
+        </p:style>
+        <p:txBody>
+          <a:bodyPr wrap="square" rtlCol="0" anchor="ctr">
+            <a:noAutofit/>
+          </a:bodyPr>
+          <a:lstStyle/>
+          <a:p>
+            <a:pPr marL="0" marR="0" lvl="0" indent="0" algn="ctr" defTabSz="914400" rtl="0" eaLnBrk="1" fontAlgn="auto" latinLnBrk="0" hangingPunct="1">
+              <a:lnSpc>
+                <a:spcPct val="100000"/>
+              </a:lnSpc>
+              <a:spcBef>
+                <a:spcPts val="0"/>
+              </a:spcBef>
+              <a:spcAft>
+                <a:spcPts val="0"/>
+              </a:spcAft>
+              <a:buClrTx/>
+              <a:buSzTx/>
+              <a:buFontTx/>
+              <a:buNone/>
+              <a:tabLst/>
+              <a:defRPr/>
+            </a:pPr>
+            <a:endParaRPr kumimoji="0" lang="en-US" sz="1800" b="0" i="0" u="none" strike="noStrike" kern="1200" cap="none" spc="0" normalizeH="0" baseline="0" noProof="0">
+              <a:ln>
+                <a:noFill/>
+              </a:ln>
+              <a:solidFill>
+                <a:prstClr val="white"/>
+              </a:solidFill>
+              <a:effectLst/>
+              <a:uLnTx/>
+              <a:uFillTx/>
+              <a:latin typeface="Calibri" panose="020F0502020204030204"/>
+              <a:ea typeface="+mn-ea"/>
+              <a:cs typeface="+mn-cs"/>
+            </a:endParaRPr>
+          </a:p>
+        </p:txBody>
+      </p:sp>
+      <p:pic>
+        <p:nvPicPr>
+          <p:cNvPr id="5" name="Immagine 4" descr="Immagine che contiene persona, abbigliamento, uniforme militare&#10;&#10;Descrizione generata automaticamente">
+            <a:extLst>
+              <a:ext uri="{FF2B5EF4-FFF2-40B4-BE49-F238E27FC236}">
+                <a16:creationId xmlns:a16="http://schemas.microsoft.com/office/drawing/2014/main" id="{19EA3435-8F0D-410A-B9AF-CA613B7A45CB}"/>
+              </a:ext>
+            </a:extLst>
+          </p:cNvPr>
+          <p:cNvPicPr>
+            <a:picLocks noChangeAspect="1"/>
+          </p:cNvPicPr>
+          <p:nvPr/>
+        </p:nvPicPr>
+        <p:blipFill rotWithShape="1">
+          <a:blip r:embed="rId2">
+            <a:extLst>
+              <a:ext uri="{28A0092B-C50C-407E-A947-70E740481C1C}">
+                <a14:useLocalDpi xmlns:a14="http://schemas.microsoft.com/office/drawing/2010/main" val="0"/>
+              </a:ext>
+            </a:extLst>
+          </a:blip>
+          <a:srcRect r="-2" b="8924"/>
+          <a:stretch/>
+        </p:blipFill>
+        <p:spPr>
+          <a:xfrm>
+            <a:off x="20" y="10"/>
+            <a:ext cx="6024134" cy="6857990"/>
+          </a:xfrm>
+          <a:custGeom>
+            <a:avLst/>
+            <a:gdLst/>
+            <a:ahLst/>
+            <a:cxnLst/>
+            <a:rect l="l" t="t" r="r" b="b"/>
+            <a:pathLst>
+              <a:path w="6024154" h="6858000">
+                <a:moveTo>
+                  <a:pt x="0" y="0"/>
+                </a:moveTo>
+                <a:lnTo>
+                  <a:pt x="5953780" y="0"/>
+                </a:lnTo>
+                <a:lnTo>
+                  <a:pt x="5989880" y="284091"/>
+                </a:lnTo>
+                <a:cubicBezTo>
+                  <a:pt x="6012544" y="507260"/>
+                  <a:pt x="6024154" y="733696"/>
+                  <a:pt x="6024154" y="962844"/>
+                </a:cubicBezTo>
+                <a:cubicBezTo>
+                  <a:pt x="6024154" y="3483472"/>
+                  <a:pt x="4619336" y="5675986"/>
+                  <a:pt x="2549934" y="6800152"/>
+                </a:cubicBezTo>
+                <a:lnTo>
+                  <a:pt x="2436987" y="6858000"/>
+                </a:lnTo>
+                <a:lnTo>
+                  <a:pt x="0" y="6858000"/>
+                </a:lnTo>
+                <a:close/>
+              </a:path>
+            </a:pathLst>
+          </a:custGeom>
+        </p:spPr>
+      </p:pic>
+      <p:sp>
+        <p:nvSpPr>
           <p:cNvPr id="3" name="Segnaposto contenuto 2">
             <a:extLst>
               <a:ext uri="{FF2B5EF4-FFF2-40B4-BE49-F238E27FC236}">
-                <a16:creationId xmlns:a16="http://schemas.microsoft.com/office/drawing/2014/main" id="{61964F42-BCC5-4D5D-99CE-187E3442385F}"/>
+                <a16:creationId xmlns:a16="http://schemas.microsoft.com/office/drawing/2014/main" id="{56B60B89-B89E-4A9F-9C50-A144325F608A}"/>
               </a:ext>
             </a:extLst>
           </p:cNvPr>
@@ -3550,14 +9957,25 @@
             <p:ph idx="1"/>
           </p:nvPr>
         </p:nvSpPr>
-        <p:spPr/>
+        <p:spPr>
+          <a:xfrm>
+            <a:off x="6547138" y="3429000"/>
+            <a:ext cx="5004073" cy="3181684"/>
+          </a:xfrm>
+        </p:spPr>
         <p:txBody>
-          <a:bodyPr/>
+          <a:bodyPr anchor="t">
+            <a:normAutofit/>
+          </a:bodyPr>
           <a:lstStyle/>
           <a:p>
             <a:r>
               <a:rPr lang="it-IT" dirty="0"/>
-              <a:t>Per averci insegnato che nonostante le persone potrebbero discriminarti di continuare imperterrito a fare ciò che vorresti</a:t>
+              <a:t>Per averci fatto capire che è importante permettere a nostro figlio di avere le sue idee e rispettarle anche se non ci piacciono</a:t>
+            </a:r>
+            <a:r>
+              <a:rPr lang="it-IT" sz="1800" dirty="0"/>
+              <a:t>.</a:t>
             </a:r>
           </a:p>
         </p:txBody>
@@ -3565,847 +9983,12 @@
     </p:spTree>
     <p:extLst>
       <p:ext uri="{BB962C8B-B14F-4D97-AF65-F5344CB8AC3E}">
-        <p14:creationId xmlns:p14="http://schemas.microsoft.com/office/powerpoint/2010/main" val="955518040"/>
+        <p14:creationId xmlns:p14="http://schemas.microsoft.com/office/powerpoint/2010/main" val="2305130575"/>
       </p:ext>
     </p:extLst>
   </p:cSld>
   <p:clrMapOvr>
-    <a:masterClrMapping/>
-  </p:clrMapOvr>
-</p:sld>
-</file>
-
-<file path=ppt/slides/slide12.xml><?xml version="1.0" encoding="utf-8"?>
-<p:sld xmlns:a="http://schemas.openxmlformats.org/drawingml/2006/main" xmlns:r="http://schemas.openxmlformats.org/officeDocument/2006/relationships" xmlns:p="http://schemas.openxmlformats.org/presentationml/2006/main">
-  <p:cSld>
-    <p:spTree>
-      <p:nvGrpSpPr>
-        <p:cNvPr id="1" name=""/>
-        <p:cNvGrpSpPr/>
-        <p:nvPr/>
-      </p:nvGrpSpPr>
-      <p:grpSpPr>
-        <a:xfrm>
-          <a:off x="0" y="0"/>
-          <a:ext cx="0" cy="0"/>
-          <a:chOff x="0" y="0"/>
-          <a:chExt cx="0" cy="0"/>
-        </a:xfrm>
-      </p:grpSpPr>
-      <p:sp>
-        <p:nvSpPr>
-          <p:cNvPr id="2" name="Titolo 1">
-            <a:extLst>
-              <a:ext uri="{FF2B5EF4-FFF2-40B4-BE49-F238E27FC236}">
-                <a16:creationId xmlns:a16="http://schemas.microsoft.com/office/drawing/2014/main" id="{5B9D6BD6-A6B9-4B8E-AC6B-34C7A76DF9D2}"/>
-              </a:ext>
-            </a:extLst>
-          </p:cNvPr>
-          <p:cNvSpPr>
-            <a:spLocks noGrp="1"/>
-          </p:cNvSpPr>
-          <p:nvPr>
-            <p:ph type="title"/>
-          </p:nvPr>
-        </p:nvSpPr>
-        <p:spPr/>
-        <p:txBody>
-          <a:bodyPr/>
-          <a:lstStyle/>
-          <a:p>
-            <a:r>
-              <a:rPr lang="it-IT" dirty="0"/>
-              <a:t>L’oscar numero 1 va a: Mendez</a:t>
-            </a:r>
-          </a:p>
-        </p:txBody>
-      </p:sp>
-      <p:sp>
-        <p:nvSpPr>
-          <p:cNvPr id="3" name="Segnaposto contenuto 2">
-            <a:extLst>
-              <a:ext uri="{FF2B5EF4-FFF2-40B4-BE49-F238E27FC236}">
-                <a16:creationId xmlns:a16="http://schemas.microsoft.com/office/drawing/2014/main" id="{66F57C09-7D55-401D-88F5-53639CE36EEA}"/>
-              </a:ext>
-            </a:extLst>
-          </p:cNvPr>
-          <p:cNvSpPr>
-            <a:spLocks noGrp="1"/>
-          </p:cNvSpPr>
-          <p:nvPr>
-            <p:ph idx="1"/>
-          </p:nvPr>
-        </p:nvSpPr>
-        <p:spPr/>
-        <p:txBody>
-          <a:bodyPr/>
-          <a:lstStyle/>
-          <a:p>
-            <a:r>
-              <a:rPr lang="it-IT" dirty="0"/>
-              <a:t>Per averci insegnato che dobbiamo riconoscere ciò che ci da valore come persone. Che è </a:t>
-            </a:r>
-            <a:r>
-              <a:rPr lang="it-IT"/>
-              <a:t>molto importante</a:t>
-            </a:r>
-          </a:p>
-        </p:txBody>
-      </p:sp>
-    </p:spTree>
-    <p:extLst>
-      <p:ext uri="{BB962C8B-B14F-4D97-AF65-F5344CB8AC3E}">
-        <p14:creationId xmlns:p14="http://schemas.microsoft.com/office/powerpoint/2010/main" val="1551510176"/>
-      </p:ext>
-    </p:extLst>
-  </p:cSld>
-  <p:clrMapOvr>
-    <a:masterClrMapping/>
-  </p:clrMapOvr>
-</p:sld>
-</file>
-
-<file path=ppt/slides/slide2.xml><?xml version="1.0" encoding="utf-8"?>
-<p:sld xmlns:a="http://schemas.openxmlformats.org/drawingml/2006/main" xmlns:r="http://schemas.openxmlformats.org/officeDocument/2006/relationships" xmlns:p="http://schemas.openxmlformats.org/presentationml/2006/main">
-  <p:cSld>
-    <p:spTree>
-      <p:nvGrpSpPr>
-        <p:cNvPr id="1" name=""/>
-        <p:cNvGrpSpPr/>
-        <p:nvPr/>
-      </p:nvGrpSpPr>
-      <p:grpSpPr>
-        <a:xfrm>
-          <a:off x="0" y="0"/>
-          <a:ext cx="0" cy="0"/>
-          <a:chOff x="0" y="0"/>
-          <a:chExt cx="0" cy="0"/>
-        </a:xfrm>
-      </p:grpSpPr>
-      <p:sp>
-        <p:nvSpPr>
-          <p:cNvPr id="2" name="Titolo 1">
-            <a:extLst>
-              <a:ext uri="{FF2B5EF4-FFF2-40B4-BE49-F238E27FC236}">
-                <a16:creationId xmlns:a16="http://schemas.microsoft.com/office/drawing/2014/main" id="{117348F2-7B86-4ED3-963E-A5414F8D6DEE}"/>
-              </a:ext>
-            </a:extLst>
-          </p:cNvPr>
-          <p:cNvSpPr>
-            <a:spLocks noGrp="1"/>
-          </p:cNvSpPr>
-          <p:nvPr>
-            <p:ph type="title"/>
-          </p:nvPr>
-        </p:nvSpPr>
-        <p:spPr/>
-        <p:txBody>
-          <a:bodyPr/>
-          <a:lstStyle/>
-          <a:p>
-            <a:r>
-              <a:rPr lang="it-IT" dirty="0"/>
-              <a:t>Assegnazione oscar</a:t>
-            </a:r>
-          </a:p>
-        </p:txBody>
-      </p:sp>
-      <p:pic>
-        <p:nvPicPr>
-          <p:cNvPr id="5" name="Segnaposto contenuto 4" descr="Immagine che contiene testo&#10;&#10;Descrizione generata automaticamente">
-            <a:extLst>
-              <a:ext uri="{FF2B5EF4-FFF2-40B4-BE49-F238E27FC236}">
-                <a16:creationId xmlns:a16="http://schemas.microsoft.com/office/drawing/2014/main" id="{6BBFBBB7-DC9F-4B1D-8DB2-59A96E19D960}"/>
-              </a:ext>
-            </a:extLst>
-          </p:cNvPr>
-          <p:cNvPicPr>
-            <a:picLocks noGrp="1" noChangeAspect="1"/>
-          </p:cNvPicPr>
-          <p:nvPr>
-            <p:ph idx="1"/>
-          </p:nvPr>
-        </p:nvPicPr>
-        <p:blipFill>
-          <a:blip r:embed="rId2">
-            <a:extLst>
-              <a:ext uri="{28A0092B-C50C-407E-A947-70E740481C1C}">
-                <a14:useLocalDpi xmlns:a14="http://schemas.microsoft.com/office/drawing/2010/main" val="0"/>
-              </a:ext>
-            </a:extLst>
-          </a:blip>
-          <a:stretch>
-            <a:fillRect/>
-          </a:stretch>
-        </p:blipFill>
-        <p:spPr>
-          <a:xfrm>
-            <a:off x="2228144" y="1825625"/>
-            <a:ext cx="7735712" cy="4351338"/>
-          </a:xfrm>
-        </p:spPr>
-      </p:pic>
-    </p:spTree>
-    <p:extLst>
-      <p:ext uri="{BB962C8B-B14F-4D97-AF65-F5344CB8AC3E}">
-        <p14:creationId xmlns:p14="http://schemas.microsoft.com/office/powerpoint/2010/main" val="288043"/>
-      </p:ext>
-    </p:extLst>
-  </p:cSld>
-  <p:clrMapOvr>
-    <a:masterClrMapping/>
-  </p:clrMapOvr>
-</p:sld>
-</file>
-
-<file path=ppt/slides/slide3.xml><?xml version="1.0" encoding="utf-8"?>
-<p:sld xmlns:a="http://schemas.openxmlformats.org/drawingml/2006/main" xmlns:r="http://schemas.openxmlformats.org/officeDocument/2006/relationships" xmlns:p="http://schemas.openxmlformats.org/presentationml/2006/main">
-  <p:cSld>
-    <p:spTree>
-      <p:nvGrpSpPr>
-        <p:cNvPr id="1" name=""/>
-        <p:cNvGrpSpPr/>
-        <p:nvPr/>
-      </p:nvGrpSpPr>
-      <p:grpSpPr>
-        <a:xfrm>
-          <a:off x="0" y="0"/>
-          <a:ext cx="0" cy="0"/>
-          <a:chOff x="0" y="0"/>
-          <a:chExt cx="0" cy="0"/>
-        </a:xfrm>
-      </p:grpSpPr>
-      <p:sp>
-        <p:nvSpPr>
-          <p:cNvPr id="2" name="Titolo 1">
-            <a:extLst>
-              <a:ext uri="{FF2B5EF4-FFF2-40B4-BE49-F238E27FC236}">
-                <a16:creationId xmlns:a16="http://schemas.microsoft.com/office/drawing/2014/main" id="{1DAD1E0A-365E-42E0-B508-63932F8068F9}"/>
-              </a:ext>
-            </a:extLst>
-          </p:cNvPr>
-          <p:cNvSpPr>
-            <a:spLocks noGrp="1"/>
-          </p:cNvSpPr>
-          <p:nvPr>
-            <p:ph type="title"/>
-          </p:nvPr>
-        </p:nvSpPr>
-        <p:spPr/>
-        <p:txBody>
-          <a:bodyPr/>
-          <a:lstStyle/>
-          <a:p>
-            <a:r>
-              <a:rPr lang="it-IT" dirty="0"/>
-              <a:t>Il 10 oscar va a: </a:t>
-            </a:r>
-            <a:r>
-              <a:rPr lang="it-IT" dirty="0" err="1"/>
-              <a:t>Purl</a:t>
-            </a:r>
-            <a:endParaRPr lang="it-IT" dirty="0"/>
-          </a:p>
-        </p:txBody>
-      </p:sp>
-      <p:sp>
-        <p:nvSpPr>
-          <p:cNvPr id="3" name="Segnaposto contenuto 2">
-            <a:extLst>
-              <a:ext uri="{FF2B5EF4-FFF2-40B4-BE49-F238E27FC236}">
-                <a16:creationId xmlns:a16="http://schemas.microsoft.com/office/drawing/2014/main" id="{2F45D981-0920-4064-92F5-D123175974B7}"/>
-              </a:ext>
-            </a:extLst>
-          </p:cNvPr>
-          <p:cNvSpPr>
-            <a:spLocks noGrp="1"/>
-          </p:cNvSpPr>
-          <p:nvPr>
-            <p:ph idx="1"/>
-          </p:nvPr>
-        </p:nvSpPr>
-        <p:spPr/>
-        <p:txBody>
-          <a:bodyPr/>
-          <a:lstStyle/>
-          <a:p>
-            <a:r>
-              <a:rPr lang="it-IT" dirty="0"/>
-              <a:t>Per averci insegnato che per sentirci in pace con noi stessi non dobbiamo fingerci qualcun altro con i nostri "amici " ma essere i veri noi stessi con un nostro vero amico.</a:t>
-            </a:r>
-          </a:p>
-        </p:txBody>
-      </p:sp>
-    </p:spTree>
-    <p:extLst>
-      <p:ext uri="{BB962C8B-B14F-4D97-AF65-F5344CB8AC3E}">
-        <p14:creationId xmlns:p14="http://schemas.microsoft.com/office/powerpoint/2010/main" val="1405036372"/>
-      </p:ext>
-    </p:extLst>
-  </p:cSld>
-  <p:clrMapOvr>
-    <a:masterClrMapping/>
-  </p:clrMapOvr>
-</p:sld>
-</file>
-
-<file path=ppt/slides/slide4.xml><?xml version="1.0" encoding="utf-8"?>
-<p:sld xmlns:a="http://schemas.openxmlformats.org/drawingml/2006/main" xmlns:r="http://schemas.openxmlformats.org/officeDocument/2006/relationships" xmlns:p="http://schemas.openxmlformats.org/presentationml/2006/main">
-  <p:cSld>
-    <p:spTree>
-      <p:nvGrpSpPr>
-        <p:cNvPr id="1" name=""/>
-        <p:cNvGrpSpPr/>
-        <p:nvPr/>
-      </p:nvGrpSpPr>
-      <p:grpSpPr>
-        <a:xfrm>
-          <a:off x="0" y="0"/>
-          <a:ext cx="0" cy="0"/>
-          <a:chOff x="0" y="0"/>
-          <a:chExt cx="0" cy="0"/>
-        </a:xfrm>
-      </p:grpSpPr>
-      <p:sp>
-        <p:nvSpPr>
-          <p:cNvPr id="2" name="Titolo 1">
-            <a:extLst>
-              <a:ext uri="{FF2B5EF4-FFF2-40B4-BE49-F238E27FC236}">
-                <a16:creationId xmlns:a16="http://schemas.microsoft.com/office/drawing/2014/main" id="{F9E5EFBF-8D5D-4376-9589-9F4D721E04FF}"/>
-              </a:ext>
-            </a:extLst>
-          </p:cNvPr>
-          <p:cNvSpPr>
-            <a:spLocks noGrp="1"/>
-          </p:cNvSpPr>
-          <p:nvPr>
-            <p:ph type="title"/>
-          </p:nvPr>
-        </p:nvSpPr>
-        <p:spPr/>
-        <p:txBody>
-          <a:bodyPr/>
-          <a:lstStyle/>
-          <a:p>
-            <a:r>
-              <a:rPr lang="it-IT" dirty="0"/>
-              <a:t>Il 9 oscar va a: </a:t>
-            </a:r>
-            <a:r>
-              <a:rPr lang="it-IT" dirty="0" err="1"/>
-              <a:t>alike</a:t>
-            </a:r>
-            <a:r>
-              <a:rPr lang="it-IT" dirty="0"/>
-              <a:t> il padre</a:t>
-            </a:r>
-          </a:p>
-        </p:txBody>
-      </p:sp>
-      <p:sp>
-        <p:nvSpPr>
-          <p:cNvPr id="3" name="Segnaposto contenuto 2">
-            <a:extLst>
-              <a:ext uri="{FF2B5EF4-FFF2-40B4-BE49-F238E27FC236}">
-                <a16:creationId xmlns:a16="http://schemas.microsoft.com/office/drawing/2014/main" id="{94693965-8640-405A-88AE-5DB91442C7FA}"/>
-              </a:ext>
-            </a:extLst>
-          </p:cNvPr>
-          <p:cNvSpPr>
-            <a:spLocks noGrp="1"/>
-          </p:cNvSpPr>
-          <p:nvPr>
-            <p:ph idx="1"/>
-          </p:nvPr>
-        </p:nvSpPr>
-        <p:spPr/>
-        <p:txBody>
-          <a:bodyPr/>
-          <a:lstStyle/>
-          <a:p>
-            <a:r>
-              <a:rPr lang="it-IT" dirty="0"/>
-              <a:t>Per averci insegnato che senza la famiglia e le persone a cui vogliamo bene non saremo mai felici </a:t>
-            </a:r>
-          </a:p>
-        </p:txBody>
-      </p:sp>
-    </p:spTree>
-    <p:extLst>
-      <p:ext uri="{BB962C8B-B14F-4D97-AF65-F5344CB8AC3E}">
-        <p14:creationId xmlns:p14="http://schemas.microsoft.com/office/powerpoint/2010/main" val="1959436909"/>
-      </p:ext>
-    </p:extLst>
-  </p:cSld>
-  <p:clrMapOvr>
-    <a:masterClrMapping/>
-  </p:clrMapOvr>
-</p:sld>
-</file>
-
-<file path=ppt/slides/slide5.xml><?xml version="1.0" encoding="utf-8"?>
-<p:sld xmlns:a="http://schemas.openxmlformats.org/drawingml/2006/main" xmlns:r="http://schemas.openxmlformats.org/officeDocument/2006/relationships" xmlns:p="http://schemas.openxmlformats.org/presentationml/2006/main">
-  <p:cSld>
-    <p:spTree>
-      <p:nvGrpSpPr>
-        <p:cNvPr id="1" name=""/>
-        <p:cNvGrpSpPr/>
-        <p:nvPr/>
-      </p:nvGrpSpPr>
-      <p:grpSpPr>
-        <a:xfrm>
-          <a:off x="0" y="0"/>
-          <a:ext cx="0" cy="0"/>
-          <a:chOff x="0" y="0"/>
-          <a:chExt cx="0" cy="0"/>
-        </a:xfrm>
-      </p:grpSpPr>
-      <p:sp>
-        <p:nvSpPr>
-          <p:cNvPr id="2" name="Titolo 1">
-            <a:extLst>
-              <a:ext uri="{FF2B5EF4-FFF2-40B4-BE49-F238E27FC236}">
-                <a16:creationId xmlns:a16="http://schemas.microsoft.com/office/drawing/2014/main" id="{0708B947-80DD-4A2F-A2EB-C53D236CB424}"/>
-              </a:ext>
-            </a:extLst>
-          </p:cNvPr>
-          <p:cNvSpPr>
-            <a:spLocks noGrp="1"/>
-          </p:cNvSpPr>
-          <p:nvPr>
-            <p:ph type="title"/>
-          </p:nvPr>
-        </p:nvSpPr>
-        <p:spPr/>
-        <p:txBody>
-          <a:bodyPr/>
-          <a:lstStyle/>
-          <a:p>
-            <a:r>
-              <a:rPr lang="it-IT" dirty="0"/>
-              <a:t>L’8 oscar va a: il bambino de piedi sinistri</a:t>
-            </a:r>
-          </a:p>
-        </p:txBody>
-      </p:sp>
-      <p:sp>
-        <p:nvSpPr>
-          <p:cNvPr id="3" name="Segnaposto contenuto 2">
-            <a:extLst>
-              <a:ext uri="{FF2B5EF4-FFF2-40B4-BE49-F238E27FC236}">
-                <a16:creationId xmlns:a16="http://schemas.microsoft.com/office/drawing/2014/main" id="{E1E22650-2AE0-4B3E-8DC0-0EE1F7AA3005}"/>
-              </a:ext>
-            </a:extLst>
-          </p:cNvPr>
-          <p:cNvSpPr>
-            <a:spLocks noGrp="1"/>
-          </p:cNvSpPr>
-          <p:nvPr>
-            <p:ph idx="1"/>
-          </p:nvPr>
-        </p:nvSpPr>
-        <p:spPr/>
-        <p:txBody>
-          <a:bodyPr/>
-          <a:lstStyle/>
-          <a:p>
-            <a:r>
-              <a:rPr lang="it-IT" dirty="0"/>
-              <a:t>Per averci fatto notare come (a parer mio) il calcio rovina molte possibili amicizie e piccoli amori</a:t>
-            </a:r>
-          </a:p>
-        </p:txBody>
-      </p:sp>
-    </p:spTree>
-    <p:extLst>
-      <p:ext uri="{BB962C8B-B14F-4D97-AF65-F5344CB8AC3E}">
-        <p14:creationId xmlns:p14="http://schemas.microsoft.com/office/powerpoint/2010/main" val="514538036"/>
-      </p:ext>
-    </p:extLst>
-  </p:cSld>
-  <p:clrMapOvr>
-    <a:masterClrMapping/>
-  </p:clrMapOvr>
-</p:sld>
-</file>
-
-<file path=ppt/slides/slide6.xml><?xml version="1.0" encoding="utf-8"?>
-<p:sld xmlns:a="http://schemas.openxmlformats.org/drawingml/2006/main" xmlns:r="http://schemas.openxmlformats.org/officeDocument/2006/relationships" xmlns:p="http://schemas.openxmlformats.org/presentationml/2006/main">
-  <p:cSld>
-    <p:spTree>
-      <p:nvGrpSpPr>
-        <p:cNvPr id="1" name=""/>
-        <p:cNvGrpSpPr/>
-        <p:nvPr/>
-      </p:nvGrpSpPr>
-      <p:grpSpPr>
-        <a:xfrm>
-          <a:off x="0" y="0"/>
-          <a:ext cx="0" cy="0"/>
-          <a:chOff x="0" y="0"/>
-          <a:chExt cx="0" cy="0"/>
-        </a:xfrm>
-      </p:grpSpPr>
-      <p:sp>
-        <p:nvSpPr>
-          <p:cNvPr id="2" name="Titolo 1">
-            <a:extLst>
-              <a:ext uri="{FF2B5EF4-FFF2-40B4-BE49-F238E27FC236}">
-                <a16:creationId xmlns:a16="http://schemas.microsoft.com/office/drawing/2014/main" id="{0D71CBD1-4B24-4E2D-8B19-6B3B39865796}"/>
-              </a:ext>
-            </a:extLst>
-          </p:cNvPr>
-          <p:cNvSpPr>
-            <a:spLocks noGrp="1"/>
-          </p:cNvSpPr>
-          <p:nvPr>
-            <p:ph type="title"/>
-          </p:nvPr>
-        </p:nvSpPr>
-        <p:spPr/>
-        <p:txBody>
-          <a:bodyPr/>
-          <a:lstStyle/>
-          <a:p>
-            <a:r>
-              <a:rPr lang="it-IT" dirty="0"/>
-              <a:t>Il 7 oscar va a: Tony, </a:t>
-            </a:r>
-            <a:r>
-              <a:rPr lang="it-IT" dirty="0" err="1"/>
-              <a:t>Greenbook</a:t>
-            </a:r>
-            <a:r>
-              <a:rPr lang="it-IT" dirty="0"/>
-              <a:t> (non lo abbiamo ancora finito però)</a:t>
-            </a:r>
-          </a:p>
-        </p:txBody>
-      </p:sp>
-      <p:sp>
-        <p:nvSpPr>
-          <p:cNvPr id="3" name="Segnaposto contenuto 2">
-            <a:extLst>
-              <a:ext uri="{FF2B5EF4-FFF2-40B4-BE49-F238E27FC236}">
-                <a16:creationId xmlns:a16="http://schemas.microsoft.com/office/drawing/2014/main" id="{E8F5CE4F-A074-467E-AFE5-9370BEBC3FC7}"/>
-              </a:ext>
-            </a:extLst>
-          </p:cNvPr>
-          <p:cNvSpPr>
-            <a:spLocks noGrp="1"/>
-          </p:cNvSpPr>
-          <p:nvPr>
-            <p:ph idx="1"/>
-          </p:nvPr>
-        </p:nvSpPr>
-        <p:spPr/>
-        <p:txBody>
-          <a:bodyPr/>
-          <a:lstStyle/>
-          <a:p>
-            <a:r>
-              <a:rPr lang="it-IT" dirty="0"/>
-              <a:t>Per averci insegnato che nonostante il colore della pelle le persone sono tutte uguali.</a:t>
-            </a:r>
-          </a:p>
-        </p:txBody>
-      </p:sp>
-    </p:spTree>
-    <p:extLst>
-      <p:ext uri="{BB962C8B-B14F-4D97-AF65-F5344CB8AC3E}">
-        <p14:creationId xmlns:p14="http://schemas.microsoft.com/office/powerpoint/2010/main" val="2482146951"/>
-      </p:ext>
-    </p:extLst>
-  </p:cSld>
-  <p:clrMapOvr>
-    <a:masterClrMapping/>
-  </p:clrMapOvr>
-</p:sld>
-</file>
-
-<file path=ppt/slides/slide7.xml><?xml version="1.0" encoding="utf-8"?>
-<p:sld xmlns:a="http://schemas.openxmlformats.org/drawingml/2006/main" xmlns:r="http://schemas.openxmlformats.org/officeDocument/2006/relationships" xmlns:p="http://schemas.openxmlformats.org/presentationml/2006/main">
-  <p:cSld>
-    <p:spTree>
-      <p:nvGrpSpPr>
-        <p:cNvPr id="1" name=""/>
-        <p:cNvGrpSpPr/>
-        <p:nvPr/>
-      </p:nvGrpSpPr>
-      <p:grpSpPr>
-        <a:xfrm>
-          <a:off x="0" y="0"/>
-          <a:ext cx="0" cy="0"/>
-          <a:chOff x="0" y="0"/>
-          <a:chExt cx="0" cy="0"/>
-        </a:xfrm>
-      </p:grpSpPr>
-      <p:sp>
-        <p:nvSpPr>
-          <p:cNvPr id="2" name="Titolo 1">
-            <a:extLst>
-              <a:ext uri="{FF2B5EF4-FFF2-40B4-BE49-F238E27FC236}">
-                <a16:creationId xmlns:a16="http://schemas.microsoft.com/office/drawing/2014/main" id="{4C4034A2-F844-4081-A564-B7B8014E9F73}"/>
-              </a:ext>
-            </a:extLst>
-          </p:cNvPr>
-          <p:cNvSpPr>
-            <a:spLocks noGrp="1"/>
-          </p:cNvSpPr>
-          <p:nvPr>
-            <p:ph type="title"/>
-          </p:nvPr>
-        </p:nvSpPr>
-        <p:spPr/>
-        <p:txBody>
-          <a:bodyPr/>
-          <a:lstStyle/>
-          <a:p>
-            <a:r>
-              <a:rPr lang="it-IT" dirty="0"/>
-              <a:t>Il 6 oscar va a: il direttore de il concerto</a:t>
-            </a:r>
-          </a:p>
-        </p:txBody>
-      </p:sp>
-      <p:sp>
-        <p:nvSpPr>
-          <p:cNvPr id="3" name="Segnaposto contenuto 2">
-            <a:extLst>
-              <a:ext uri="{FF2B5EF4-FFF2-40B4-BE49-F238E27FC236}">
-                <a16:creationId xmlns:a16="http://schemas.microsoft.com/office/drawing/2014/main" id="{12E099BD-9E0F-4369-B671-994C8F7862E1}"/>
-              </a:ext>
-            </a:extLst>
-          </p:cNvPr>
-          <p:cNvSpPr>
-            <a:spLocks noGrp="1"/>
-          </p:cNvSpPr>
-          <p:nvPr>
-            <p:ph idx="1"/>
-          </p:nvPr>
-        </p:nvSpPr>
-        <p:spPr/>
-        <p:txBody>
-          <a:bodyPr/>
-          <a:lstStyle/>
-          <a:p>
-            <a:r>
-              <a:rPr lang="it-IT" dirty="0"/>
-              <a:t>Per averci fatto capire che anche se le perone cercheranno di infrangere i nostri sogni noi dobbiamo continuare a cercare di realizzarli</a:t>
-            </a:r>
-          </a:p>
-        </p:txBody>
-      </p:sp>
-    </p:spTree>
-    <p:extLst>
-      <p:ext uri="{BB962C8B-B14F-4D97-AF65-F5344CB8AC3E}">
-        <p14:creationId xmlns:p14="http://schemas.microsoft.com/office/powerpoint/2010/main" val="1280545292"/>
-      </p:ext>
-    </p:extLst>
-  </p:cSld>
-  <p:clrMapOvr>
-    <a:masterClrMapping/>
-  </p:clrMapOvr>
-</p:sld>
-</file>
-
-<file path=ppt/slides/slide8.xml><?xml version="1.0" encoding="utf-8"?>
-<p:sld xmlns:a="http://schemas.openxmlformats.org/drawingml/2006/main" xmlns:r="http://schemas.openxmlformats.org/officeDocument/2006/relationships" xmlns:p="http://schemas.openxmlformats.org/presentationml/2006/main">
-  <p:cSld>
-    <p:spTree>
-      <p:nvGrpSpPr>
-        <p:cNvPr id="1" name=""/>
-        <p:cNvGrpSpPr/>
-        <p:nvPr/>
-      </p:nvGrpSpPr>
-      <p:grpSpPr>
-        <a:xfrm>
-          <a:off x="0" y="0"/>
-          <a:ext cx="0" cy="0"/>
-          <a:chOff x="0" y="0"/>
-          <a:chExt cx="0" cy="0"/>
-        </a:xfrm>
-      </p:grpSpPr>
-      <p:sp>
-        <p:nvSpPr>
-          <p:cNvPr id="2" name="Titolo 1">
-            <a:extLst>
-              <a:ext uri="{FF2B5EF4-FFF2-40B4-BE49-F238E27FC236}">
-                <a16:creationId xmlns:a16="http://schemas.microsoft.com/office/drawing/2014/main" id="{DCABBF68-F2E9-4F0D-A417-8346B8481C99}"/>
-              </a:ext>
-            </a:extLst>
-          </p:cNvPr>
-          <p:cNvSpPr>
-            <a:spLocks noGrp="1"/>
-          </p:cNvSpPr>
-          <p:nvPr>
-            <p:ph type="title"/>
-          </p:nvPr>
-        </p:nvSpPr>
-        <p:spPr/>
-        <p:txBody>
-          <a:bodyPr/>
-          <a:lstStyle/>
-          <a:p>
-            <a:r>
-              <a:rPr lang="it-IT" dirty="0"/>
-              <a:t>Il 5 oscar va a: Mary</a:t>
-            </a:r>
-          </a:p>
-        </p:txBody>
-      </p:sp>
-      <p:sp>
-        <p:nvSpPr>
-          <p:cNvPr id="3" name="Segnaposto contenuto 2">
-            <a:extLst>
-              <a:ext uri="{FF2B5EF4-FFF2-40B4-BE49-F238E27FC236}">
-                <a16:creationId xmlns:a16="http://schemas.microsoft.com/office/drawing/2014/main" id="{F307E133-017C-4D7A-B436-00A4849A0C36}"/>
-              </a:ext>
-            </a:extLst>
-          </p:cNvPr>
-          <p:cNvSpPr>
-            <a:spLocks noGrp="1"/>
-          </p:cNvSpPr>
-          <p:nvPr>
-            <p:ph idx="1"/>
-          </p:nvPr>
-        </p:nvSpPr>
-        <p:spPr/>
-        <p:txBody>
-          <a:bodyPr/>
-          <a:lstStyle/>
-          <a:p>
-            <a:r>
-              <a:rPr lang="it-IT" dirty="0"/>
-              <a:t>Per averci dimostrato che puoi arrivare a non arrenderci e studiare per poter fare il lavoro che ci piace</a:t>
-            </a:r>
-          </a:p>
-        </p:txBody>
-      </p:sp>
-    </p:spTree>
-    <p:extLst>
-      <p:ext uri="{BB962C8B-B14F-4D97-AF65-F5344CB8AC3E}">
-        <p14:creationId xmlns:p14="http://schemas.microsoft.com/office/powerpoint/2010/main" val="2053859617"/>
-      </p:ext>
-    </p:extLst>
-  </p:cSld>
-  <p:clrMapOvr>
-    <a:masterClrMapping/>
-  </p:clrMapOvr>
-</p:sld>
-</file>
-
-<file path=ppt/slides/slide9.xml><?xml version="1.0" encoding="utf-8"?>
-<p:sld xmlns:a="http://schemas.openxmlformats.org/drawingml/2006/main" xmlns:r="http://schemas.openxmlformats.org/officeDocument/2006/relationships" xmlns:p="http://schemas.openxmlformats.org/presentationml/2006/main">
-  <p:cSld>
-    <p:spTree>
-      <p:nvGrpSpPr>
-        <p:cNvPr id="1" name=""/>
-        <p:cNvGrpSpPr/>
-        <p:nvPr/>
-      </p:nvGrpSpPr>
-      <p:grpSpPr>
-        <a:xfrm>
-          <a:off x="0" y="0"/>
-          <a:ext cx="0" cy="0"/>
-          <a:chOff x="0" y="0"/>
-          <a:chExt cx="0" cy="0"/>
-        </a:xfrm>
-      </p:grpSpPr>
-      <p:sp>
-        <p:nvSpPr>
-          <p:cNvPr id="2" name="Titolo 1">
-            <a:extLst>
-              <a:ext uri="{FF2B5EF4-FFF2-40B4-BE49-F238E27FC236}">
-                <a16:creationId xmlns:a16="http://schemas.microsoft.com/office/drawing/2014/main" id="{A323F001-77E8-4207-95B6-7DBA6C002F03}"/>
-              </a:ext>
-            </a:extLst>
-          </p:cNvPr>
-          <p:cNvSpPr>
-            <a:spLocks noGrp="1"/>
-          </p:cNvSpPr>
-          <p:nvPr>
-            <p:ph type="title"/>
-          </p:nvPr>
-        </p:nvSpPr>
-        <p:spPr/>
-        <p:txBody>
-          <a:bodyPr/>
-          <a:lstStyle/>
-          <a:p>
-            <a:r>
-              <a:rPr lang="it-IT" dirty="0"/>
-              <a:t>Il 4 oscar va a: </a:t>
-            </a:r>
-            <a:r>
-              <a:rPr lang="it-IT" dirty="0" err="1"/>
-              <a:t>Jojo</a:t>
-            </a:r>
-            <a:r>
-              <a:rPr lang="it-IT" dirty="0"/>
-              <a:t> de </a:t>
-            </a:r>
-            <a:r>
-              <a:rPr lang="it-IT" dirty="0" err="1"/>
-              <a:t>Jojo</a:t>
-            </a:r>
-            <a:r>
-              <a:rPr lang="it-IT" dirty="0"/>
-              <a:t> </a:t>
-            </a:r>
-            <a:r>
-              <a:rPr lang="it-IT" dirty="0" err="1"/>
-              <a:t>rabbit</a:t>
-            </a:r>
-            <a:endParaRPr lang="it-IT" dirty="0"/>
-          </a:p>
-        </p:txBody>
-      </p:sp>
-      <p:sp>
-        <p:nvSpPr>
-          <p:cNvPr id="3" name="Segnaposto contenuto 2">
-            <a:extLst>
-              <a:ext uri="{FF2B5EF4-FFF2-40B4-BE49-F238E27FC236}">
-                <a16:creationId xmlns:a16="http://schemas.microsoft.com/office/drawing/2014/main" id="{1E2E14C7-73F5-4CEF-A0EE-B2AF0AFE4939}"/>
-              </a:ext>
-            </a:extLst>
-          </p:cNvPr>
-          <p:cNvSpPr>
-            <a:spLocks noGrp="1"/>
-          </p:cNvSpPr>
-          <p:nvPr>
-            <p:ph idx="1"/>
-          </p:nvPr>
-        </p:nvSpPr>
-        <p:spPr/>
-        <p:txBody>
-          <a:bodyPr/>
-          <a:lstStyle/>
-          <a:p>
-            <a:r>
-              <a:rPr lang="it-IT" dirty="0"/>
-              <a:t>Per averci fatto capire che non bisogna seguire le idee degli </a:t>
-            </a:r>
-            <a:r>
-              <a:rPr lang="it-IT" dirty="0" err="1"/>
-              <a:t>sltri</a:t>
-            </a:r>
-            <a:r>
-              <a:rPr lang="it-IT" dirty="0"/>
-              <a:t> anche se ci sembrano giuste ma di pensare e avere la nostra opinione</a:t>
-            </a:r>
-          </a:p>
-        </p:txBody>
-      </p:sp>
-    </p:spTree>
-    <p:extLst>
-      <p:ext uri="{BB962C8B-B14F-4D97-AF65-F5344CB8AC3E}">
-        <p14:creationId xmlns:p14="http://schemas.microsoft.com/office/powerpoint/2010/main" val="3753126494"/>
-      </p:ext>
-    </p:extLst>
-  </p:cSld>
-  <p:clrMapOvr>
-    <a:masterClrMapping/>
+    <a:overrideClrMapping bg1="dk1" tx1="lt1" bg2="dk2" tx2="lt2" accent1="accent1" accent2="accent2" accent3="accent3" accent4="accent4" accent5="accent5" accent6="accent6" hlink="hlink" folHlink="folHlink"/>
   </p:clrMapOvr>
 </p:sld>
 </file>
@@ -4703,4 +10286,90 @@
     </a:ext>
   </a:extLst>
 </a:theme>
+</file>
+
+<file path=ppt/theme/themeOverride1.xml><?xml version="1.0" encoding="utf-8"?>
+<a:themeOverride xmlns:a="http://schemas.openxmlformats.org/drawingml/2006/main">
+  <a:clrScheme name="Office">
+    <a:dk1>
+      <a:sysClr val="windowText" lastClr="000000"/>
+    </a:dk1>
+    <a:lt1>
+      <a:sysClr val="window" lastClr="FFFFFF"/>
+    </a:lt1>
+    <a:dk2>
+      <a:srgbClr val="44546A"/>
+    </a:dk2>
+    <a:lt2>
+      <a:srgbClr val="E7E6E6"/>
+    </a:lt2>
+    <a:accent1>
+      <a:srgbClr val="4472C4"/>
+    </a:accent1>
+    <a:accent2>
+      <a:srgbClr val="ED7D31"/>
+    </a:accent2>
+    <a:accent3>
+      <a:srgbClr val="A5A5A5"/>
+    </a:accent3>
+    <a:accent4>
+      <a:srgbClr val="FFC000"/>
+    </a:accent4>
+    <a:accent5>
+      <a:srgbClr val="5B9BD5"/>
+    </a:accent5>
+    <a:accent6>
+      <a:srgbClr val="70AD47"/>
+    </a:accent6>
+    <a:hlink>
+      <a:srgbClr val="0563C1"/>
+    </a:hlink>
+    <a:folHlink>
+      <a:srgbClr val="954F72"/>
+    </a:folHlink>
+  </a:clrScheme>
+</a:themeOverride>
+</file>
+
+<file path=ppt/theme/themeOverride2.xml><?xml version="1.0" encoding="utf-8"?>
+<a:themeOverride xmlns:a="http://schemas.openxmlformats.org/drawingml/2006/main">
+  <a:clrScheme name="Office">
+    <a:dk1>
+      <a:sysClr val="windowText" lastClr="000000"/>
+    </a:dk1>
+    <a:lt1>
+      <a:sysClr val="window" lastClr="FFFFFF"/>
+    </a:lt1>
+    <a:dk2>
+      <a:srgbClr val="44546A"/>
+    </a:dk2>
+    <a:lt2>
+      <a:srgbClr val="E7E6E6"/>
+    </a:lt2>
+    <a:accent1>
+      <a:srgbClr val="4472C4"/>
+    </a:accent1>
+    <a:accent2>
+      <a:srgbClr val="ED7D31"/>
+    </a:accent2>
+    <a:accent3>
+      <a:srgbClr val="A5A5A5"/>
+    </a:accent3>
+    <a:accent4>
+      <a:srgbClr val="FFC000"/>
+    </a:accent4>
+    <a:accent5>
+      <a:srgbClr val="5B9BD5"/>
+    </a:accent5>
+    <a:accent6>
+      <a:srgbClr val="70AD47"/>
+    </a:accent6>
+    <a:hlink>
+      <a:srgbClr val="0563C1"/>
+    </a:hlink>
+    <a:folHlink>
+      <a:srgbClr val="954F72"/>
+    </a:folHlink>
+  </a:clrScheme>
+</a:themeOverride>
 </file>
--- a/Oscar Night.pptx
+++ b/Oscar Night.pptx
@@ -269,7 +269,7 @@
           <a:p>
             <a:fld id="{6E5BED98-3B5E-4B9B-A895-4B552719D125}" type="datetimeFigureOut">
               <a:rPr lang="it-IT" smtClean="0"/>
-              <a:t>25/05/2021</a:t>
+              <a:t>26/05/2021</a:t>
             </a:fld>
             <a:endParaRPr lang="it-IT"/>
           </a:p>
@@ -467,7 +467,7 @@
           <a:p>
             <a:fld id="{6E5BED98-3B5E-4B9B-A895-4B552719D125}" type="datetimeFigureOut">
               <a:rPr lang="it-IT" smtClean="0"/>
-              <a:t>25/05/2021</a:t>
+              <a:t>26/05/2021</a:t>
             </a:fld>
             <a:endParaRPr lang="it-IT"/>
           </a:p>
@@ -675,7 +675,7 @@
           <a:p>
             <a:fld id="{6E5BED98-3B5E-4B9B-A895-4B552719D125}" type="datetimeFigureOut">
               <a:rPr lang="it-IT" smtClean="0"/>
-              <a:t>25/05/2021</a:t>
+              <a:t>26/05/2021</a:t>
             </a:fld>
             <a:endParaRPr lang="it-IT"/>
           </a:p>
@@ -873,7 +873,7 @@
           <a:p>
             <a:fld id="{6E5BED98-3B5E-4B9B-A895-4B552719D125}" type="datetimeFigureOut">
               <a:rPr lang="it-IT" smtClean="0"/>
-              <a:t>25/05/2021</a:t>
+              <a:t>26/05/2021</a:t>
             </a:fld>
             <a:endParaRPr lang="it-IT"/>
           </a:p>
@@ -1148,7 +1148,7 @@
           <a:p>
             <a:fld id="{6E5BED98-3B5E-4B9B-A895-4B552719D125}" type="datetimeFigureOut">
               <a:rPr lang="it-IT" smtClean="0"/>
-              <a:t>25/05/2021</a:t>
+              <a:t>26/05/2021</a:t>
             </a:fld>
             <a:endParaRPr lang="it-IT"/>
           </a:p>
@@ -1413,7 +1413,7 @@
           <a:p>
             <a:fld id="{6E5BED98-3B5E-4B9B-A895-4B552719D125}" type="datetimeFigureOut">
               <a:rPr lang="it-IT" smtClean="0"/>
-              <a:t>25/05/2021</a:t>
+              <a:t>26/05/2021</a:t>
             </a:fld>
             <a:endParaRPr lang="it-IT"/>
           </a:p>
@@ -1825,7 +1825,7 @@
           <a:p>
             <a:fld id="{6E5BED98-3B5E-4B9B-A895-4B552719D125}" type="datetimeFigureOut">
               <a:rPr lang="it-IT" smtClean="0"/>
-              <a:t>25/05/2021</a:t>
+              <a:t>26/05/2021</a:t>
             </a:fld>
             <a:endParaRPr lang="it-IT"/>
           </a:p>
@@ -1966,7 +1966,7 @@
           <a:p>
             <a:fld id="{6E5BED98-3B5E-4B9B-A895-4B552719D125}" type="datetimeFigureOut">
               <a:rPr lang="it-IT" smtClean="0"/>
-              <a:t>25/05/2021</a:t>
+              <a:t>26/05/2021</a:t>
             </a:fld>
             <a:endParaRPr lang="it-IT"/>
           </a:p>
@@ -2079,7 +2079,7 @@
           <a:p>
             <a:fld id="{6E5BED98-3B5E-4B9B-A895-4B552719D125}" type="datetimeFigureOut">
               <a:rPr lang="it-IT" smtClean="0"/>
-              <a:t>25/05/2021</a:t>
+              <a:t>26/05/2021</a:t>
             </a:fld>
             <a:endParaRPr lang="it-IT"/>
           </a:p>
@@ -2390,7 +2390,7 @@
           <a:p>
             <a:fld id="{6E5BED98-3B5E-4B9B-A895-4B552719D125}" type="datetimeFigureOut">
               <a:rPr lang="it-IT" smtClean="0"/>
-              <a:t>25/05/2021</a:t>
+              <a:t>26/05/2021</a:t>
             </a:fld>
             <a:endParaRPr lang="it-IT"/>
           </a:p>
@@ -2678,7 +2678,7 @@
           <a:p>
             <a:fld id="{6E5BED98-3B5E-4B9B-A895-4B552719D125}" type="datetimeFigureOut">
               <a:rPr lang="it-IT" smtClean="0"/>
-              <a:t>25/05/2021</a:t>
+              <a:t>26/05/2021</a:t>
             </a:fld>
             <a:endParaRPr lang="it-IT"/>
           </a:p>
@@ -2919,7 +2919,7 @@
           <a:p>
             <a:fld id="{6E5BED98-3B5E-4B9B-A895-4B552719D125}" type="datetimeFigureOut">
               <a:rPr lang="it-IT" smtClean="0"/>
-              <a:t>25/05/2021</a:t>
+              <a:t>26/05/2021</a:t>
             </a:fld>
             <a:endParaRPr lang="it-IT"/>
           </a:p>
@@ -4864,12 +4864,20 @@
               </a:rPr>
             </a:br>
             <a:r>
+              <a:rPr lang="en-US" sz="3800" kern="1200">
+                <a:latin typeface="+mj-lt"/>
+                <a:ea typeface="+mj-ea"/>
+                <a:cs typeface="+mj-cs"/>
+              </a:rPr>
+              <a:t>Il CIRCO </a:t>
+            </a:r>
+            <a:r>
               <a:rPr lang="en-US" sz="3800" kern="1200" dirty="0">
                 <a:latin typeface="+mj-lt"/>
                 <a:ea typeface="+mj-ea"/>
                 <a:cs typeface="+mj-cs"/>
               </a:rPr>
-              <a:t>Il CIRCO DELLA FARFALLA</a:t>
+              <a:t>DELLA FARFALLA</a:t>
             </a:r>
           </a:p>
         </p:txBody>
@@ -5156,18 +5164,13 @@
               <a:t>tutte</a:t>
             </a:r>
             <a:r>
-              <a:rPr lang="en-US" kern="1200">
+              <a:rPr lang="en-US" kern="1200" dirty="0">
                 <a:latin typeface="+mn-lt"/>
                 <a:ea typeface="+mn-ea"/>
                 <a:cs typeface="+mn-cs"/>
               </a:rPr>
-              <a:t>. </a:t>
-            </a:r>
-            <a:endParaRPr lang="en-US" kern="1200" dirty="0">
-              <a:latin typeface="+mn-lt"/>
-              <a:ea typeface="+mn-ea"/>
-              <a:cs typeface="+mn-cs"/>
-            </a:endParaRPr>
+              <a:t>.</a:t>
+            </a:r>
           </a:p>
         </p:txBody>
       </p:sp>
